--- a/训练中心创客交叉融合空间建设/doc/创客交叉融合空间宣传册.pptx
+++ b/训练中心创客交叉融合空间建设/doc/创客交叉融合空间宣传册.pptx
@@ -16,6 +16,11 @@
     <p:sldId id="264" r:id="rId10"/>
     <p:sldId id="265" r:id="rId11"/>
     <p:sldId id="266" r:id="rId12"/>
+    <p:sldId id="267" r:id="rId13"/>
+    <p:sldId id="268" r:id="rId14"/>
+    <p:sldId id="269" r:id="rId15"/>
+    <p:sldId id="270" r:id="rId16"/>
+    <p:sldId id="271" r:id="rId17"/>
   </p:sldIdLst>
   <p:sldSz cx="5759450" cy="9720263"/>
   <p:notesSz cx="6858000" cy="9144000"/>
@@ -253,7 +258,7 @@
           <a:p>
             <a:fld id="{618260D7-4791-449E-B0C3-A5F2790DD3B3}" type="datetimeFigureOut">
               <a:rPr lang="zh-CN" altLang="en-US" smtClean="0"/>
-              <a:t>2014/5/17</a:t>
+              <a:t>2014/5/18</a:t>
             </a:fld>
             <a:endParaRPr lang="zh-CN" altLang="en-US"/>
           </a:p>
@@ -510,7 +515,7 @@
           <a:p>
             <a:fld id="{618260D7-4791-449E-B0C3-A5F2790DD3B3}" type="datetimeFigureOut">
               <a:rPr lang="zh-CN" altLang="en-US" smtClean="0"/>
-              <a:t>2014/5/17</a:t>
+              <a:t>2014/5/18</a:t>
             </a:fld>
             <a:endParaRPr lang="zh-CN" altLang="en-US"/>
           </a:p>
@@ -680,7 +685,7 @@
           <a:p>
             <a:fld id="{618260D7-4791-449E-B0C3-A5F2790DD3B3}" type="datetimeFigureOut">
               <a:rPr lang="zh-CN" altLang="en-US" smtClean="0"/>
-              <a:t>2014/5/17</a:t>
+              <a:t>2014/5/18</a:t>
             </a:fld>
             <a:endParaRPr lang="zh-CN" altLang="en-US"/>
           </a:p>
@@ -860,7 +865,7 @@
           <a:p>
             <a:fld id="{618260D7-4791-449E-B0C3-A5F2790DD3B3}" type="datetimeFigureOut">
               <a:rPr lang="zh-CN" altLang="en-US" smtClean="0"/>
-              <a:t>2014/5/17</a:t>
+              <a:t>2014/5/18</a:t>
             </a:fld>
             <a:endParaRPr lang="zh-CN" altLang="en-US"/>
           </a:p>
@@ -1030,7 +1035,7 @@
           <a:p>
             <a:fld id="{618260D7-4791-449E-B0C3-A5F2790DD3B3}" type="datetimeFigureOut">
               <a:rPr lang="zh-CN" altLang="en-US" smtClean="0"/>
-              <a:t>2014/5/17</a:t>
+              <a:t>2014/5/18</a:t>
             </a:fld>
             <a:endParaRPr lang="zh-CN" altLang="en-US"/>
           </a:p>
@@ -1274,7 +1279,7 @@
           <a:p>
             <a:fld id="{618260D7-4791-449E-B0C3-A5F2790DD3B3}" type="datetimeFigureOut">
               <a:rPr lang="zh-CN" altLang="en-US" smtClean="0"/>
-              <a:t>2014/5/17</a:t>
+              <a:t>2014/5/18</a:t>
             </a:fld>
             <a:endParaRPr lang="zh-CN" altLang="en-US"/>
           </a:p>
@@ -1506,7 +1511,7 @@
           <a:p>
             <a:fld id="{618260D7-4791-449E-B0C3-A5F2790DD3B3}" type="datetimeFigureOut">
               <a:rPr lang="zh-CN" altLang="en-US" smtClean="0"/>
-              <a:t>2014/5/17</a:t>
+              <a:t>2014/5/18</a:t>
             </a:fld>
             <a:endParaRPr lang="zh-CN" altLang="en-US"/>
           </a:p>
@@ -1873,7 +1878,7 @@
           <a:p>
             <a:fld id="{618260D7-4791-449E-B0C3-A5F2790DD3B3}" type="datetimeFigureOut">
               <a:rPr lang="zh-CN" altLang="en-US" smtClean="0"/>
-              <a:t>2014/5/17</a:t>
+              <a:t>2014/5/18</a:t>
             </a:fld>
             <a:endParaRPr lang="zh-CN" altLang="en-US"/>
           </a:p>
@@ -1991,7 +1996,7 @@
           <a:p>
             <a:fld id="{618260D7-4791-449E-B0C3-A5F2790DD3B3}" type="datetimeFigureOut">
               <a:rPr lang="zh-CN" altLang="en-US" smtClean="0"/>
-              <a:t>2014/5/17</a:t>
+              <a:t>2014/5/18</a:t>
             </a:fld>
             <a:endParaRPr lang="zh-CN" altLang="en-US"/>
           </a:p>
@@ -2086,7 +2091,7 @@
           <a:p>
             <a:fld id="{618260D7-4791-449E-B0C3-A5F2790DD3B3}" type="datetimeFigureOut">
               <a:rPr lang="zh-CN" altLang="en-US" smtClean="0"/>
-              <a:t>2014/5/17</a:t>
+              <a:t>2014/5/18</a:t>
             </a:fld>
             <a:endParaRPr lang="zh-CN" altLang="en-US"/>
           </a:p>
@@ -2181,7 +2186,7 @@
           <a:p>
             <a:fld id="{618260D7-4791-449E-B0C3-A5F2790DD3B3}" type="datetimeFigureOut">
               <a:rPr lang="zh-CN" altLang="en-US" smtClean="0"/>
-              <a:t>2014/5/17</a:t>
+              <a:t>2014/5/18</a:t>
             </a:fld>
             <a:endParaRPr lang="zh-CN" altLang="en-US"/>
           </a:p>
@@ -2509,7 +2514,7 @@
           <a:p>
             <a:fld id="{618260D7-4791-449E-B0C3-A5F2790DD3B3}" type="datetimeFigureOut">
               <a:rPr lang="zh-CN" altLang="en-US" smtClean="0"/>
-              <a:t>2014/5/17</a:t>
+              <a:t>2014/5/18</a:t>
             </a:fld>
             <a:endParaRPr lang="zh-CN" altLang="en-US"/>
           </a:p>
@@ -2722,7 +2727,7 @@
           <a:p>
             <a:fld id="{618260D7-4791-449E-B0C3-A5F2790DD3B3}" type="datetimeFigureOut">
               <a:rPr lang="zh-CN" altLang="en-US" smtClean="0"/>
-              <a:t>2014/5/17</a:t>
+              <a:t>2014/5/18</a:t>
             </a:fld>
             <a:endParaRPr lang="zh-CN" altLang="en-US"/>
           </a:p>
@@ -3235,7 +3240,21 @@
                     <a:latin typeface="幼圆" panose="02010509060101010101" pitchFamily="49" charset="-122"/>
                     <a:ea typeface="幼圆" panose="02010509060101010101" pitchFamily="49" charset="-122"/>
                   </a:rPr>
-                  <a:t>创客交叉融合空间</a:t>
+                  <a:t>创客</a:t>
+                </a:r>
+                <a:r>
+                  <a:rPr lang="zh-CN" altLang="en-US" sz="2400" dirty="0" smtClean="0">
+                    <a:latin typeface="幼圆" panose="02010509060101010101" pitchFamily="49" charset="-122"/>
+                    <a:ea typeface="幼圆" panose="02010509060101010101" pitchFamily="49" charset="-122"/>
+                  </a:rPr>
+                  <a:t>交叉</a:t>
+                </a:r>
+                <a:r>
+                  <a:rPr lang="zh-CN" altLang="en-US" sz="2400" dirty="0" smtClean="0">
+                    <a:latin typeface="幼圆" panose="02010509060101010101" pitchFamily="49" charset="-122"/>
+                    <a:ea typeface="幼圆" panose="02010509060101010101" pitchFamily="49" charset="-122"/>
+                  </a:rPr>
+                  <a:t>融合项目</a:t>
                 </a:r>
                 <a:endParaRPr lang="zh-CN" altLang="en-US" sz="2400" dirty="0">
                   <a:latin typeface="幼圆" panose="02010509060101010101" pitchFamily="49" charset="-122"/>
@@ -3929,14 +3948,14 @@
       </p:grpSpPr>
       <p:sp>
         <p:nvSpPr>
-          <p:cNvPr id="4" name="TextBox 3"/>
+          <p:cNvPr id="3" name="TextBox 2"/>
           <p:cNvSpPr txBox="1"/>
           <p:nvPr/>
         </p:nvSpPr>
         <p:spPr>
           <a:xfrm>
-            <a:off x="215154" y="618564"/>
-            <a:ext cx="934871" cy="317459"/>
+            <a:off x="225528" y="659839"/>
+            <a:ext cx="1335920" cy="246221"/>
           </a:xfrm>
           <a:prstGeom prst="rect">
             <a:avLst/>
@@ -3946,16 +3965,16 @@
           </a:solidFill>
         </p:spPr>
         <p:txBody>
-          <a:bodyPr wrap="none" rtlCol="0">
+          <a:bodyPr wrap="none" lIns="108000" rIns="72000" rtlCol="0">
             <a:spAutoFit/>
           </a:bodyPr>
           <a:lstStyle/>
           <a:p>
             <a:r>
-              <a:rPr lang="zh-CN" altLang="en-US" dirty="0" smtClean="0"/>
-              <a:t>服务板块</a:t>
-            </a:r>
-            <a:endParaRPr lang="zh-CN" altLang="en-US" dirty="0"/>
+              <a:rPr lang="zh-CN" altLang="en-US" sz="1000" dirty="0" smtClean="0"/>
+              <a:t>在线平台与服务板块</a:t>
+            </a:r>
+            <a:endParaRPr lang="zh-CN" altLang="en-US" sz="1000" dirty="0"/>
           </a:p>
         </p:txBody>
       </p:sp>
@@ -3969,11 +3988,11 @@
   <p:clrMapOvr>
     <a:masterClrMapping/>
   </p:clrMapOvr>
-  <mc:AlternateContent xmlns:mc="http://schemas.openxmlformats.org/markup-compatibility/2006">
-    <mc:Choice xmlns:p14="http://schemas.microsoft.com/office/powerpoint/2010/main" Requires="p14">
+  <mc:AlternateContent xmlns:mc="http://schemas.openxmlformats.org/markup-compatibility/2006" xmlns:p14="http://schemas.microsoft.com/office/powerpoint/2010/main">
+    <mc:Choice Requires="p14">
       <p:transition spd="slow" p14:dur="2000"/>
     </mc:Choice>
-    <mc:Fallback>
+    <mc:Fallback xmlns="">
       <p:transition spd="slow"/>
     </mc:Fallback>
   </mc:AlternateContent>
@@ -3999,14 +4018,226 @@
       </p:grpSpPr>
       <p:sp>
         <p:nvSpPr>
-          <p:cNvPr id="4" name="TextBox 3"/>
+          <p:cNvPr id="3" name="TextBox 2"/>
           <p:cNvSpPr txBox="1"/>
           <p:nvPr/>
         </p:nvSpPr>
         <p:spPr>
           <a:xfrm>
-            <a:off x="3822700" y="618564"/>
-            <a:ext cx="1685077" cy="317459"/>
+            <a:off x="215154" y="1574800"/>
+            <a:ext cx="2705846" cy="1217962"/>
+          </a:xfrm>
+          <a:prstGeom prst="rect">
+            <a:avLst/>
+          </a:prstGeom>
+          <a:noFill/>
+        </p:spPr>
+        <p:txBody>
+          <a:bodyPr wrap="square" rtlCol="0">
+            <a:spAutoFit/>
+          </a:bodyPr>
+          <a:lstStyle/>
+          <a:p>
+            <a:r>
+              <a:rPr lang="zh-CN" altLang="en-US" dirty="0" smtClean="0"/>
+              <a:t>在线课程服务模块</a:t>
+            </a:r>
+            <a:endParaRPr lang="en-US" altLang="zh-CN" dirty="0" smtClean="0"/>
+          </a:p>
+          <a:p>
+            <a:pPr marL="285750" indent="-285750">
+              <a:buFontTx/>
+              <a:buChar char="-"/>
+            </a:pPr>
+            <a:r>
+              <a:rPr lang="zh-CN" altLang="en-US" dirty="0" smtClean="0"/>
+              <a:t>知识产权</a:t>
+            </a:r>
+            <a:endParaRPr lang="en-US" altLang="zh-CN" dirty="0" smtClean="0"/>
+          </a:p>
+          <a:p>
+            <a:pPr marL="285750" indent="-285750">
+              <a:buFontTx/>
+              <a:buChar char="-"/>
+            </a:pPr>
+            <a:r>
+              <a:rPr lang="zh-CN" altLang="en-US" dirty="0" smtClean="0"/>
+              <a:t>法律</a:t>
+            </a:r>
+            <a:endParaRPr lang="en-US" altLang="zh-CN" dirty="0" smtClean="0"/>
+          </a:p>
+          <a:p>
+            <a:pPr marL="285750" indent="-285750">
+              <a:buFontTx/>
+              <a:buChar char="-"/>
+            </a:pPr>
+            <a:r>
+              <a:rPr lang="zh-CN" altLang="en-US" dirty="0" smtClean="0"/>
+              <a:t>市场</a:t>
+            </a:r>
+            <a:endParaRPr lang="en-US" altLang="zh-CN" dirty="0" smtClean="0"/>
+          </a:p>
+          <a:p>
+            <a:pPr marL="285750" indent="-285750">
+              <a:buFontTx/>
+              <a:buChar char="-"/>
+            </a:pPr>
+            <a:r>
+              <a:rPr lang="zh-CN" altLang="en-US" dirty="0"/>
+              <a:t>媒体</a:t>
+            </a:r>
+            <a:endParaRPr lang="zh-CN" altLang="en-US" dirty="0"/>
+          </a:p>
+        </p:txBody>
+      </p:sp>
+      <p:sp>
+        <p:nvSpPr>
+          <p:cNvPr id="5" name="TextBox 4"/>
+          <p:cNvSpPr txBox="1"/>
+          <p:nvPr/>
+        </p:nvSpPr>
+        <p:spPr>
+          <a:xfrm>
+            <a:off x="215154" y="3332553"/>
+            <a:ext cx="3823446" cy="992836"/>
+          </a:xfrm>
+          <a:prstGeom prst="rect">
+            <a:avLst/>
+          </a:prstGeom>
+          <a:noFill/>
+        </p:spPr>
+        <p:txBody>
+          <a:bodyPr wrap="square" rtlCol="0">
+            <a:spAutoFit/>
+          </a:bodyPr>
+          <a:lstStyle/>
+          <a:p>
+            <a:r>
+              <a:rPr lang="zh-CN" altLang="en-US" dirty="0" smtClean="0"/>
+              <a:t>数据信息</a:t>
+            </a:r>
+            <a:r>
+              <a:rPr lang="zh-CN" altLang="en-US" dirty="0" smtClean="0"/>
+              <a:t>平台</a:t>
+            </a:r>
+            <a:endParaRPr lang="en-US" altLang="zh-CN" dirty="0" smtClean="0"/>
+          </a:p>
+          <a:p>
+            <a:pPr marL="285750" indent="-285750">
+              <a:buFontTx/>
+              <a:buChar char="-"/>
+            </a:pPr>
+            <a:r>
+              <a:rPr lang="zh-CN" altLang="en-US" dirty="0" smtClean="0"/>
+              <a:t>项目管理系统</a:t>
+            </a:r>
+            <a:endParaRPr lang="en-US" altLang="zh-CN" dirty="0" smtClean="0"/>
+          </a:p>
+          <a:p>
+            <a:pPr marL="285750" indent="-285750">
+              <a:buFontTx/>
+              <a:buChar char="-"/>
+            </a:pPr>
+            <a:r>
+              <a:rPr lang="zh-CN" altLang="en-US" dirty="0" smtClean="0"/>
+              <a:t>版本控制系统</a:t>
+            </a:r>
+            <a:endParaRPr lang="en-US" altLang="zh-CN" dirty="0" smtClean="0"/>
+          </a:p>
+          <a:p>
+            <a:pPr marL="285750" indent="-285750">
+              <a:buFontTx/>
+              <a:buChar char="-"/>
+            </a:pPr>
+            <a:r>
+              <a:rPr lang="zh-CN" altLang="en-US" dirty="0"/>
+              <a:t>资源</a:t>
+            </a:r>
+            <a:r>
+              <a:rPr lang="zh-CN" altLang="en-US" dirty="0" smtClean="0"/>
+              <a:t>调度与活动管理系统</a:t>
+            </a:r>
+            <a:endParaRPr lang="en-US" altLang="zh-CN" dirty="0" smtClean="0"/>
+          </a:p>
+        </p:txBody>
+      </p:sp>
+      <p:sp>
+        <p:nvSpPr>
+          <p:cNvPr id="7" name="TextBox 6"/>
+          <p:cNvSpPr txBox="1"/>
+          <p:nvPr/>
+        </p:nvSpPr>
+        <p:spPr>
+          <a:xfrm>
+            <a:off x="215154" y="5016500"/>
+            <a:ext cx="3467846" cy="992836"/>
+          </a:xfrm>
+          <a:prstGeom prst="rect">
+            <a:avLst/>
+          </a:prstGeom>
+          <a:noFill/>
+        </p:spPr>
+        <p:txBody>
+          <a:bodyPr wrap="square" rtlCol="0">
+            <a:spAutoFit/>
+          </a:bodyPr>
+          <a:lstStyle/>
+          <a:p>
+            <a:r>
+              <a:rPr lang="zh-CN" altLang="en-US" dirty="0" smtClean="0"/>
+              <a:t>创客系列</a:t>
+            </a:r>
+            <a:r>
+              <a:rPr lang="zh-CN" altLang="en-US" dirty="0" smtClean="0"/>
+              <a:t>活动</a:t>
+            </a:r>
+            <a:endParaRPr lang="en-US" altLang="zh-CN" dirty="0" smtClean="0"/>
+          </a:p>
+          <a:p>
+            <a:pPr marL="285750" indent="-285750">
+              <a:buFontTx/>
+              <a:buChar char="-"/>
+            </a:pPr>
+            <a:r>
+              <a:rPr lang="zh-CN" altLang="en-US" dirty="0" smtClean="0"/>
+              <a:t>创客培训与马拉松</a:t>
+            </a:r>
+            <a:endParaRPr lang="en-US" altLang="zh-CN" dirty="0" smtClean="0"/>
+          </a:p>
+          <a:p>
+            <a:pPr marL="285750" indent="-285750">
+              <a:buFontTx/>
+              <a:buChar char="-"/>
+            </a:pPr>
+            <a:r>
+              <a:rPr lang="zh-CN" altLang="en-US" dirty="0" smtClean="0"/>
+              <a:t>讲座与演讲</a:t>
+            </a:r>
+            <a:endParaRPr lang="en-US" altLang="zh-CN" dirty="0" smtClean="0"/>
+          </a:p>
+          <a:p>
+            <a:pPr marL="285750" indent="-285750">
+              <a:buFontTx/>
+              <a:buChar char="-"/>
+            </a:pPr>
+            <a:r>
+              <a:rPr lang="zh-CN" altLang="en-US" dirty="0" smtClean="0"/>
+              <a:t>主题赛事</a:t>
+            </a:r>
+            <a:endParaRPr lang="en-US" altLang="zh-CN" dirty="0" smtClean="0"/>
+          </a:p>
+        </p:txBody>
+      </p:sp>
+      <p:sp>
+        <p:nvSpPr>
+          <p:cNvPr id="8" name="TextBox 7"/>
+          <p:cNvSpPr txBox="1"/>
+          <p:nvPr/>
+        </p:nvSpPr>
+        <p:spPr>
+          <a:xfrm>
+            <a:off x="3670300" y="659839"/>
+            <a:ext cx="1723549" cy="246221"/>
           </a:xfrm>
           <a:prstGeom prst="rect">
             <a:avLst/>
@@ -4016,33 +4247,28 @@
           </a:solidFill>
         </p:spPr>
         <p:txBody>
-          <a:bodyPr wrap="none" rtlCol="0">
+          <a:bodyPr wrap="none" lIns="108000" rIns="72000" rtlCol="0">
             <a:spAutoFit/>
           </a:bodyPr>
           <a:lstStyle/>
           <a:p>
             <a:r>
-              <a:rPr lang="zh-CN" altLang="en-US" dirty="0"/>
-              <a:t>创</a:t>
-            </a:r>
-            <a:r>
-              <a:rPr lang="zh-CN" altLang="en-US" dirty="0" smtClean="0"/>
-              <a:t>客交叉融合空间</a:t>
-            </a:r>
-            <a:endParaRPr lang="zh-CN" altLang="en-US" dirty="0"/>
-          </a:p>
-        </p:txBody>
-      </p:sp>
-      <p:sp>
-        <p:nvSpPr>
-          <p:cNvPr id="3" name="TextBox 2"/>
+              <a:rPr lang="zh-CN" altLang="en-US" sz="1000" dirty="0"/>
+              <a:t>清华大学基础工业训练中心</a:t>
+            </a:r>
+          </a:p>
+        </p:txBody>
+      </p:sp>
+      <p:sp>
+        <p:nvSpPr>
+          <p:cNvPr id="9" name="TextBox 8"/>
           <p:cNvSpPr txBox="1"/>
           <p:nvPr/>
         </p:nvSpPr>
         <p:spPr>
           <a:xfrm>
-            <a:off x="215154" y="1574800"/>
-            <a:ext cx="2705846" cy="317459"/>
+            <a:off x="215154" y="7213600"/>
+            <a:ext cx="3467846" cy="1217962"/>
           </a:xfrm>
           <a:prstGeom prst="rect">
             <a:avLst/>
@@ -4056,23 +4282,105 @@
           <a:lstStyle/>
           <a:p>
             <a:r>
+              <a:rPr lang="zh-CN" altLang="en-US" dirty="0"/>
+              <a:t>交叉</a:t>
+            </a:r>
+            <a:r>
               <a:rPr lang="zh-CN" altLang="en-US" dirty="0" smtClean="0"/>
-              <a:t>开放空间与先进加工设备</a:t>
-            </a:r>
-            <a:endParaRPr lang="zh-CN" altLang="en-US" dirty="0"/>
-          </a:p>
-        </p:txBody>
-      </p:sp>
-      <p:sp>
-        <p:nvSpPr>
-          <p:cNvPr id="5" name="TextBox 4"/>
+              <a:t>融合空间</a:t>
+            </a:r>
+            <a:r>
+              <a:rPr lang="zh-CN" altLang="en-US" dirty="0" smtClean="0"/>
+              <a:t>团队</a:t>
+            </a:r>
+            <a:endParaRPr lang="en-US" altLang="zh-CN" dirty="0" smtClean="0"/>
+          </a:p>
+          <a:p>
+            <a:pPr marL="285750" indent="-285750">
+              <a:buFontTx/>
+              <a:buChar char="-"/>
+            </a:pPr>
+            <a:r>
+              <a:rPr lang="zh-CN" altLang="en-US" dirty="0" smtClean="0"/>
+              <a:t>驻校创客</a:t>
+            </a:r>
+            <a:endParaRPr lang="en-US" altLang="zh-CN" dirty="0" smtClean="0"/>
+          </a:p>
+          <a:p>
+            <a:pPr marL="285750" indent="-285750">
+              <a:buFontTx/>
+              <a:buChar char="-"/>
+            </a:pPr>
+            <a:r>
+              <a:rPr lang="zh-CN" altLang="en-US" dirty="0" smtClean="0"/>
+              <a:t>跨学科课程管理人员</a:t>
+            </a:r>
+            <a:endParaRPr lang="en-US" altLang="zh-CN" dirty="0" smtClean="0"/>
+          </a:p>
+          <a:p>
+            <a:pPr marL="285750" indent="-285750">
+              <a:buFontTx/>
+              <a:buChar char="-"/>
+            </a:pPr>
+            <a:r>
+              <a:rPr lang="zh-CN" altLang="en-US" dirty="0" smtClean="0"/>
+              <a:t>技术服务与支持人员</a:t>
+            </a:r>
+            <a:endParaRPr lang="en-US" altLang="zh-CN" dirty="0" smtClean="0"/>
+          </a:p>
+          <a:p>
+            <a:endParaRPr lang="en-US" altLang="zh-CN" dirty="0" smtClean="0"/>
+          </a:p>
+        </p:txBody>
+      </p:sp>
+    </p:spTree>
+    <p:extLst>
+      <p:ext uri="{BB962C8B-B14F-4D97-AF65-F5344CB8AC3E}">
+        <p14:creationId xmlns:p14="http://schemas.microsoft.com/office/powerpoint/2010/main" val="578087711"/>
+      </p:ext>
+    </p:extLst>
+  </p:cSld>
+  <p:clrMapOvr>
+    <a:masterClrMapping/>
+  </p:clrMapOvr>
+  <mc:AlternateContent xmlns:mc="http://schemas.openxmlformats.org/markup-compatibility/2006" xmlns:p14="http://schemas.microsoft.com/office/powerpoint/2010/main">
+    <mc:Choice Requires="p14">
+      <p:transition spd="slow" p14:dur="2000"/>
+    </mc:Choice>
+    <mc:Fallback xmlns="">
+      <p:transition spd="slow"/>
+    </mc:Fallback>
+  </mc:AlternateContent>
+</p:sld>
+</file>
+
+<file path=ppt/slides/slide12.xml><?xml version="1.0" encoding="utf-8"?>
+<p:sld xmlns:a="http://schemas.openxmlformats.org/drawingml/2006/main" xmlns:r="http://schemas.openxmlformats.org/officeDocument/2006/relationships" xmlns:p="http://schemas.openxmlformats.org/presentationml/2006/main">
+  <p:cSld>
+    <p:spTree>
+      <p:nvGrpSpPr>
+        <p:cNvPr id="1" name=""/>
+        <p:cNvGrpSpPr/>
+        <p:nvPr/>
+      </p:nvGrpSpPr>
+      <p:grpSpPr>
+        <a:xfrm>
+          <a:off x="0" y="0"/>
+          <a:ext cx="0" cy="0"/>
+          <a:chOff x="0" y="0"/>
+          <a:chExt cx="0" cy="0"/>
+        </a:xfrm>
+      </p:grpSpPr>
+      <p:sp>
+        <p:nvSpPr>
+          <p:cNvPr id="18" name="TextBox 17"/>
           <p:cNvSpPr txBox="1"/>
           <p:nvPr/>
         </p:nvSpPr>
         <p:spPr>
           <a:xfrm>
-            <a:off x="215154" y="2879205"/>
-            <a:ext cx="1562846" cy="317459"/>
+            <a:off x="215154" y="1574800"/>
+            <a:ext cx="3264646" cy="317459"/>
           </a:xfrm>
           <a:prstGeom prst="rect">
             <a:avLst/>
@@ -4087,22 +4395,22 @@
           <a:p>
             <a:r>
               <a:rPr lang="zh-CN" altLang="en-US" dirty="0" smtClean="0"/>
-              <a:t>数据信息平台</a:t>
-            </a:r>
-            <a:endParaRPr lang="en-US" altLang="zh-CN" dirty="0" smtClean="0"/>
-          </a:p>
-        </p:txBody>
-      </p:sp>
-      <p:sp>
-        <p:nvSpPr>
-          <p:cNvPr id="6" name="TextBox 5"/>
+              <a:t>实体空间建设</a:t>
+            </a:r>
+            <a:endParaRPr lang="zh-CN" altLang="en-US" dirty="0"/>
+          </a:p>
+        </p:txBody>
+      </p:sp>
+      <p:sp>
+        <p:nvSpPr>
+          <p:cNvPr id="20" name="TextBox 19"/>
           <p:cNvSpPr txBox="1"/>
           <p:nvPr/>
         </p:nvSpPr>
         <p:spPr>
           <a:xfrm>
-            <a:off x="215154" y="6731000"/>
-            <a:ext cx="3467846" cy="317459"/>
+            <a:off x="215154" y="4381500"/>
+            <a:ext cx="2121646" cy="317459"/>
           </a:xfrm>
           <a:prstGeom prst="rect">
             <a:avLst/>
@@ -4116,8 +4424,12 @@
           <a:lstStyle/>
           <a:p>
             <a:r>
+              <a:rPr lang="zh-CN" altLang="en-US" dirty="0"/>
+              <a:t>创</a:t>
+            </a:r>
+            <a:r>
               <a:rPr lang="zh-CN" altLang="en-US" dirty="0" smtClean="0"/>
-              <a:t>清华派创客课程体系</a:t>
+              <a:t>客团队支持</a:t>
             </a:r>
             <a:endParaRPr lang="en-US" altLang="zh-CN" dirty="0" smtClean="0"/>
           </a:p>
@@ -4125,14 +4437,14 @@
       </p:sp>
       <p:sp>
         <p:nvSpPr>
-          <p:cNvPr id="7" name="TextBox 6"/>
+          <p:cNvPr id="21" name="TextBox 20"/>
           <p:cNvSpPr txBox="1"/>
           <p:nvPr/>
         </p:nvSpPr>
         <p:spPr>
           <a:xfrm>
-            <a:off x="215154" y="5016500"/>
-            <a:ext cx="3467846" cy="317459"/>
+            <a:off x="215154" y="6731000"/>
+            <a:ext cx="3467846" cy="1217962"/>
           </a:xfrm>
           <a:prstGeom prst="rect">
             <a:avLst/>
@@ -4147,7 +4459,117 @@
           <a:p>
             <a:r>
               <a:rPr lang="zh-CN" altLang="en-US" dirty="0" smtClean="0"/>
-              <a:t>创客系列活动</a:t>
+              <a:t>支持方案与支持者回报</a:t>
+            </a:r>
+            <a:endParaRPr lang="en-US" altLang="zh-CN" dirty="0" smtClean="0"/>
+          </a:p>
+          <a:p>
+            <a:pPr marL="285750" indent="-285750">
+              <a:buFontTx/>
+              <a:buChar char="-"/>
+            </a:pPr>
+            <a:r>
+              <a:rPr lang="zh-CN" altLang="en-US" dirty="0" smtClean="0"/>
+              <a:t>创客观察员</a:t>
+            </a:r>
+            <a:endParaRPr lang="en-US" altLang="zh-CN" dirty="0" smtClean="0"/>
+          </a:p>
+          <a:p>
+            <a:pPr marL="285750" indent="-285750">
+              <a:buFontTx/>
+              <a:buChar char="-"/>
+            </a:pPr>
+            <a:r>
+              <a:rPr lang="zh-CN" altLang="en-US" dirty="0"/>
+              <a:t>创</a:t>
+            </a:r>
+            <a:r>
+              <a:rPr lang="zh-CN" altLang="en-US" dirty="0" smtClean="0"/>
+              <a:t>客之友</a:t>
+            </a:r>
+            <a:endParaRPr lang="en-US" altLang="zh-CN" dirty="0" smtClean="0"/>
+          </a:p>
+          <a:p>
+            <a:pPr marL="285750" indent="-285750">
+              <a:buFontTx/>
+              <a:buChar char="-"/>
+            </a:pPr>
+            <a:r>
+              <a:rPr lang="zh-CN" altLang="en-US" dirty="0" smtClean="0"/>
+              <a:t>创作之友</a:t>
+            </a:r>
+            <a:endParaRPr lang="en-US" altLang="zh-CN" dirty="0" smtClean="0"/>
+          </a:p>
+          <a:p>
+            <a:pPr marL="285750" indent="-285750">
+              <a:buFontTx/>
+              <a:buChar char="-"/>
+            </a:pPr>
+            <a:r>
+              <a:rPr lang="zh-CN" altLang="en-US" dirty="0" smtClean="0"/>
+              <a:t>创行之友</a:t>
+            </a:r>
+            <a:endParaRPr lang="en-US" altLang="zh-CN" dirty="0" smtClean="0"/>
+          </a:p>
+        </p:txBody>
+      </p:sp>
+      <p:sp>
+        <p:nvSpPr>
+          <p:cNvPr id="6" name="TextBox 5"/>
+          <p:cNvSpPr txBox="1"/>
+          <p:nvPr/>
+        </p:nvSpPr>
+        <p:spPr>
+          <a:xfrm>
+            <a:off x="225528" y="659839"/>
+            <a:ext cx="1335920" cy="246221"/>
+          </a:xfrm>
+          <a:prstGeom prst="rect">
+            <a:avLst/>
+          </a:prstGeom>
+          <a:solidFill>
+            <a:schemeClr val="bg1"/>
+          </a:solidFill>
+        </p:spPr>
+        <p:txBody>
+          <a:bodyPr wrap="none" lIns="108000" rIns="72000" rtlCol="0">
+            <a:spAutoFit/>
+          </a:bodyPr>
+          <a:lstStyle/>
+          <a:p>
+            <a:r>
+              <a:rPr lang="zh-CN" altLang="en-US" sz="1000" dirty="0" smtClean="0"/>
+              <a:t>运行保障与支持方案</a:t>
+            </a:r>
+            <a:endParaRPr lang="zh-CN" altLang="en-US" sz="1000" dirty="0"/>
+          </a:p>
+        </p:txBody>
+      </p:sp>
+      <p:sp>
+        <p:nvSpPr>
+          <p:cNvPr id="7" name="TextBox 6"/>
+          <p:cNvSpPr txBox="1"/>
+          <p:nvPr/>
+        </p:nvSpPr>
+        <p:spPr>
+          <a:xfrm>
+            <a:off x="215154" y="2889291"/>
+            <a:ext cx="1562846" cy="317459"/>
+          </a:xfrm>
+          <a:prstGeom prst="rect">
+            <a:avLst/>
+          </a:prstGeom>
+          <a:noFill/>
+        </p:spPr>
+        <p:txBody>
+          <a:bodyPr wrap="square" rtlCol="0">
+            <a:spAutoFit/>
+          </a:bodyPr>
+          <a:lstStyle/>
+          <a:p>
+            <a:r>
+              <a:rPr lang="zh-CN" altLang="en-US" dirty="0" smtClean="0"/>
+              <a:t>运行与管理</a:t>
             </a:r>
             <a:endParaRPr lang="en-US" altLang="zh-CN" dirty="0" smtClean="0"/>
           </a:p>
@@ -4156,7 +4578,7 @@
     </p:spTree>
     <p:extLst>
       <p:ext uri="{BB962C8B-B14F-4D97-AF65-F5344CB8AC3E}">
-        <p14:creationId xmlns:p14="http://schemas.microsoft.com/office/powerpoint/2010/main" val="578087711"/>
+        <p14:creationId xmlns:p14="http://schemas.microsoft.com/office/powerpoint/2010/main" val="1486469193"/>
       </p:ext>
     </p:extLst>
   </p:cSld>
@@ -4171,6 +4593,470 @@
       <p:transition spd="slow"/>
     </mc:Fallback>
   </mc:AlternateContent>
+</p:sld>
+</file>
+
+<file path=ppt/slides/slide13.xml><?xml version="1.0" encoding="utf-8"?>
+<p:sld xmlns:a="http://schemas.openxmlformats.org/drawingml/2006/main" xmlns:r="http://schemas.openxmlformats.org/officeDocument/2006/relationships" xmlns:p="http://schemas.openxmlformats.org/presentationml/2006/main">
+  <p:cSld>
+    <p:spTree>
+      <p:nvGrpSpPr>
+        <p:cNvPr id="1" name=""/>
+        <p:cNvGrpSpPr/>
+        <p:nvPr/>
+      </p:nvGrpSpPr>
+      <p:grpSpPr>
+        <a:xfrm>
+          <a:off x="0" y="0"/>
+          <a:ext cx="0" cy="0"/>
+          <a:chOff x="0" y="0"/>
+          <a:chExt cx="0" cy="0"/>
+        </a:xfrm>
+      </p:grpSpPr>
+      <p:sp>
+        <p:nvSpPr>
+          <p:cNvPr id="3" name="TextBox 2"/>
+          <p:cNvSpPr txBox="1"/>
+          <p:nvPr/>
+        </p:nvSpPr>
+        <p:spPr>
+          <a:xfrm>
+            <a:off x="3670300" y="659839"/>
+            <a:ext cx="1723549" cy="246221"/>
+          </a:xfrm>
+          <a:prstGeom prst="rect">
+            <a:avLst/>
+          </a:prstGeom>
+          <a:solidFill>
+            <a:schemeClr val="bg1"/>
+          </a:solidFill>
+        </p:spPr>
+        <p:txBody>
+          <a:bodyPr wrap="none" lIns="108000" rIns="72000" rtlCol="0">
+            <a:spAutoFit/>
+          </a:bodyPr>
+          <a:lstStyle/>
+          <a:p>
+            <a:r>
+              <a:rPr lang="zh-CN" altLang="en-US" sz="1000" dirty="0"/>
+              <a:t>清华大学基础工业训练中心</a:t>
+            </a:r>
+          </a:p>
+        </p:txBody>
+      </p:sp>
+    </p:spTree>
+    <p:extLst>
+      <p:ext uri="{BB962C8B-B14F-4D97-AF65-F5344CB8AC3E}">
+        <p14:creationId xmlns:p14="http://schemas.microsoft.com/office/powerpoint/2010/main" val="329170254"/>
+      </p:ext>
+    </p:extLst>
+  </p:cSld>
+  <p:clrMapOvr>
+    <a:masterClrMapping/>
+  </p:clrMapOvr>
+  <mc:AlternateContent xmlns:mc="http://schemas.openxmlformats.org/markup-compatibility/2006">
+    <mc:Choice xmlns:p14="http://schemas.microsoft.com/office/powerpoint/2010/main" Requires="p14">
+      <p:transition spd="slow" p14:dur="2000"/>
+    </mc:Choice>
+    <mc:Fallback>
+      <p:transition spd="slow"/>
+    </mc:Fallback>
+  </mc:AlternateContent>
+</p:sld>
+</file>
+
+<file path=ppt/slides/slide14.xml><?xml version="1.0" encoding="utf-8"?>
+<p:sld xmlns:a="http://schemas.openxmlformats.org/drawingml/2006/main" xmlns:r="http://schemas.openxmlformats.org/officeDocument/2006/relationships" xmlns:p="http://schemas.openxmlformats.org/presentationml/2006/main">
+  <p:cSld>
+    <p:spTree>
+      <p:nvGrpSpPr>
+        <p:cNvPr id="1" name=""/>
+        <p:cNvGrpSpPr/>
+        <p:nvPr/>
+      </p:nvGrpSpPr>
+      <p:grpSpPr>
+        <a:xfrm>
+          <a:off x="0" y="0"/>
+          <a:ext cx="0" cy="0"/>
+          <a:chOff x="0" y="0"/>
+          <a:chExt cx="0" cy="0"/>
+        </a:xfrm>
+      </p:grpSpPr>
+      <p:sp>
+        <p:nvSpPr>
+          <p:cNvPr id="3" name="Rectangle 2"/>
+          <p:cNvSpPr/>
+          <p:nvPr/>
+        </p:nvSpPr>
+        <p:spPr>
+          <a:xfrm>
+            <a:off x="0" y="1855695"/>
+            <a:ext cx="4267200" cy="3186206"/>
+          </a:xfrm>
+          <a:prstGeom prst="rect">
+            <a:avLst/>
+          </a:prstGeom>
+          <a:solidFill>
+            <a:srgbClr val="C8A0E1"/>
+          </a:solidFill>
+          <a:ln>
+            <a:noFill/>
+          </a:ln>
+        </p:spPr>
+        <p:style>
+          <a:lnRef idx="2">
+            <a:schemeClr val="accent1">
+              <a:shade val="50000"/>
+            </a:schemeClr>
+          </a:lnRef>
+          <a:fillRef idx="1">
+            <a:schemeClr val="accent1"/>
+          </a:fillRef>
+          <a:effectRef idx="0">
+            <a:schemeClr val="accent1"/>
+          </a:effectRef>
+          <a:fontRef idx="minor">
+            <a:schemeClr val="lt1"/>
+          </a:fontRef>
+        </p:style>
+        <p:txBody>
+          <a:bodyPr rtlCol="0" anchor="ctr"/>
+          <a:lstStyle/>
+          <a:p>
+            <a:pPr algn="ctr"/>
+            <a:endParaRPr lang="zh-CN" altLang="en-US"/>
+          </a:p>
+        </p:txBody>
+      </p:sp>
+      <p:sp>
+        <p:nvSpPr>
+          <p:cNvPr id="5" name="Rectangle 4"/>
+          <p:cNvSpPr/>
+          <p:nvPr/>
+        </p:nvSpPr>
+        <p:spPr>
+          <a:xfrm>
+            <a:off x="4686300" y="1855694"/>
+            <a:ext cx="1073150" cy="4989606"/>
+          </a:xfrm>
+          <a:prstGeom prst="rect">
+            <a:avLst/>
+          </a:prstGeom>
+          <a:solidFill>
+            <a:schemeClr val="bg2"/>
+          </a:solidFill>
+          <a:ln>
+            <a:noFill/>
+          </a:ln>
+        </p:spPr>
+        <p:style>
+          <a:lnRef idx="2">
+            <a:schemeClr val="accent1">
+              <a:shade val="50000"/>
+            </a:schemeClr>
+          </a:lnRef>
+          <a:fillRef idx="1">
+            <a:schemeClr val="accent1"/>
+          </a:fillRef>
+          <a:effectRef idx="0">
+            <a:schemeClr val="accent1"/>
+          </a:effectRef>
+          <a:fontRef idx="minor">
+            <a:schemeClr val="lt1"/>
+          </a:fontRef>
+        </p:style>
+        <p:txBody>
+          <a:bodyPr rtlCol="0" anchor="ctr"/>
+          <a:lstStyle/>
+          <a:p>
+            <a:endParaRPr lang="zh-CN" altLang="en-US" sz="5400" dirty="0">
+              <a:solidFill>
+                <a:schemeClr val="bg1">
+                  <a:lumMod val="50000"/>
+                </a:schemeClr>
+              </a:solidFill>
+              <a:latin typeface="隶书" panose="02010509060101010101" pitchFamily="49" charset="-122"/>
+              <a:ea typeface="隶书" panose="02010509060101010101" pitchFamily="49" charset="-122"/>
+            </a:endParaRPr>
+          </a:p>
+        </p:txBody>
+      </p:sp>
+    </p:spTree>
+    <p:extLst>
+      <p:ext uri="{BB962C8B-B14F-4D97-AF65-F5344CB8AC3E}">
+        <p14:creationId xmlns:p14="http://schemas.microsoft.com/office/powerpoint/2010/main" val="1565253770"/>
+      </p:ext>
+    </p:extLst>
+  </p:cSld>
+  <p:clrMapOvr>
+    <a:masterClrMapping/>
+  </p:clrMapOvr>
+</p:sld>
+</file>
+
+<file path=ppt/slides/slide15.xml><?xml version="1.0" encoding="utf-8"?>
+<p:sld xmlns:a="http://schemas.openxmlformats.org/drawingml/2006/main" xmlns:r="http://schemas.openxmlformats.org/officeDocument/2006/relationships" xmlns:p="http://schemas.openxmlformats.org/presentationml/2006/main">
+  <p:cSld>
+    <p:spTree>
+      <p:nvGrpSpPr>
+        <p:cNvPr id="1" name=""/>
+        <p:cNvGrpSpPr/>
+        <p:nvPr/>
+      </p:nvGrpSpPr>
+      <p:grpSpPr>
+        <a:xfrm>
+          <a:off x="0" y="0"/>
+          <a:ext cx="0" cy="0"/>
+          <a:chOff x="0" y="0"/>
+          <a:chExt cx="0" cy="0"/>
+        </a:xfrm>
+      </p:grpSpPr>
+      <p:sp>
+        <p:nvSpPr>
+          <p:cNvPr id="4" name="Rectangle 3"/>
+          <p:cNvSpPr/>
+          <p:nvPr/>
+        </p:nvSpPr>
+        <p:spPr>
+          <a:xfrm>
+            <a:off x="0" y="1855694"/>
+            <a:ext cx="2476500" cy="4989606"/>
+          </a:xfrm>
+          <a:prstGeom prst="rect">
+            <a:avLst/>
+          </a:prstGeom>
+          <a:solidFill>
+            <a:schemeClr val="bg2"/>
+          </a:solidFill>
+          <a:ln>
+            <a:noFill/>
+          </a:ln>
+        </p:spPr>
+        <p:style>
+          <a:lnRef idx="2">
+            <a:schemeClr val="accent1">
+              <a:shade val="50000"/>
+            </a:schemeClr>
+          </a:lnRef>
+          <a:fillRef idx="1">
+            <a:schemeClr val="accent1"/>
+          </a:fillRef>
+          <a:effectRef idx="0">
+            <a:schemeClr val="accent1"/>
+          </a:effectRef>
+          <a:fontRef idx="minor">
+            <a:schemeClr val="lt1"/>
+          </a:fontRef>
+        </p:style>
+        <p:txBody>
+          <a:bodyPr rtlCol="0" anchor="ctr"/>
+          <a:lstStyle/>
+          <a:p>
+            <a:endParaRPr lang="zh-CN" altLang="en-US" sz="5400" dirty="0">
+              <a:solidFill>
+                <a:schemeClr val="bg1">
+                  <a:lumMod val="50000"/>
+                </a:schemeClr>
+              </a:solidFill>
+              <a:latin typeface="隶书" panose="02010509060101010101" pitchFamily="49" charset="-122"/>
+              <a:ea typeface="隶书" panose="02010509060101010101" pitchFamily="49" charset="-122"/>
+            </a:endParaRPr>
+          </a:p>
+        </p:txBody>
+      </p:sp>
+    </p:spTree>
+    <p:extLst>
+      <p:ext uri="{BB962C8B-B14F-4D97-AF65-F5344CB8AC3E}">
+        <p14:creationId xmlns:p14="http://schemas.microsoft.com/office/powerpoint/2010/main" val="2500003509"/>
+      </p:ext>
+    </p:extLst>
+  </p:cSld>
+  <p:clrMapOvr>
+    <a:masterClrMapping/>
+  </p:clrMapOvr>
+</p:sld>
+</file>
+
+<file path=ppt/slides/slide16.xml><?xml version="1.0" encoding="utf-8"?>
+<p:sld xmlns:a="http://schemas.openxmlformats.org/drawingml/2006/main" xmlns:r="http://schemas.openxmlformats.org/officeDocument/2006/relationships" xmlns:p="http://schemas.openxmlformats.org/presentationml/2006/main">
+  <p:cSld>
+    <p:spTree>
+      <p:nvGrpSpPr>
+        <p:cNvPr id="1" name=""/>
+        <p:cNvGrpSpPr/>
+        <p:nvPr/>
+      </p:nvGrpSpPr>
+      <p:grpSpPr>
+        <a:xfrm>
+          <a:off x="0" y="0"/>
+          <a:ext cx="0" cy="0"/>
+          <a:chOff x="0" y="0"/>
+          <a:chExt cx="0" cy="0"/>
+        </a:xfrm>
+      </p:grpSpPr>
+      <p:sp>
+        <p:nvSpPr>
+          <p:cNvPr id="2" name="Rectangle 1"/>
+          <p:cNvSpPr/>
+          <p:nvPr/>
+        </p:nvSpPr>
+        <p:spPr>
+          <a:xfrm>
+            <a:off x="4319450" y="731520"/>
+            <a:ext cx="1440000" cy="108000"/>
+          </a:xfrm>
+          <a:prstGeom prst="rect">
+            <a:avLst/>
+          </a:prstGeom>
+          <a:solidFill>
+            <a:srgbClr val="7E36B4"/>
+          </a:solidFill>
+          <a:ln>
+            <a:noFill/>
+          </a:ln>
+        </p:spPr>
+        <p:style>
+          <a:lnRef idx="2">
+            <a:schemeClr val="accent1">
+              <a:shade val="50000"/>
+            </a:schemeClr>
+          </a:lnRef>
+          <a:fillRef idx="1">
+            <a:schemeClr val="accent1"/>
+          </a:fillRef>
+          <a:effectRef idx="0">
+            <a:schemeClr val="accent1"/>
+          </a:effectRef>
+          <a:fontRef idx="minor">
+            <a:schemeClr val="lt1"/>
+          </a:fontRef>
+        </p:style>
+        <p:txBody>
+          <a:bodyPr rot="0" spcFirstLastPara="0" vertOverflow="overflow" horzOverflow="overflow" vert="horz" wrap="square" lIns="91440" tIns="45720" rIns="91440" bIns="45720" numCol="1" spcCol="0" rtlCol="0" fromWordArt="0" anchor="ctr" anchorCtr="0" forceAA="0" compatLnSpc="1">
+            <a:prstTxWarp prst="textNoShape">
+              <a:avLst/>
+            </a:prstTxWarp>
+            <a:noAutofit/>
+          </a:bodyPr>
+          <a:lstStyle/>
+          <a:p>
+            <a:pPr algn="ctr"/>
+            <a:endParaRPr lang="zh-CN" altLang="en-US" sz="1800"/>
+          </a:p>
+        </p:txBody>
+      </p:sp>
+      <p:sp>
+        <p:nvSpPr>
+          <p:cNvPr id="3" name="Rectangle 2"/>
+          <p:cNvSpPr/>
+          <p:nvPr/>
+        </p:nvSpPr>
+        <p:spPr>
+          <a:xfrm>
+            <a:off x="0" y="0"/>
+            <a:ext cx="4319450" cy="731520"/>
+          </a:xfrm>
+          <a:prstGeom prst="rect">
+            <a:avLst/>
+          </a:prstGeom>
+          <a:solidFill>
+            <a:srgbClr val="C8A0E1"/>
+          </a:solidFill>
+          <a:ln>
+            <a:noFill/>
+          </a:ln>
+        </p:spPr>
+        <p:style>
+          <a:lnRef idx="2">
+            <a:schemeClr val="accent1">
+              <a:shade val="50000"/>
+            </a:schemeClr>
+          </a:lnRef>
+          <a:fillRef idx="1">
+            <a:schemeClr val="accent1"/>
+          </a:fillRef>
+          <a:effectRef idx="0">
+            <a:schemeClr val="accent1"/>
+          </a:effectRef>
+          <a:fontRef idx="minor">
+            <a:schemeClr val="lt1"/>
+          </a:fontRef>
+        </p:style>
+        <p:txBody>
+          <a:bodyPr rot="0" spcFirstLastPara="0" vertOverflow="overflow" horzOverflow="overflow" vert="horz" wrap="square" lIns="91440" tIns="45720" rIns="91440" bIns="45720" numCol="1" spcCol="0" rtlCol="0" fromWordArt="0" anchor="ctr" anchorCtr="0" forceAA="0" compatLnSpc="1">
+            <a:prstTxWarp prst="textNoShape">
+              <a:avLst/>
+            </a:prstTxWarp>
+            <a:noAutofit/>
+          </a:bodyPr>
+          <a:lstStyle/>
+          <a:p>
+            <a:pPr algn="ctr"/>
+            <a:endParaRPr lang="zh-CN" altLang="en-US" sz="1800"/>
+          </a:p>
+        </p:txBody>
+      </p:sp>
+      <p:sp>
+        <p:nvSpPr>
+          <p:cNvPr id="4" name="Rectangle 3"/>
+          <p:cNvSpPr/>
+          <p:nvPr/>
+        </p:nvSpPr>
+        <p:spPr>
+          <a:xfrm>
+            <a:off x="0" y="839519"/>
+            <a:ext cx="4319450" cy="8880743"/>
+          </a:xfrm>
+          <a:prstGeom prst="rect">
+            <a:avLst/>
+          </a:prstGeom>
+          <a:solidFill>
+            <a:srgbClr val="C8A0E1"/>
+          </a:solidFill>
+          <a:ln>
+            <a:noFill/>
+          </a:ln>
+        </p:spPr>
+        <p:style>
+          <a:lnRef idx="2">
+            <a:schemeClr val="accent1">
+              <a:shade val="50000"/>
+            </a:schemeClr>
+          </a:lnRef>
+          <a:fillRef idx="1">
+            <a:schemeClr val="accent1"/>
+          </a:fillRef>
+          <a:effectRef idx="0">
+            <a:schemeClr val="accent1"/>
+          </a:effectRef>
+          <a:fontRef idx="minor">
+            <a:schemeClr val="lt1"/>
+          </a:fontRef>
+        </p:style>
+        <p:txBody>
+          <a:bodyPr rot="0" spcFirstLastPara="0" vertOverflow="overflow" horzOverflow="overflow" vert="horz" wrap="square" lIns="91440" tIns="45720" rIns="91440" bIns="45720" numCol="1" spcCol="0" rtlCol="0" fromWordArt="0" anchor="ctr" anchorCtr="0" forceAA="0" compatLnSpc="1">
+            <a:prstTxWarp prst="textNoShape">
+              <a:avLst/>
+            </a:prstTxWarp>
+            <a:noAutofit/>
+          </a:bodyPr>
+          <a:lstStyle/>
+          <a:p>
+            <a:pPr algn="ctr"/>
+            <a:endParaRPr lang="zh-CN" altLang="en-US" sz="1800"/>
+          </a:p>
+        </p:txBody>
+      </p:sp>
+    </p:spTree>
+    <p:extLst>
+      <p:ext uri="{BB962C8B-B14F-4D97-AF65-F5344CB8AC3E}">
+        <p14:creationId xmlns:p14="http://schemas.microsoft.com/office/powerpoint/2010/main" val="3565026534"/>
+      </p:ext>
+    </p:extLst>
+  </p:cSld>
+  <p:clrMapOvr>
+    <a:masterClrMapping/>
+  </p:clrMapOvr>
 </p:sld>
 </file>
 
@@ -4486,7 +5372,7 @@
         </p:nvSpPr>
         <p:spPr>
           <a:xfrm>
-            <a:off x="215154" y="4381500"/>
+            <a:off x="215154" y="3835441"/>
             <a:ext cx="1562846" cy="317459"/>
           </a:xfrm>
           <a:prstGeom prst="rect">
@@ -4648,7 +5534,6 @@
               <a:rPr lang="zh-CN" altLang="en-US" sz="1000" dirty="0"/>
               <a:t>清华大学基础工业训练中心</a:t>
             </a:r>
-            <a:endParaRPr lang="zh-CN" altLang="en-US" sz="1000" dirty="0"/>
           </a:p>
         </p:txBody>
       </p:sp>
@@ -4662,11 +5547,11 @@
   <p:clrMapOvr>
     <a:masterClrMapping/>
   </p:clrMapOvr>
-  <mc:AlternateContent xmlns:mc="http://schemas.openxmlformats.org/markup-compatibility/2006">
-    <mc:Choice xmlns:p14="http://schemas.microsoft.com/office/powerpoint/2010/main" Requires="p14">
+  <mc:AlternateContent xmlns:mc="http://schemas.openxmlformats.org/markup-compatibility/2006" xmlns:p14="http://schemas.microsoft.com/office/powerpoint/2010/main">
+    <mc:Choice Requires="p14">
       <p:transition spd="slow" p14:dur="2000"/>
     </mc:Choice>
-    <mc:Fallback>
+    <mc:Fallback xmlns="">
       <p:transition spd="slow"/>
     </mc:Fallback>
   </mc:AlternateContent>
@@ -4699,7 +5584,7 @@
         <p:spPr>
           <a:xfrm>
             <a:off x="225528" y="659839"/>
-            <a:ext cx="1207680" cy="246221"/>
+            <a:ext cx="951199" cy="246221"/>
           </a:xfrm>
           <a:prstGeom prst="rect">
             <a:avLst/>
@@ -4715,12 +5600,8 @@
           <a:lstStyle/>
           <a:p>
             <a:r>
-              <a:rPr lang="zh-CN" altLang="en-US" sz="1000" dirty="0"/>
-              <a:t>创</a:t>
-            </a:r>
-            <a:r>
               <a:rPr lang="zh-CN" altLang="en-US" sz="1000" dirty="0" smtClean="0"/>
-              <a:t>客交叉融合空间</a:t>
+              <a:t>创新教学体系</a:t>
             </a:r>
             <a:endParaRPr lang="zh-CN" altLang="en-US" sz="1000" dirty="0"/>
           </a:p>
@@ -4736,11 +5617,11 @@
   <p:clrMapOvr>
     <a:masterClrMapping/>
   </p:clrMapOvr>
-  <mc:AlternateContent xmlns:mc="http://schemas.openxmlformats.org/markup-compatibility/2006">
-    <mc:Choice xmlns:p14="http://schemas.microsoft.com/office/powerpoint/2010/main" Requires="p14">
+  <mc:AlternateContent xmlns:mc="http://schemas.openxmlformats.org/markup-compatibility/2006" xmlns:p14="http://schemas.microsoft.com/office/powerpoint/2010/main">
+    <mc:Choice Requires="p14">
       <p:transition spd="slow" p14:dur="2000"/>
     </mc:Choice>
-    <mc:Fallback>
+    <mc:Fallback xmlns="">
       <p:transition spd="slow"/>
     </mc:Fallback>
   </mc:AlternateContent>
@@ -4792,7 +5673,6 @@
               <a:rPr lang="zh-CN" altLang="en-US" sz="1000" dirty="0"/>
               <a:t>清华大学基础工业训练中心</a:t>
             </a:r>
-            <a:endParaRPr lang="zh-CN" altLang="en-US" sz="1000" dirty="0"/>
           </a:p>
         </p:txBody>
       </p:sp>
@@ -4805,7 +5685,7 @@
         <p:spPr>
           <a:xfrm>
             <a:off x="215154" y="1574800"/>
-            <a:ext cx="2705846" cy="317459"/>
+            <a:ext cx="2705846" cy="1217962"/>
           </a:xfrm>
           <a:prstGeom prst="rect">
             <a:avLst/>
@@ -4820,9 +5700,53 @@
           <a:p>
             <a:r>
               <a:rPr lang="zh-CN" altLang="en-US" dirty="0" smtClean="0"/>
-              <a:t>开放空间与先进加工设备</a:t>
-            </a:r>
-            <a:endParaRPr lang="zh-CN" altLang="en-US" dirty="0"/>
+              <a:t>清华派创客课程体系</a:t>
+            </a:r>
+            <a:endParaRPr lang="en-US" altLang="zh-CN" dirty="0" smtClean="0"/>
+          </a:p>
+          <a:p>
+            <a:pPr marL="285750" indent="-285750">
+              <a:buFontTx/>
+              <a:buChar char="-"/>
+            </a:pPr>
+            <a:r>
+              <a:rPr lang="zh-CN" altLang="en-US" dirty="0" smtClean="0"/>
+              <a:t>跨学科导引课</a:t>
+            </a:r>
+            <a:endParaRPr lang="en-US" altLang="zh-CN" dirty="0" smtClean="0"/>
+          </a:p>
+          <a:p>
+            <a:pPr marL="285750" indent="-285750">
+              <a:buFontTx/>
+              <a:buChar char="-"/>
+            </a:pPr>
+            <a:r>
+              <a:rPr lang="zh-CN" altLang="en-US" dirty="0" smtClean="0"/>
+              <a:t>实验室探究课</a:t>
+            </a:r>
+            <a:endParaRPr lang="en-US" altLang="zh-CN" dirty="0" smtClean="0"/>
+          </a:p>
+          <a:p>
+            <a:pPr marL="285750" indent="-285750">
+              <a:buFontTx/>
+              <a:buChar char="-"/>
+            </a:pPr>
+            <a:r>
+              <a:rPr lang="zh-CN" altLang="en-US" dirty="0" smtClean="0"/>
+              <a:t>战略规划课</a:t>
+            </a:r>
+            <a:endParaRPr lang="en-US" altLang="zh-CN" dirty="0" smtClean="0"/>
+          </a:p>
+          <a:p>
+            <a:pPr marL="285750" indent="-285750">
+              <a:buFontTx/>
+              <a:buChar char="-"/>
+            </a:pPr>
+            <a:r>
+              <a:rPr lang="zh-CN" altLang="en-US" dirty="0" smtClean="0"/>
+              <a:t>系统设计开发课</a:t>
+            </a:r>
+            <a:endParaRPr lang="en-US" altLang="zh-CN" dirty="0" smtClean="0"/>
           </a:p>
         </p:txBody>
       </p:sp>
@@ -4834,8 +5758,8 @@
         </p:nvSpPr>
         <p:spPr>
           <a:xfrm>
-            <a:off x="215154" y="2879205"/>
-            <a:ext cx="1562846" cy="317459"/>
+            <a:off x="215154" y="3619459"/>
+            <a:ext cx="3264646" cy="992836"/>
           </a:xfrm>
           <a:prstGeom prst="rect">
             <a:avLst/>
@@ -4849,23 +5773,64 @@
           <a:lstStyle/>
           <a:p>
             <a:r>
+              <a:rPr lang="zh-CN" altLang="en-US" dirty="0"/>
+              <a:t>创</a:t>
+            </a:r>
+            <a:r>
               <a:rPr lang="zh-CN" altLang="en-US" dirty="0" smtClean="0"/>
-              <a:t>数据信息平台</a:t>
+              <a:t>客在线平台</a:t>
             </a:r>
             <a:endParaRPr lang="en-US" altLang="zh-CN" dirty="0" smtClean="0"/>
           </a:p>
-        </p:txBody>
-      </p:sp>
-      <p:sp>
-        <p:nvSpPr>
-          <p:cNvPr id="6" name="TextBox 5"/>
+          <a:p>
+            <a:pPr marL="285750" indent="-285750">
+              <a:buFontTx/>
+              <a:buChar char="-"/>
+            </a:pPr>
+            <a:r>
+              <a:rPr lang="zh-CN" altLang="en-US" dirty="0" smtClean="0"/>
+              <a:t>课程模块化服务</a:t>
+            </a:r>
+            <a:endParaRPr lang="en-US" altLang="zh-CN" dirty="0" smtClean="0"/>
+          </a:p>
+          <a:p>
+            <a:pPr marL="285750" indent="-285750">
+              <a:buFontTx/>
+              <a:buChar char="-"/>
+            </a:pPr>
+            <a:r>
+              <a:rPr lang="zh-CN" altLang="en-US" dirty="0" smtClean="0"/>
+              <a:t>在线作品发布平台</a:t>
+            </a:r>
+            <a:endParaRPr lang="en-US" altLang="zh-CN" dirty="0" smtClean="0"/>
+          </a:p>
+          <a:p>
+            <a:pPr marL="285750" indent="-285750">
+              <a:buFontTx/>
+              <a:buChar char="-"/>
+            </a:pPr>
+            <a:r>
+              <a:rPr lang="zh-CN" altLang="en-US" dirty="0"/>
+              <a:t>在</a:t>
+            </a:r>
+            <a:r>
+              <a:rPr lang="zh-CN" altLang="en-US" dirty="0" smtClean="0"/>
+              <a:t>校创客与产业交流平台</a:t>
+            </a:r>
+            <a:endParaRPr lang="en-US" altLang="zh-CN" dirty="0" smtClean="0"/>
+          </a:p>
+        </p:txBody>
+      </p:sp>
+      <p:sp>
+        <p:nvSpPr>
+          <p:cNvPr id="8" name="TextBox 7"/>
           <p:cNvSpPr txBox="1"/>
           <p:nvPr/>
         </p:nvSpPr>
         <p:spPr>
           <a:xfrm>
-            <a:off x="215154" y="6731000"/>
-            <a:ext cx="3467846" cy="317459"/>
+            <a:off x="215154" y="4864097"/>
+            <a:ext cx="4560046" cy="2118465"/>
           </a:xfrm>
           <a:prstGeom prst="rect">
             <a:avLst/>
@@ -4879,38 +5844,111 @@
           <a:lstStyle/>
           <a:p>
             <a:r>
+              <a:rPr lang="zh-CN" altLang="en-US" dirty="0"/>
+              <a:t>创新创业辅修</a:t>
+            </a:r>
+            <a:r>
               <a:rPr lang="zh-CN" altLang="en-US" dirty="0" smtClean="0"/>
-              <a:t>清华派创客课程体系</a:t>
+              <a:t>项目</a:t>
             </a:r>
             <a:endParaRPr lang="en-US" altLang="zh-CN" dirty="0" smtClean="0"/>
           </a:p>
-        </p:txBody>
-      </p:sp>
-      <p:sp>
-        <p:nvSpPr>
-          <p:cNvPr id="7" name="TextBox 6"/>
-          <p:cNvSpPr txBox="1"/>
-          <p:nvPr/>
-        </p:nvSpPr>
-        <p:spPr>
-          <a:xfrm>
-            <a:off x="215154" y="5016500"/>
-            <a:ext cx="3467846" cy="317459"/>
-          </a:xfrm>
-          <a:prstGeom prst="rect">
-            <a:avLst/>
-          </a:prstGeom>
-          <a:noFill/>
-        </p:spPr>
-        <p:txBody>
-          <a:bodyPr wrap="square" rtlCol="0">
-            <a:spAutoFit/>
-          </a:bodyPr>
-          <a:lstStyle/>
-          <a:p>
-            <a:r>
-              <a:rPr lang="zh-CN" altLang="en-US" dirty="0" smtClean="0"/>
-              <a:t>创客系列活动</a:t>
+          <a:p>
+            <a:pPr marL="285750" indent="-285750">
+              <a:buFontTx/>
+              <a:buChar char="-"/>
+            </a:pPr>
+            <a:r>
+              <a:rPr lang="zh-CN" altLang="zh-CN" dirty="0" smtClean="0"/>
+              <a:t>导引</a:t>
+            </a:r>
+            <a:r>
+              <a:rPr lang="zh-CN" altLang="zh-CN" dirty="0"/>
+              <a:t>课程：《</a:t>
+            </a:r>
+            <a:r>
+              <a:rPr lang="en-US" altLang="zh-CN" dirty="0"/>
+              <a:t>XLP</a:t>
+            </a:r>
+            <a:r>
+              <a:rPr lang="zh-CN" altLang="zh-CN" dirty="0"/>
+              <a:t>导引课》、《创业认识与实践》、</a:t>
+            </a:r>
+            <a:r>
+              <a:rPr lang="zh-CN" altLang="zh-CN" dirty="0" smtClean="0"/>
+              <a:t>《设计思维》</a:t>
+            </a:r>
+            <a:endParaRPr lang="en-US" altLang="zh-CN" dirty="0"/>
+          </a:p>
+          <a:p>
+            <a:pPr marL="285750" indent="-285750">
+              <a:buFontTx/>
+              <a:buChar char="-"/>
+            </a:pPr>
+            <a:r>
+              <a:rPr lang="zh-CN" altLang="zh-CN" dirty="0" smtClean="0"/>
+              <a:t>实践</a:t>
+            </a:r>
+            <a:r>
+              <a:rPr lang="zh-CN" altLang="zh-CN" dirty="0"/>
+              <a:t>课程：《全球制造战略》、《实验室科研探究》、</a:t>
+            </a:r>
+            <a:r>
+              <a:rPr lang="zh-CN" altLang="zh-CN" dirty="0" smtClean="0"/>
+              <a:t>《工程训练系列课程》</a:t>
+            </a:r>
+            <a:endParaRPr lang="en-US" altLang="zh-CN" dirty="0" smtClean="0"/>
+          </a:p>
+          <a:p>
+            <a:pPr marL="285750" indent="-285750">
+              <a:buFontTx/>
+              <a:buChar char="-"/>
+            </a:pPr>
+            <a:r>
+              <a:rPr lang="zh-CN" altLang="zh-CN" dirty="0" smtClean="0"/>
+              <a:t>项目</a:t>
+            </a:r>
+            <a:r>
+              <a:rPr lang="zh-CN" altLang="zh-CN" dirty="0"/>
+              <a:t>驱动：</a:t>
+            </a:r>
+            <a:r>
+              <a:rPr lang="zh-CN" altLang="zh-CN" dirty="0" smtClean="0"/>
+              <a:t>《设计与科技创业实验室》</a:t>
+            </a:r>
+            <a:endParaRPr lang="en-US" altLang="zh-CN" dirty="0" smtClean="0"/>
+          </a:p>
+          <a:p>
+            <a:pPr marL="285750" indent="-285750">
+              <a:buFontTx/>
+              <a:buChar char="-"/>
+            </a:pPr>
+            <a:r>
+              <a:rPr lang="zh-CN" altLang="zh-CN" dirty="0" smtClean="0"/>
+              <a:t>特色</a:t>
+            </a:r>
+            <a:r>
+              <a:rPr lang="zh-CN" altLang="zh-CN" dirty="0"/>
+              <a:t>课程：各院系</a:t>
+            </a:r>
+            <a:r>
+              <a:rPr lang="zh-CN" altLang="zh-CN" dirty="0" smtClean="0"/>
+              <a:t>《创业类课程》</a:t>
+            </a:r>
+            <a:endParaRPr lang="en-US" altLang="zh-CN" dirty="0" smtClean="0"/>
+          </a:p>
+          <a:p>
+            <a:pPr marL="285750" indent="-285750">
+              <a:buFontTx/>
+              <a:buChar char="-"/>
+            </a:pPr>
+            <a:r>
+              <a:rPr lang="zh-CN" altLang="zh-CN" dirty="0" smtClean="0"/>
+              <a:t>商业</a:t>
+            </a:r>
+            <a:r>
+              <a:rPr lang="zh-CN" altLang="zh-CN" dirty="0"/>
+              <a:t>类课程： 《创业管理》、《创业计划》、《创业领导力》等</a:t>
             </a:r>
             <a:endParaRPr lang="en-US" altLang="zh-CN" dirty="0" smtClean="0"/>
           </a:p>
@@ -4926,11 +5964,11 @@
   <p:clrMapOvr>
     <a:masterClrMapping/>
   </p:clrMapOvr>
-  <mc:AlternateContent xmlns:mc="http://schemas.openxmlformats.org/markup-compatibility/2006">
-    <mc:Choice xmlns:p14="http://schemas.microsoft.com/office/powerpoint/2010/main" Requires="p14">
+  <mc:AlternateContent xmlns:mc="http://schemas.openxmlformats.org/markup-compatibility/2006" xmlns:p14="http://schemas.microsoft.com/office/powerpoint/2010/main">
+    <mc:Choice Requires="p14">
       <p:transition spd="slow" p14:dur="2000"/>
     </mc:Choice>
-    <mc:Fallback>
+    <mc:Fallback xmlns="">
       <p:transition spd="slow"/>
     </mc:Fallback>
   </mc:AlternateContent>
@@ -4956,14 +5994,104 @@
       </p:grpSpPr>
       <p:sp>
         <p:nvSpPr>
-          <p:cNvPr id="4" name="TextBox 3"/>
+          <p:cNvPr id="18" name="TextBox 17"/>
           <p:cNvSpPr txBox="1"/>
           <p:nvPr/>
         </p:nvSpPr>
         <p:spPr>
           <a:xfrm>
-            <a:off x="215154" y="618564"/>
-            <a:ext cx="1685077" cy="317459"/>
+            <a:off x="215154" y="1574800"/>
+            <a:ext cx="3264646" cy="317459"/>
+          </a:xfrm>
+          <a:prstGeom prst="rect">
+            <a:avLst/>
+          </a:prstGeom>
+          <a:noFill/>
+        </p:spPr>
+        <p:txBody>
+          <a:bodyPr wrap="square" rtlCol="0">
+            <a:spAutoFit/>
+          </a:bodyPr>
+          <a:lstStyle/>
+          <a:p>
+            <a:r>
+              <a:rPr lang="zh-CN" altLang="en-US" dirty="0" smtClean="0"/>
+              <a:t>交叉融合实践空间</a:t>
+            </a:r>
+            <a:endParaRPr lang="zh-CN" altLang="en-US" dirty="0"/>
+          </a:p>
+        </p:txBody>
+      </p:sp>
+      <p:sp>
+        <p:nvSpPr>
+          <p:cNvPr id="20" name="TextBox 19"/>
+          <p:cNvSpPr txBox="1"/>
+          <p:nvPr/>
+        </p:nvSpPr>
+        <p:spPr>
+          <a:xfrm>
+            <a:off x="215154" y="4381500"/>
+            <a:ext cx="2121646" cy="317459"/>
+          </a:xfrm>
+          <a:prstGeom prst="rect">
+            <a:avLst/>
+          </a:prstGeom>
+          <a:noFill/>
+        </p:spPr>
+        <p:txBody>
+          <a:bodyPr wrap="square" rtlCol="0">
+            <a:spAutoFit/>
+          </a:bodyPr>
+          <a:lstStyle/>
+          <a:p>
+            <a:r>
+              <a:rPr lang="zh-CN" altLang="en-US" dirty="0" smtClean="0"/>
+              <a:t>全球视频会议终端</a:t>
+            </a:r>
+            <a:endParaRPr lang="en-US" altLang="zh-CN" dirty="0" smtClean="0"/>
+          </a:p>
+        </p:txBody>
+      </p:sp>
+      <p:sp>
+        <p:nvSpPr>
+          <p:cNvPr id="21" name="TextBox 20"/>
+          <p:cNvSpPr txBox="1"/>
+          <p:nvPr/>
+        </p:nvSpPr>
+        <p:spPr>
+          <a:xfrm>
+            <a:off x="215154" y="6731000"/>
+            <a:ext cx="3467846" cy="317459"/>
+          </a:xfrm>
+          <a:prstGeom prst="rect">
+            <a:avLst/>
+          </a:prstGeom>
+          <a:noFill/>
+        </p:spPr>
+        <p:txBody>
+          <a:bodyPr wrap="square" rtlCol="0">
+            <a:spAutoFit/>
+          </a:bodyPr>
+          <a:lstStyle/>
+          <a:p>
+            <a:r>
+              <a:rPr lang="zh-CN" altLang="en-US" dirty="0" smtClean="0"/>
+              <a:t>展演大厅</a:t>
+            </a:r>
+            <a:endParaRPr lang="en-US" altLang="zh-CN" dirty="0" smtClean="0"/>
+          </a:p>
+        </p:txBody>
+      </p:sp>
+      <p:sp>
+        <p:nvSpPr>
+          <p:cNvPr id="6" name="TextBox 5"/>
+          <p:cNvSpPr txBox="1"/>
+          <p:nvPr/>
+        </p:nvSpPr>
+        <p:spPr>
+          <a:xfrm>
+            <a:off x="225528" y="659839"/>
+            <a:ext cx="1079439" cy="246221"/>
           </a:xfrm>
           <a:prstGeom prst="rect">
             <a:avLst/>
@@ -4973,32 +6101,28 @@
           </a:solidFill>
         </p:spPr>
         <p:txBody>
-          <a:bodyPr wrap="none" rtlCol="0">
+          <a:bodyPr wrap="none" lIns="108000" rIns="72000" rtlCol="0">
             <a:spAutoFit/>
           </a:bodyPr>
           <a:lstStyle/>
           <a:p>
             <a:r>
-              <a:rPr lang="zh-CN" altLang="en-US" dirty="0"/>
-              <a:t>创</a:t>
-            </a:r>
-            <a:r>
-              <a:rPr lang="zh-CN" altLang="en-US" dirty="0" smtClean="0"/>
-              <a:t>客交叉融合空间</a:t>
-            </a:r>
-            <a:endParaRPr lang="zh-CN" altLang="en-US" dirty="0"/>
-          </a:p>
-        </p:txBody>
-      </p:sp>
-      <p:sp>
-        <p:nvSpPr>
-          <p:cNvPr id="18" name="TextBox 17"/>
+              <a:rPr lang="zh-CN" altLang="en-US" sz="1000" dirty="0" smtClean="0"/>
+              <a:t>全周期资源配套</a:t>
+            </a:r>
+            <a:endParaRPr lang="zh-CN" altLang="en-US" sz="1000" dirty="0"/>
+          </a:p>
+        </p:txBody>
+      </p:sp>
+      <p:sp>
+        <p:nvSpPr>
+          <p:cNvPr id="7" name="TextBox 6"/>
           <p:cNvSpPr txBox="1"/>
           <p:nvPr/>
         </p:nvSpPr>
         <p:spPr>
           <a:xfrm>
-            <a:off x="215154" y="1574800"/>
+            <a:off x="215154" y="2889291"/>
             <a:ext cx="1562846" cy="317459"/>
           </a:xfrm>
           <a:prstGeom prst="rect">
@@ -5014,75 +6138,7 @@
           <a:p>
             <a:r>
               <a:rPr lang="zh-CN" altLang="en-US" dirty="0" smtClean="0"/>
-              <a:t>战略定位</a:t>
-            </a:r>
-            <a:endParaRPr lang="zh-CN" altLang="en-US" dirty="0"/>
-          </a:p>
-        </p:txBody>
-      </p:sp>
-      <p:sp>
-        <p:nvSpPr>
-          <p:cNvPr id="20" name="TextBox 19"/>
-          <p:cNvSpPr txBox="1"/>
-          <p:nvPr/>
-        </p:nvSpPr>
-        <p:spPr>
-          <a:xfrm>
-            <a:off x="215154" y="4381500"/>
-            <a:ext cx="1562846" cy="317459"/>
-          </a:xfrm>
-          <a:prstGeom prst="rect">
-            <a:avLst/>
-          </a:prstGeom>
-          <a:noFill/>
-        </p:spPr>
-        <p:txBody>
-          <a:bodyPr wrap="square" rtlCol="0">
-            <a:spAutoFit/>
-          </a:bodyPr>
-          <a:lstStyle/>
-          <a:p>
-            <a:r>
-              <a:rPr lang="zh-CN" altLang="en-US" dirty="0" smtClean="0"/>
-              <a:t>核心价值</a:t>
-            </a:r>
-            <a:endParaRPr lang="en-US" altLang="zh-CN" dirty="0" smtClean="0"/>
-          </a:p>
-        </p:txBody>
-      </p:sp>
-      <p:sp>
-        <p:nvSpPr>
-          <p:cNvPr id="21" name="TextBox 20"/>
-          <p:cNvSpPr txBox="1"/>
-          <p:nvPr/>
-        </p:nvSpPr>
-        <p:spPr>
-          <a:xfrm>
-            <a:off x="215154" y="6731000"/>
-            <a:ext cx="3467846" cy="317459"/>
-          </a:xfrm>
-          <a:prstGeom prst="rect">
-            <a:avLst/>
-          </a:prstGeom>
-          <a:noFill/>
-        </p:spPr>
-        <p:txBody>
-          <a:bodyPr wrap="square" rtlCol="0">
-            <a:spAutoFit/>
-          </a:bodyPr>
-          <a:lstStyle/>
-          <a:p>
-            <a:r>
-              <a:rPr lang="zh-CN" altLang="en-US" dirty="0" smtClean="0"/>
-              <a:t>愿景</a:t>
-            </a:r>
-            <a:r>
-              <a:rPr lang="en-US" altLang="zh-CN" dirty="0" smtClean="0"/>
-              <a:t>——</a:t>
-            </a:r>
-            <a:r>
-              <a:rPr lang="zh-CN" altLang="en-US" dirty="0" smtClean="0"/>
-              <a:t>承载清华派创客文化</a:t>
+              <a:t>创客制造坊</a:t>
             </a:r>
             <a:endParaRPr lang="en-US" altLang="zh-CN" dirty="0" smtClean="0"/>
           </a:p>
@@ -5098,11 +6154,11 @@
   <p:clrMapOvr>
     <a:masterClrMapping/>
   </p:clrMapOvr>
-  <mc:AlternateContent xmlns:mc="http://schemas.openxmlformats.org/markup-compatibility/2006">
-    <mc:Choice xmlns:p14="http://schemas.microsoft.com/office/powerpoint/2010/main" Requires="p14">
+  <mc:AlternateContent xmlns:mc="http://schemas.openxmlformats.org/markup-compatibility/2006" xmlns:p14="http://schemas.microsoft.com/office/powerpoint/2010/main">
+    <mc:Choice Requires="p14">
       <p:transition spd="slow" p14:dur="2000"/>
     </mc:Choice>
-    <mc:Fallback>
+    <mc:Fallback xmlns="">
       <p:transition spd="slow"/>
     </mc:Fallback>
   </mc:AlternateContent>
@@ -5128,14 +6184,14 @@
       </p:grpSpPr>
       <p:sp>
         <p:nvSpPr>
-          <p:cNvPr id="4" name="TextBox 3"/>
+          <p:cNvPr id="3" name="TextBox 2"/>
           <p:cNvSpPr txBox="1"/>
           <p:nvPr/>
         </p:nvSpPr>
         <p:spPr>
           <a:xfrm>
-            <a:off x="3822700" y="618564"/>
-            <a:ext cx="1685077" cy="317459"/>
+            <a:off x="3670300" y="659839"/>
+            <a:ext cx="1723549" cy="246221"/>
           </a:xfrm>
           <a:prstGeom prst="rect">
             <a:avLst/>
@@ -5145,20 +6201,15 @@
           </a:solidFill>
         </p:spPr>
         <p:txBody>
-          <a:bodyPr wrap="none" rtlCol="0">
+          <a:bodyPr wrap="none" lIns="108000" rIns="72000" rtlCol="0">
             <a:spAutoFit/>
           </a:bodyPr>
           <a:lstStyle/>
           <a:p>
             <a:r>
-              <a:rPr lang="zh-CN" altLang="en-US" dirty="0"/>
-              <a:t>创</a:t>
-            </a:r>
-            <a:r>
-              <a:rPr lang="zh-CN" altLang="en-US" dirty="0" smtClean="0"/>
-              <a:t>客交叉融合空间</a:t>
-            </a:r>
-            <a:endParaRPr lang="zh-CN" altLang="en-US" dirty="0"/>
+              <a:rPr lang="zh-CN" altLang="en-US" sz="1000" dirty="0"/>
+              <a:t>清华大学基础工业训练中心</a:t>
+            </a:r>
           </a:p>
         </p:txBody>
       </p:sp>
@@ -5172,11 +6223,11 @@
   <p:clrMapOvr>
     <a:masterClrMapping/>
   </p:clrMapOvr>
-  <mc:AlternateContent xmlns:mc="http://schemas.openxmlformats.org/markup-compatibility/2006">
-    <mc:Choice xmlns:p14="http://schemas.microsoft.com/office/powerpoint/2010/main" Requires="p14">
+  <mc:AlternateContent xmlns:mc="http://schemas.openxmlformats.org/markup-compatibility/2006" xmlns:p14="http://schemas.microsoft.com/office/powerpoint/2010/main">
+    <mc:Choice Requires="p14">
       <p:transition spd="slow" p14:dur="2000"/>
     </mc:Choice>
-    <mc:Fallback>
+    <mc:Fallback xmlns="">
       <p:transition spd="slow"/>
     </mc:Fallback>
   </mc:AlternateContent>

--- a/训练中心创客交叉融合空间建设/doc/创客交叉融合空间宣传册.pptx
+++ b/训练中心创客交叉融合空间建设/doc/创客交叉融合空间宣传册.pptx
@@ -258,7 +258,7 @@
           <a:p>
             <a:fld id="{618260D7-4791-449E-B0C3-A5F2790DD3B3}" type="datetimeFigureOut">
               <a:rPr lang="zh-CN" altLang="en-US" smtClean="0"/>
-              <a:t>2014/5/18</a:t>
+              <a:t>2014/5/19</a:t>
             </a:fld>
             <a:endParaRPr lang="zh-CN" altLang="en-US"/>
           </a:p>
@@ -515,7 +515,7 @@
           <a:p>
             <a:fld id="{618260D7-4791-449E-B0C3-A5F2790DD3B3}" type="datetimeFigureOut">
               <a:rPr lang="zh-CN" altLang="en-US" smtClean="0"/>
-              <a:t>2014/5/18</a:t>
+              <a:t>2014/5/19</a:t>
             </a:fld>
             <a:endParaRPr lang="zh-CN" altLang="en-US"/>
           </a:p>
@@ -685,7 +685,7 @@
           <a:p>
             <a:fld id="{618260D7-4791-449E-B0C3-A5F2790DD3B3}" type="datetimeFigureOut">
               <a:rPr lang="zh-CN" altLang="en-US" smtClean="0"/>
-              <a:t>2014/5/18</a:t>
+              <a:t>2014/5/19</a:t>
             </a:fld>
             <a:endParaRPr lang="zh-CN" altLang="en-US"/>
           </a:p>
@@ -865,7 +865,7 @@
           <a:p>
             <a:fld id="{618260D7-4791-449E-B0C3-A5F2790DD3B3}" type="datetimeFigureOut">
               <a:rPr lang="zh-CN" altLang="en-US" smtClean="0"/>
-              <a:t>2014/5/18</a:t>
+              <a:t>2014/5/19</a:t>
             </a:fld>
             <a:endParaRPr lang="zh-CN" altLang="en-US"/>
           </a:p>
@@ -1035,7 +1035,7 @@
           <a:p>
             <a:fld id="{618260D7-4791-449E-B0C3-A5F2790DD3B3}" type="datetimeFigureOut">
               <a:rPr lang="zh-CN" altLang="en-US" smtClean="0"/>
-              <a:t>2014/5/18</a:t>
+              <a:t>2014/5/19</a:t>
             </a:fld>
             <a:endParaRPr lang="zh-CN" altLang="en-US"/>
           </a:p>
@@ -1279,7 +1279,7 @@
           <a:p>
             <a:fld id="{618260D7-4791-449E-B0C3-A5F2790DD3B3}" type="datetimeFigureOut">
               <a:rPr lang="zh-CN" altLang="en-US" smtClean="0"/>
-              <a:t>2014/5/18</a:t>
+              <a:t>2014/5/19</a:t>
             </a:fld>
             <a:endParaRPr lang="zh-CN" altLang="en-US"/>
           </a:p>
@@ -1511,7 +1511,7 @@
           <a:p>
             <a:fld id="{618260D7-4791-449E-B0C3-A5F2790DD3B3}" type="datetimeFigureOut">
               <a:rPr lang="zh-CN" altLang="en-US" smtClean="0"/>
-              <a:t>2014/5/18</a:t>
+              <a:t>2014/5/19</a:t>
             </a:fld>
             <a:endParaRPr lang="zh-CN" altLang="en-US"/>
           </a:p>
@@ -1878,7 +1878,7 @@
           <a:p>
             <a:fld id="{618260D7-4791-449E-B0C3-A5F2790DD3B3}" type="datetimeFigureOut">
               <a:rPr lang="zh-CN" altLang="en-US" smtClean="0"/>
-              <a:t>2014/5/18</a:t>
+              <a:t>2014/5/19</a:t>
             </a:fld>
             <a:endParaRPr lang="zh-CN" altLang="en-US"/>
           </a:p>
@@ -1996,7 +1996,7 @@
           <a:p>
             <a:fld id="{618260D7-4791-449E-B0C3-A5F2790DD3B3}" type="datetimeFigureOut">
               <a:rPr lang="zh-CN" altLang="en-US" smtClean="0"/>
-              <a:t>2014/5/18</a:t>
+              <a:t>2014/5/19</a:t>
             </a:fld>
             <a:endParaRPr lang="zh-CN" altLang="en-US"/>
           </a:p>
@@ -2091,7 +2091,7 @@
           <a:p>
             <a:fld id="{618260D7-4791-449E-B0C3-A5F2790DD3B3}" type="datetimeFigureOut">
               <a:rPr lang="zh-CN" altLang="en-US" smtClean="0"/>
-              <a:t>2014/5/18</a:t>
+              <a:t>2014/5/19</a:t>
             </a:fld>
             <a:endParaRPr lang="zh-CN" altLang="en-US"/>
           </a:p>
@@ -2186,7 +2186,7 @@
           <a:p>
             <a:fld id="{618260D7-4791-449E-B0C3-A5F2790DD3B3}" type="datetimeFigureOut">
               <a:rPr lang="zh-CN" altLang="en-US" smtClean="0"/>
-              <a:t>2014/5/18</a:t>
+              <a:t>2014/5/19</a:t>
             </a:fld>
             <a:endParaRPr lang="zh-CN" altLang="en-US"/>
           </a:p>
@@ -2514,7 +2514,7 @@
           <a:p>
             <a:fld id="{618260D7-4791-449E-B0C3-A5F2790DD3B3}" type="datetimeFigureOut">
               <a:rPr lang="zh-CN" altLang="en-US" smtClean="0"/>
-              <a:t>2014/5/18</a:t>
+              <a:t>2014/5/19</a:t>
             </a:fld>
             <a:endParaRPr lang="zh-CN" altLang="en-US"/>
           </a:p>
@@ -2727,7 +2727,7 @@
           <a:p>
             <a:fld id="{618260D7-4791-449E-B0C3-A5F2790DD3B3}" type="datetimeFigureOut">
               <a:rPr lang="zh-CN" altLang="en-US" smtClean="0"/>
-              <a:t>2014/5/18</a:t>
+              <a:t>2014/5/19</a:t>
             </a:fld>
             <a:endParaRPr lang="zh-CN" altLang="en-US"/>
           </a:p>
@@ -3240,21 +3240,7 @@
                     <a:latin typeface="幼圆" panose="02010509060101010101" pitchFamily="49" charset="-122"/>
                     <a:ea typeface="幼圆" panose="02010509060101010101" pitchFamily="49" charset="-122"/>
                   </a:rPr>
-                  <a:t>创客</a:t>
-                </a:r>
-                <a:r>
-                  <a:rPr lang="zh-CN" altLang="en-US" sz="2400" dirty="0" smtClean="0">
-                    <a:latin typeface="幼圆" panose="02010509060101010101" pitchFamily="49" charset="-122"/>
-                    <a:ea typeface="幼圆" panose="02010509060101010101" pitchFamily="49" charset="-122"/>
-                  </a:rPr>
-                  <a:t>交叉</a:t>
-                </a:r>
-                <a:r>
-                  <a:rPr lang="zh-CN" altLang="en-US" sz="2400" dirty="0" smtClean="0">
-                    <a:latin typeface="幼圆" panose="02010509060101010101" pitchFamily="49" charset="-122"/>
-                    <a:ea typeface="幼圆" panose="02010509060101010101" pitchFamily="49" charset="-122"/>
-                  </a:rPr>
-                  <a:t>融合项目</a:t>
+                  <a:t>创客交叉融合项目</a:t>
                 </a:r>
                 <a:endParaRPr lang="zh-CN" altLang="en-US" sz="2400" dirty="0">
                   <a:latin typeface="幼圆" panose="02010509060101010101" pitchFamily="49" charset="-122"/>
@@ -3971,10 +3957,16 @@
           <a:lstStyle/>
           <a:p>
             <a:r>
-              <a:rPr lang="zh-CN" altLang="en-US" sz="1000" dirty="0" smtClean="0"/>
+              <a:rPr lang="zh-CN" altLang="en-US" sz="1000" dirty="0" smtClean="0">
+                <a:latin typeface="黑体" panose="02010609060101010101" pitchFamily="49" charset="-122"/>
+                <a:ea typeface="黑体" panose="02010609060101010101" pitchFamily="49" charset="-122"/>
+              </a:rPr>
               <a:t>在线平台与服务板块</a:t>
             </a:r>
-            <a:endParaRPr lang="zh-CN" altLang="en-US" sz="1000" dirty="0"/>
+            <a:endParaRPr lang="zh-CN" altLang="en-US" sz="1000" dirty="0">
+              <a:latin typeface="黑体" panose="02010609060101010101" pitchFamily="49" charset="-122"/>
+              <a:ea typeface="黑体" panose="02010609060101010101" pitchFamily="49" charset="-122"/>
+            </a:endParaRPr>
           </a:p>
         </p:txBody>
       </p:sp>
@@ -4039,10 +4031,16 @@
           <a:lstStyle/>
           <a:p>
             <a:r>
-              <a:rPr lang="zh-CN" altLang="en-US" dirty="0" smtClean="0"/>
+              <a:rPr lang="zh-CN" altLang="en-US" dirty="0" smtClean="0">
+                <a:latin typeface="黑体" panose="02010609060101010101" pitchFamily="49" charset="-122"/>
+                <a:ea typeface="黑体" panose="02010609060101010101" pitchFamily="49" charset="-122"/>
+              </a:rPr>
               <a:t>在线课程服务模块</a:t>
             </a:r>
-            <a:endParaRPr lang="en-US" altLang="zh-CN" dirty="0" smtClean="0"/>
+            <a:endParaRPr lang="en-US" altLang="zh-CN" dirty="0" smtClean="0">
+              <a:latin typeface="黑体" panose="02010609060101010101" pitchFamily="49" charset="-122"/>
+              <a:ea typeface="黑体" panose="02010609060101010101" pitchFamily="49" charset="-122"/>
+            </a:endParaRPr>
           </a:p>
           <a:p>
             <a:pPr marL="285750" indent="-285750">
@@ -4050,10 +4048,16 @@
               <a:buChar char="-"/>
             </a:pPr>
             <a:r>
-              <a:rPr lang="zh-CN" altLang="en-US" dirty="0" smtClean="0"/>
+              <a:rPr lang="zh-CN" altLang="en-US" dirty="0" smtClean="0">
+                <a:latin typeface="黑体" panose="02010609060101010101" pitchFamily="49" charset="-122"/>
+                <a:ea typeface="黑体" panose="02010609060101010101" pitchFamily="49" charset="-122"/>
+              </a:rPr>
               <a:t>知识产权</a:t>
             </a:r>
-            <a:endParaRPr lang="en-US" altLang="zh-CN" dirty="0" smtClean="0"/>
+            <a:endParaRPr lang="en-US" altLang="zh-CN" dirty="0" smtClean="0">
+              <a:latin typeface="黑体" panose="02010609060101010101" pitchFamily="49" charset="-122"/>
+              <a:ea typeface="黑体" panose="02010609060101010101" pitchFamily="49" charset="-122"/>
+            </a:endParaRPr>
           </a:p>
           <a:p>
             <a:pPr marL="285750" indent="-285750">
@@ -4061,10 +4065,16 @@
               <a:buChar char="-"/>
             </a:pPr>
             <a:r>
-              <a:rPr lang="zh-CN" altLang="en-US" dirty="0" smtClean="0"/>
+              <a:rPr lang="zh-CN" altLang="en-US" dirty="0" smtClean="0">
+                <a:latin typeface="黑体" panose="02010609060101010101" pitchFamily="49" charset="-122"/>
+                <a:ea typeface="黑体" panose="02010609060101010101" pitchFamily="49" charset="-122"/>
+              </a:rPr>
               <a:t>法律</a:t>
             </a:r>
-            <a:endParaRPr lang="en-US" altLang="zh-CN" dirty="0" smtClean="0"/>
+            <a:endParaRPr lang="en-US" altLang="zh-CN" dirty="0" smtClean="0">
+              <a:latin typeface="黑体" panose="02010609060101010101" pitchFamily="49" charset="-122"/>
+              <a:ea typeface="黑体" panose="02010609060101010101" pitchFamily="49" charset="-122"/>
+            </a:endParaRPr>
           </a:p>
           <a:p>
             <a:pPr marL="285750" indent="-285750">
@@ -4072,10 +4082,16 @@
               <a:buChar char="-"/>
             </a:pPr>
             <a:r>
-              <a:rPr lang="zh-CN" altLang="en-US" dirty="0" smtClean="0"/>
+              <a:rPr lang="zh-CN" altLang="en-US" dirty="0" smtClean="0">
+                <a:latin typeface="黑体" panose="02010609060101010101" pitchFamily="49" charset="-122"/>
+                <a:ea typeface="黑体" panose="02010609060101010101" pitchFamily="49" charset="-122"/>
+              </a:rPr>
               <a:t>市场</a:t>
             </a:r>
-            <a:endParaRPr lang="en-US" altLang="zh-CN" dirty="0" smtClean="0"/>
+            <a:endParaRPr lang="en-US" altLang="zh-CN" dirty="0" smtClean="0">
+              <a:latin typeface="黑体" panose="02010609060101010101" pitchFamily="49" charset="-122"/>
+              <a:ea typeface="黑体" panose="02010609060101010101" pitchFamily="49" charset="-122"/>
+            </a:endParaRPr>
           </a:p>
           <a:p>
             <a:pPr marL="285750" indent="-285750">
@@ -4083,10 +4099,12 @@
               <a:buChar char="-"/>
             </a:pPr>
             <a:r>
-              <a:rPr lang="zh-CN" altLang="en-US" dirty="0"/>
+              <a:rPr lang="zh-CN" altLang="en-US" dirty="0">
+                <a:latin typeface="黑体" panose="02010609060101010101" pitchFamily="49" charset="-122"/>
+                <a:ea typeface="黑体" panose="02010609060101010101" pitchFamily="49" charset="-122"/>
+              </a:rPr>
               <a:t>媒体</a:t>
             </a:r>
-            <a:endParaRPr lang="zh-CN" altLang="en-US" dirty="0"/>
           </a:p>
         </p:txBody>
       </p:sp>
@@ -4113,14 +4131,16 @@
           <a:lstStyle/>
           <a:p>
             <a:r>
-              <a:rPr lang="zh-CN" altLang="en-US" dirty="0" smtClean="0"/>
-              <a:t>数据信息</a:t>
-            </a:r>
-            <a:r>
-              <a:rPr lang="zh-CN" altLang="en-US" dirty="0" smtClean="0"/>
-              <a:t>平台</a:t>
-            </a:r>
-            <a:endParaRPr lang="en-US" altLang="zh-CN" dirty="0" smtClean="0"/>
+              <a:rPr lang="zh-CN" altLang="en-US" dirty="0" smtClean="0">
+                <a:latin typeface="黑体" panose="02010609060101010101" pitchFamily="49" charset="-122"/>
+                <a:ea typeface="黑体" panose="02010609060101010101" pitchFamily="49" charset="-122"/>
+              </a:rPr>
+              <a:t>数据信息平台</a:t>
+            </a:r>
+            <a:endParaRPr lang="en-US" altLang="zh-CN" dirty="0" smtClean="0">
+              <a:latin typeface="黑体" panose="02010609060101010101" pitchFamily="49" charset="-122"/>
+              <a:ea typeface="黑体" panose="02010609060101010101" pitchFamily="49" charset="-122"/>
+            </a:endParaRPr>
           </a:p>
           <a:p>
             <a:pPr marL="285750" indent="-285750">
@@ -4128,10 +4148,16 @@
               <a:buChar char="-"/>
             </a:pPr>
             <a:r>
-              <a:rPr lang="zh-CN" altLang="en-US" dirty="0" smtClean="0"/>
+              <a:rPr lang="zh-CN" altLang="en-US" dirty="0" smtClean="0">
+                <a:latin typeface="黑体" panose="02010609060101010101" pitchFamily="49" charset="-122"/>
+                <a:ea typeface="黑体" panose="02010609060101010101" pitchFamily="49" charset="-122"/>
+              </a:rPr>
               <a:t>项目管理系统</a:t>
             </a:r>
-            <a:endParaRPr lang="en-US" altLang="zh-CN" dirty="0" smtClean="0"/>
+            <a:endParaRPr lang="en-US" altLang="zh-CN" dirty="0" smtClean="0">
+              <a:latin typeface="黑体" panose="02010609060101010101" pitchFamily="49" charset="-122"/>
+              <a:ea typeface="黑体" panose="02010609060101010101" pitchFamily="49" charset="-122"/>
+            </a:endParaRPr>
           </a:p>
           <a:p>
             <a:pPr marL="285750" indent="-285750">
@@ -4139,10 +4165,16 @@
               <a:buChar char="-"/>
             </a:pPr>
             <a:r>
-              <a:rPr lang="zh-CN" altLang="en-US" dirty="0" smtClean="0"/>
+              <a:rPr lang="zh-CN" altLang="en-US" dirty="0" smtClean="0">
+                <a:latin typeface="黑体" panose="02010609060101010101" pitchFamily="49" charset="-122"/>
+                <a:ea typeface="黑体" panose="02010609060101010101" pitchFamily="49" charset="-122"/>
+              </a:rPr>
               <a:t>版本控制系统</a:t>
             </a:r>
-            <a:endParaRPr lang="en-US" altLang="zh-CN" dirty="0" smtClean="0"/>
+            <a:endParaRPr lang="en-US" altLang="zh-CN" dirty="0" smtClean="0">
+              <a:latin typeface="黑体" panose="02010609060101010101" pitchFamily="49" charset="-122"/>
+              <a:ea typeface="黑体" panose="02010609060101010101" pitchFamily="49" charset="-122"/>
+            </a:endParaRPr>
           </a:p>
           <a:p>
             <a:pPr marL="285750" indent="-285750">
@@ -4150,14 +4182,23 @@
               <a:buChar char="-"/>
             </a:pPr>
             <a:r>
-              <a:rPr lang="zh-CN" altLang="en-US" dirty="0"/>
+              <a:rPr lang="zh-CN" altLang="en-US" dirty="0">
+                <a:latin typeface="黑体" panose="02010609060101010101" pitchFamily="49" charset="-122"/>
+                <a:ea typeface="黑体" panose="02010609060101010101" pitchFamily="49" charset="-122"/>
+              </a:rPr>
               <a:t>资源</a:t>
             </a:r>
             <a:r>
-              <a:rPr lang="zh-CN" altLang="en-US" dirty="0" smtClean="0"/>
+              <a:rPr lang="zh-CN" altLang="en-US" dirty="0" smtClean="0">
+                <a:latin typeface="黑体" panose="02010609060101010101" pitchFamily="49" charset="-122"/>
+                <a:ea typeface="黑体" panose="02010609060101010101" pitchFamily="49" charset="-122"/>
+              </a:rPr>
               <a:t>调度与活动管理系统</a:t>
             </a:r>
-            <a:endParaRPr lang="en-US" altLang="zh-CN" dirty="0" smtClean="0"/>
+            <a:endParaRPr lang="en-US" altLang="zh-CN" dirty="0" smtClean="0">
+              <a:latin typeface="黑体" panose="02010609060101010101" pitchFamily="49" charset="-122"/>
+              <a:ea typeface="黑体" panose="02010609060101010101" pitchFamily="49" charset="-122"/>
+            </a:endParaRPr>
           </a:p>
         </p:txBody>
       </p:sp>
@@ -4184,14 +4225,16 @@
           <a:lstStyle/>
           <a:p>
             <a:r>
-              <a:rPr lang="zh-CN" altLang="en-US" dirty="0" smtClean="0"/>
-              <a:t>创客系列</a:t>
-            </a:r>
-            <a:r>
-              <a:rPr lang="zh-CN" altLang="en-US" dirty="0" smtClean="0"/>
-              <a:t>活动</a:t>
-            </a:r>
-            <a:endParaRPr lang="en-US" altLang="zh-CN" dirty="0" smtClean="0"/>
+              <a:rPr lang="zh-CN" altLang="en-US" dirty="0" smtClean="0">
+                <a:latin typeface="黑体" panose="02010609060101010101" pitchFamily="49" charset="-122"/>
+                <a:ea typeface="黑体" panose="02010609060101010101" pitchFamily="49" charset="-122"/>
+              </a:rPr>
+              <a:t>创客系列活动</a:t>
+            </a:r>
+            <a:endParaRPr lang="en-US" altLang="zh-CN" dirty="0" smtClean="0">
+              <a:latin typeface="黑体" panose="02010609060101010101" pitchFamily="49" charset="-122"/>
+              <a:ea typeface="黑体" panose="02010609060101010101" pitchFamily="49" charset="-122"/>
+            </a:endParaRPr>
           </a:p>
           <a:p>
             <a:pPr marL="285750" indent="-285750">
@@ -4199,10 +4242,16 @@
               <a:buChar char="-"/>
             </a:pPr>
             <a:r>
-              <a:rPr lang="zh-CN" altLang="en-US" dirty="0" smtClean="0"/>
+              <a:rPr lang="zh-CN" altLang="en-US" dirty="0" smtClean="0">
+                <a:latin typeface="黑体" panose="02010609060101010101" pitchFamily="49" charset="-122"/>
+                <a:ea typeface="黑体" panose="02010609060101010101" pitchFamily="49" charset="-122"/>
+              </a:rPr>
               <a:t>创客培训与马拉松</a:t>
             </a:r>
-            <a:endParaRPr lang="en-US" altLang="zh-CN" dirty="0" smtClean="0"/>
+            <a:endParaRPr lang="en-US" altLang="zh-CN" dirty="0" smtClean="0">
+              <a:latin typeface="黑体" panose="02010609060101010101" pitchFamily="49" charset="-122"/>
+              <a:ea typeface="黑体" panose="02010609060101010101" pitchFamily="49" charset="-122"/>
+            </a:endParaRPr>
           </a:p>
           <a:p>
             <a:pPr marL="285750" indent="-285750">
@@ -4210,10 +4259,16 @@
               <a:buChar char="-"/>
             </a:pPr>
             <a:r>
-              <a:rPr lang="zh-CN" altLang="en-US" dirty="0" smtClean="0"/>
+              <a:rPr lang="zh-CN" altLang="en-US" dirty="0" smtClean="0">
+                <a:latin typeface="黑体" panose="02010609060101010101" pitchFamily="49" charset="-122"/>
+                <a:ea typeface="黑体" panose="02010609060101010101" pitchFamily="49" charset="-122"/>
+              </a:rPr>
               <a:t>讲座与演讲</a:t>
             </a:r>
-            <a:endParaRPr lang="en-US" altLang="zh-CN" dirty="0" smtClean="0"/>
+            <a:endParaRPr lang="en-US" altLang="zh-CN" dirty="0" smtClean="0">
+              <a:latin typeface="黑体" panose="02010609060101010101" pitchFamily="49" charset="-122"/>
+              <a:ea typeface="黑体" panose="02010609060101010101" pitchFamily="49" charset="-122"/>
+            </a:endParaRPr>
           </a:p>
           <a:p>
             <a:pPr marL="285750" indent="-285750">
@@ -4221,10 +4276,16 @@
               <a:buChar char="-"/>
             </a:pPr>
             <a:r>
-              <a:rPr lang="zh-CN" altLang="en-US" dirty="0" smtClean="0"/>
+              <a:rPr lang="zh-CN" altLang="en-US" dirty="0" smtClean="0">
+                <a:latin typeface="黑体" panose="02010609060101010101" pitchFamily="49" charset="-122"/>
+                <a:ea typeface="黑体" panose="02010609060101010101" pitchFamily="49" charset="-122"/>
+              </a:rPr>
               <a:t>主题赛事</a:t>
             </a:r>
-            <a:endParaRPr lang="en-US" altLang="zh-CN" dirty="0" smtClean="0"/>
+            <a:endParaRPr lang="en-US" altLang="zh-CN" dirty="0" smtClean="0">
+              <a:latin typeface="黑体" panose="02010609060101010101" pitchFamily="49" charset="-122"/>
+              <a:ea typeface="黑体" panose="02010609060101010101" pitchFamily="49" charset="-122"/>
+            </a:endParaRPr>
           </a:p>
         </p:txBody>
       </p:sp>
@@ -4253,7 +4314,10 @@
           <a:lstStyle/>
           <a:p>
             <a:r>
-              <a:rPr lang="zh-CN" altLang="en-US" sz="1000" dirty="0"/>
+              <a:rPr lang="zh-CN" altLang="en-US" sz="1000" dirty="0">
+                <a:latin typeface="黑体" panose="02010609060101010101" pitchFamily="49" charset="-122"/>
+                <a:ea typeface="黑体" panose="02010609060101010101" pitchFamily="49" charset="-122"/>
+              </a:rPr>
               <a:t>清华大学基础工业训练中心</a:t>
             </a:r>
           </a:p>
@@ -4282,18 +4346,23 @@
           <a:lstStyle/>
           <a:p>
             <a:r>
-              <a:rPr lang="zh-CN" altLang="en-US" dirty="0"/>
+              <a:rPr lang="zh-CN" altLang="en-US" dirty="0">
+                <a:latin typeface="黑体" panose="02010609060101010101" pitchFamily="49" charset="-122"/>
+                <a:ea typeface="黑体" panose="02010609060101010101" pitchFamily="49" charset="-122"/>
+              </a:rPr>
               <a:t>交叉</a:t>
             </a:r>
             <a:r>
-              <a:rPr lang="zh-CN" altLang="en-US" dirty="0" smtClean="0"/>
-              <a:t>融合空间</a:t>
-            </a:r>
-            <a:r>
-              <a:rPr lang="zh-CN" altLang="en-US" dirty="0" smtClean="0"/>
-              <a:t>团队</a:t>
-            </a:r>
-            <a:endParaRPr lang="en-US" altLang="zh-CN" dirty="0" smtClean="0"/>
+              <a:rPr lang="zh-CN" altLang="en-US" dirty="0" smtClean="0">
+                <a:latin typeface="黑体" panose="02010609060101010101" pitchFamily="49" charset="-122"/>
+                <a:ea typeface="黑体" panose="02010609060101010101" pitchFamily="49" charset="-122"/>
+              </a:rPr>
+              <a:t>融合空间团队</a:t>
+            </a:r>
+            <a:endParaRPr lang="en-US" altLang="zh-CN" dirty="0" smtClean="0">
+              <a:latin typeface="黑体" panose="02010609060101010101" pitchFamily="49" charset="-122"/>
+              <a:ea typeface="黑体" panose="02010609060101010101" pitchFamily="49" charset="-122"/>
+            </a:endParaRPr>
           </a:p>
           <a:p>
             <a:pPr marL="285750" indent="-285750">
@@ -4301,10 +4370,16 @@
               <a:buChar char="-"/>
             </a:pPr>
             <a:r>
-              <a:rPr lang="zh-CN" altLang="en-US" dirty="0" smtClean="0"/>
+              <a:rPr lang="zh-CN" altLang="en-US" dirty="0" smtClean="0">
+                <a:latin typeface="黑体" panose="02010609060101010101" pitchFamily="49" charset="-122"/>
+                <a:ea typeface="黑体" panose="02010609060101010101" pitchFamily="49" charset="-122"/>
+              </a:rPr>
               <a:t>驻校创客</a:t>
             </a:r>
-            <a:endParaRPr lang="en-US" altLang="zh-CN" dirty="0" smtClean="0"/>
+            <a:endParaRPr lang="en-US" altLang="zh-CN" dirty="0" smtClean="0">
+              <a:latin typeface="黑体" panose="02010609060101010101" pitchFamily="49" charset="-122"/>
+              <a:ea typeface="黑体" panose="02010609060101010101" pitchFamily="49" charset="-122"/>
+            </a:endParaRPr>
           </a:p>
           <a:p>
             <a:pPr marL="285750" indent="-285750">
@@ -4312,10 +4387,16 @@
               <a:buChar char="-"/>
             </a:pPr>
             <a:r>
-              <a:rPr lang="zh-CN" altLang="en-US" dirty="0" smtClean="0"/>
+              <a:rPr lang="zh-CN" altLang="en-US" dirty="0" smtClean="0">
+                <a:latin typeface="黑体" panose="02010609060101010101" pitchFamily="49" charset="-122"/>
+                <a:ea typeface="黑体" panose="02010609060101010101" pitchFamily="49" charset="-122"/>
+              </a:rPr>
               <a:t>跨学科课程管理人员</a:t>
             </a:r>
-            <a:endParaRPr lang="en-US" altLang="zh-CN" dirty="0" smtClean="0"/>
+            <a:endParaRPr lang="en-US" altLang="zh-CN" dirty="0" smtClean="0">
+              <a:latin typeface="黑体" panose="02010609060101010101" pitchFamily="49" charset="-122"/>
+              <a:ea typeface="黑体" panose="02010609060101010101" pitchFamily="49" charset="-122"/>
+            </a:endParaRPr>
           </a:p>
           <a:p>
             <a:pPr marL="285750" indent="-285750">
@@ -4323,13 +4404,22 @@
               <a:buChar char="-"/>
             </a:pPr>
             <a:r>
-              <a:rPr lang="zh-CN" altLang="en-US" dirty="0" smtClean="0"/>
+              <a:rPr lang="zh-CN" altLang="en-US" dirty="0" smtClean="0">
+                <a:latin typeface="黑体" panose="02010609060101010101" pitchFamily="49" charset="-122"/>
+                <a:ea typeface="黑体" panose="02010609060101010101" pitchFamily="49" charset="-122"/>
+              </a:rPr>
               <a:t>技术服务与支持人员</a:t>
             </a:r>
-            <a:endParaRPr lang="en-US" altLang="zh-CN" dirty="0" smtClean="0"/>
-          </a:p>
-          <a:p>
-            <a:endParaRPr lang="en-US" altLang="zh-CN" dirty="0" smtClean="0"/>
+            <a:endParaRPr lang="en-US" altLang="zh-CN" dirty="0" smtClean="0">
+              <a:latin typeface="黑体" panose="02010609060101010101" pitchFamily="49" charset="-122"/>
+              <a:ea typeface="黑体" panose="02010609060101010101" pitchFamily="49" charset="-122"/>
+            </a:endParaRPr>
+          </a:p>
+          <a:p>
+            <a:endParaRPr lang="en-US" altLang="zh-CN" dirty="0" smtClean="0">
+              <a:latin typeface="黑体" panose="02010609060101010101" pitchFamily="49" charset="-122"/>
+              <a:ea typeface="黑体" panose="02010609060101010101" pitchFamily="49" charset="-122"/>
+            </a:endParaRPr>
           </a:p>
         </p:txBody>
       </p:sp>
@@ -4394,10 +4484,16 @@
           <a:lstStyle/>
           <a:p>
             <a:r>
-              <a:rPr lang="zh-CN" altLang="en-US" dirty="0" smtClean="0"/>
+              <a:rPr lang="zh-CN" altLang="en-US" dirty="0" smtClean="0">
+                <a:latin typeface="黑体" panose="02010609060101010101" pitchFamily="49" charset="-122"/>
+                <a:ea typeface="黑体" panose="02010609060101010101" pitchFamily="49" charset="-122"/>
+              </a:rPr>
               <a:t>实体空间建设</a:t>
             </a:r>
-            <a:endParaRPr lang="zh-CN" altLang="en-US" dirty="0"/>
+            <a:endParaRPr lang="zh-CN" altLang="en-US" dirty="0">
+              <a:latin typeface="黑体" panose="02010609060101010101" pitchFamily="49" charset="-122"/>
+              <a:ea typeface="黑体" panose="02010609060101010101" pitchFamily="49" charset="-122"/>
+            </a:endParaRPr>
           </a:p>
         </p:txBody>
       </p:sp>
@@ -4424,14 +4520,23 @@
           <a:lstStyle/>
           <a:p>
             <a:r>
-              <a:rPr lang="zh-CN" altLang="en-US" dirty="0"/>
+              <a:rPr lang="zh-CN" altLang="en-US" dirty="0">
+                <a:latin typeface="黑体" panose="02010609060101010101" pitchFamily="49" charset="-122"/>
+                <a:ea typeface="黑体" panose="02010609060101010101" pitchFamily="49" charset="-122"/>
+              </a:rPr>
               <a:t>创</a:t>
             </a:r>
             <a:r>
-              <a:rPr lang="zh-CN" altLang="en-US" dirty="0" smtClean="0"/>
+              <a:rPr lang="zh-CN" altLang="en-US" dirty="0" smtClean="0">
+                <a:latin typeface="黑体" panose="02010609060101010101" pitchFamily="49" charset="-122"/>
+                <a:ea typeface="黑体" panose="02010609060101010101" pitchFamily="49" charset="-122"/>
+              </a:rPr>
               <a:t>客团队支持</a:t>
             </a:r>
-            <a:endParaRPr lang="en-US" altLang="zh-CN" dirty="0" smtClean="0"/>
+            <a:endParaRPr lang="en-US" altLang="zh-CN" dirty="0" smtClean="0">
+              <a:latin typeface="黑体" panose="02010609060101010101" pitchFamily="49" charset="-122"/>
+              <a:ea typeface="黑体" panose="02010609060101010101" pitchFamily="49" charset="-122"/>
+            </a:endParaRPr>
           </a:p>
         </p:txBody>
       </p:sp>
@@ -4458,10 +4563,16 @@
           <a:lstStyle/>
           <a:p>
             <a:r>
-              <a:rPr lang="zh-CN" altLang="en-US" dirty="0" smtClean="0"/>
+              <a:rPr lang="zh-CN" altLang="en-US" dirty="0" smtClean="0">
+                <a:latin typeface="黑体" panose="02010609060101010101" pitchFamily="49" charset="-122"/>
+                <a:ea typeface="黑体" panose="02010609060101010101" pitchFamily="49" charset="-122"/>
+              </a:rPr>
               <a:t>支持方案与支持者回报</a:t>
             </a:r>
-            <a:endParaRPr lang="en-US" altLang="zh-CN" dirty="0" smtClean="0"/>
+            <a:endParaRPr lang="en-US" altLang="zh-CN" dirty="0" smtClean="0">
+              <a:latin typeface="黑体" panose="02010609060101010101" pitchFamily="49" charset="-122"/>
+              <a:ea typeface="黑体" panose="02010609060101010101" pitchFamily="49" charset="-122"/>
+            </a:endParaRPr>
           </a:p>
           <a:p>
             <a:pPr marL="285750" indent="-285750">
@@ -4469,10 +4580,16 @@
               <a:buChar char="-"/>
             </a:pPr>
             <a:r>
-              <a:rPr lang="zh-CN" altLang="en-US" dirty="0" smtClean="0"/>
+              <a:rPr lang="zh-CN" altLang="en-US" dirty="0" smtClean="0">
+                <a:latin typeface="黑体" panose="02010609060101010101" pitchFamily="49" charset="-122"/>
+                <a:ea typeface="黑体" panose="02010609060101010101" pitchFamily="49" charset="-122"/>
+              </a:rPr>
               <a:t>创客观察员</a:t>
             </a:r>
-            <a:endParaRPr lang="en-US" altLang="zh-CN" dirty="0" smtClean="0"/>
+            <a:endParaRPr lang="en-US" altLang="zh-CN" dirty="0" smtClean="0">
+              <a:latin typeface="黑体" panose="02010609060101010101" pitchFamily="49" charset="-122"/>
+              <a:ea typeface="黑体" panose="02010609060101010101" pitchFamily="49" charset="-122"/>
+            </a:endParaRPr>
           </a:p>
           <a:p>
             <a:pPr marL="285750" indent="-285750">
@@ -4480,14 +4597,23 @@
               <a:buChar char="-"/>
             </a:pPr>
             <a:r>
-              <a:rPr lang="zh-CN" altLang="en-US" dirty="0"/>
+              <a:rPr lang="zh-CN" altLang="en-US" dirty="0">
+                <a:latin typeface="黑体" panose="02010609060101010101" pitchFamily="49" charset="-122"/>
+                <a:ea typeface="黑体" panose="02010609060101010101" pitchFamily="49" charset="-122"/>
+              </a:rPr>
               <a:t>创</a:t>
             </a:r>
             <a:r>
-              <a:rPr lang="zh-CN" altLang="en-US" dirty="0" smtClean="0"/>
+              <a:rPr lang="zh-CN" altLang="en-US" dirty="0" smtClean="0">
+                <a:latin typeface="黑体" panose="02010609060101010101" pitchFamily="49" charset="-122"/>
+                <a:ea typeface="黑体" panose="02010609060101010101" pitchFamily="49" charset="-122"/>
+              </a:rPr>
               <a:t>客之友</a:t>
             </a:r>
-            <a:endParaRPr lang="en-US" altLang="zh-CN" dirty="0" smtClean="0"/>
+            <a:endParaRPr lang="en-US" altLang="zh-CN" dirty="0" smtClean="0">
+              <a:latin typeface="黑体" panose="02010609060101010101" pitchFamily="49" charset="-122"/>
+              <a:ea typeface="黑体" panose="02010609060101010101" pitchFamily="49" charset="-122"/>
+            </a:endParaRPr>
           </a:p>
           <a:p>
             <a:pPr marL="285750" indent="-285750">
@@ -4495,10 +4621,16 @@
               <a:buChar char="-"/>
             </a:pPr>
             <a:r>
-              <a:rPr lang="zh-CN" altLang="en-US" dirty="0" smtClean="0"/>
+              <a:rPr lang="zh-CN" altLang="en-US" dirty="0" smtClean="0">
+                <a:latin typeface="黑体" panose="02010609060101010101" pitchFamily="49" charset="-122"/>
+                <a:ea typeface="黑体" panose="02010609060101010101" pitchFamily="49" charset="-122"/>
+              </a:rPr>
               <a:t>创作之友</a:t>
             </a:r>
-            <a:endParaRPr lang="en-US" altLang="zh-CN" dirty="0" smtClean="0"/>
+            <a:endParaRPr lang="en-US" altLang="zh-CN" dirty="0" smtClean="0">
+              <a:latin typeface="黑体" panose="02010609060101010101" pitchFamily="49" charset="-122"/>
+              <a:ea typeface="黑体" panose="02010609060101010101" pitchFamily="49" charset="-122"/>
+            </a:endParaRPr>
           </a:p>
           <a:p>
             <a:pPr marL="285750" indent="-285750">
@@ -4506,10 +4638,16 @@
               <a:buChar char="-"/>
             </a:pPr>
             <a:r>
-              <a:rPr lang="zh-CN" altLang="en-US" dirty="0" smtClean="0"/>
+              <a:rPr lang="zh-CN" altLang="en-US" dirty="0" smtClean="0">
+                <a:latin typeface="黑体" panose="02010609060101010101" pitchFamily="49" charset="-122"/>
+                <a:ea typeface="黑体" panose="02010609060101010101" pitchFamily="49" charset="-122"/>
+              </a:rPr>
               <a:t>创行之友</a:t>
             </a:r>
-            <a:endParaRPr lang="en-US" altLang="zh-CN" dirty="0" smtClean="0"/>
+            <a:endParaRPr lang="en-US" altLang="zh-CN" dirty="0" smtClean="0">
+              <a:latin typeface="黑体" panose="02010609060101010101" pitchFamily="49" charset="-122"/>
+              <a:ea typeface="黑体" panose="02010609060101010101" pitchFamily="49" charset="-122"/>
+            </a:endParaRPr>
           </a:p>
         </p:txBody>
       </p:sp>
@@ -4522,7 +4660,7 @@
         <p:spPr>
           <a:xfrm>
             <a:off x="225528" y="659839"/>
-            <a:ext cx="1335920" cy="246221"/>
+            <a:ext cx="1207680" cy="246221"/>
           </a:xfrm>
           <a:prstGeom prst="rect">
             <a:avLst/>
@@ -4538,10 +4676,23 @@
           <a:lstStyle/>
           <a:p>
             <a:r>
-              <a:rPr lang="zh-CN" altLang="en-US" sz="1000" dirty="0" smtClean="0"/>
-              <a:t>运行保障与支持方案</a:t>
-            </a:r>
-            <a:endParaRPr lang="zh-CN" altLang="en-US" sz="1000" dirty="0"/>
+              <a:rPr lang="zh-CN" altLang="en-US" sz="1000" dirty="0" smtClean="0">
+                <a:latin typeface="黑体" panose="02010609060101010101" pitchFamily="49" charset="-122"/>
+                <a:ea typeface="黑体" panose="02010609060101010101" pitchFamily="49" charset="-122"/>
+              </a:rPr>
+              <a:t>项目建设支持</a:t>
+            </a:r>
+            <a:r>
+              <a:rPr lang="zh-CN" altLang="en-US" sz="1000" dirty="0" smtClean="0">
+                <a:latin typeface="黑体" panose="02010609060101010101" pitchFamily="49" charset="-122"/>
+                <a:ea typeface="黑体" panose="02010609060101010101" pitchFamily="49" charset="-122"/>
+              </a:rPr>
+              <a:t>方案</a:t>
+            </a:r>
+            <a:endParaRPr lang="zh-CN" altLang="en-US" sz="1000" dirty="0">
+              <a:latin typeface="黑体" panose="02010609060101010101" pitchFamily="49" charset="-122"/>
+              <a:ea typeface="黑体" panose="02010609060101010101" pitchFamily="49" charset="-122"/>
+            </a:endParaRPr>
           </a:p>
         </p:txBody>
       </p:sp>
@@ -4568,10 +4719,16 @@
           <a:lstStyle/>
           <a:p>
             <a:r>
-              <a:rPr lang="zh-CN" altLang="en-US" dirty="0" smtClean="0"/>
+              <a:rPr lang="zh-CN" altLang="en-US" dirty="0" smtClean="0">
+                <a:latin typeface="黑体" panose="02010609060101010101" pitchFamily="49" charset="-122"/>
+                <a:ea typeface="黑体" panose="02010609060101010101" pitchFamily="49" charset="-122"/>
+              </a:rPr>
               <a:t>运行与管理</a:t>
             </a:r>
-            <a:endParaRPr lang="en-US" altLang="zh-CN" dirty="0" smtClean="0"/>
+            <a:endParaRPr lang="en-US" altLang="zh-CN" dirty="0" smtClean="0">
+              <a:latin typeface="黑体" panose="02010609060101010101" pitchFamily="49" charset="-122"/>
+              <a:ea typeface="黑体" panose="02010609060101010101" pitchFamily="49" charset="-122"/>
+            </a:endParaRPr>
           </a:p>
         </p:txBody>
       </p:sp>
@@ -4585,11 +4742,11 @@
   <p:clrMapOvr>
     <a:masterClrMapping/>
   </p:clrMapOvr>
-  <mc:AlternateContent xmlns:mc="http://schemas.openxmlformats.org/markup-compatibility/2006">
-    <mc:Choice xmlns:p14="http://schemas.microsoft.com/office/powerpoint/2010/main" Requires="p14">
+  <mc:AlternateContent xmlns:mc="http://schemas.openxmlformats.org/markup-compatibility/2006" xmlns:p14="http://schemas.microsoft.com/office/powerpoint/2010/main">
+    <mc:Choice Requires="p14">
       <p:transition spd="slow" p14:dur="2000"/>
     </mc:Choice>
-    <mc:Fallback>
+    <mc:Fallback xmlns="">
       <p:transition spd="slow"/>
     </mc:Fallback>
   </mc:AlternateContent>
@@ -4638,7 +4795,10 @@
           <a:lstStyle/>
           <a:p>
             <a:r>
-              <a:rPr lang="zh-CN" altLang="en-US" sz="1000" dirty="0"/>
+              <a:rPr lang="zh-CN" altLang="en-US" sz="1000" dirty="0">
+                <a:latin typeface="黑体" panose="02010609060101010101" pitchFamily="49" charset="-122"/>
+                <a:ea typeface="黑体" panose="02010609060101010101" pitchFamily="49" charset="-122"/>
+              </a:rPr>
               <a:t>清华大学基础工业训练中心</a:t>
             </a:r>
           </a:p>
@@ -4654,11 +4814,11 @@
   <p:clrMapOvr>
     <a:masterClrMapping/>
   </p:clrMapOvr>
-  <mc:AlternateContent xmlns:mc="http://schemas.openxmlformats.org/markup-compatibility/2006">
-    <mc:Choice xmlns:p14="http://schemas.microsoft.com/office/powerpoint/2010/main" Requires="p14">
+  <mc:AlternateContent xmlns:mc="http://schemas.openxmlformats.org/markup-compatibility/2006" xmlns:p14="http://schemas.microsoft.com/office/powerpoint/2010/main">
+    <mc:Choice Requires="p14">
       <p:transition spd="slow" p14:dur="2000"/>
     </mc:Choice>
-    <mc:Fallback>
+    <mc:Fallback xmlns="">
       <p:transition spd="slow"/>
     </mc:Fallback>
   </mc:AlternateContent>
@@ -4720,11 +4880,49 @@
           </a:fontRef>
         </p:style>
         <p:txBody>
-          <a:bodyPr rtlCol="0" anchor="ctr"/>
-          <a:lstStyle/>
-          <a:p>
-            <a:pPr algn="ctr"/>
-            <a:endParaRPr lang="zh-CN" altLang="en-US"/>
+          <a:bodyPr tIns="0" rIns="288000" bIns="0" rtlCol="0" anchor="ctr"/>
+          <a:lstStyle/>
+          <a:p>
+            <a:pPr algn="r">
+              <a:spcBef>
+                <a:spcPts val="1200"/>
+              </a:spcBef>
+              <a:spcAft>
+                <a:spcPts val="1200"/>
+              </a:spcAft>
+            </a:pPr>
+            <a:r>
+              <a:rPr lang="zh-CN" altLang="en-US" sz="4800" dirty="0" smtClean="0">
+                <a:latin typeface="隶书" panose="02010509060101010101" pitchFamily="49" charset="-122"/>
+                <a:ea typeface="隶书" panose="02010509060101010101" pitchFamily="49" charset="-122"/>
+              </a:rPr>
+              <a:t>自強不息</a:t>
+            </a:r>
+            <a:endParaRPr lang="en-US" altLang="zh-CN" sz="4800" dirty="0" smtClean="0">
+              <a:latin typeface="隶书" panose="02010509060101010101" pitchFamily="49" charset="-122"/>
+              <a:ea typeface="隶书" panose="02010509060101010101" pitchFamily="49" charset="-122"/>
+            </a:endParaRPr>
+          </a:p>
+          <a:p>
+            <a:pPr algn="r">
+              <a:spcBef>
+                <a:spcPts val="1200"/>
+              </a:spcBef>
+              <a:spcAft>
+                <a:spcPts val="1200"/>
+              </a:spcAft>
+            </a:pPr>
+            <a:r>
+              <a:rPr lang="zh-CN" altLang="en-US" sz="4800" dirty="0">
+                <a:latin typeface="隶书" panose="02010509060101010101" pitchFamily="49" charset="-122"/>
+                <a:ea typeface="隶书" panose="02010509060101010101" pitchFamily="49" charset="-122"/>
+              </a:rPr>
+              <a:t>厚德載物</a:t>
+            </a:r>
+            <a:endParaRPr lang="zh-CN" altLang="en-US" sz="4800" dirty="0">
+              <a:latin typeface="隶书" panose="02010509060101010101" pitchFamily="49" charset="-122"/>
+              <a:ea typeface="隶书" panose="02010509060101010101" pitchFamily="49" charset="-122"/>
+            </a:endParaRPr>
           </a:p>
         </p:txBody>
       </p:sp>
@@ -5085,8 +5283,8 @@
         </p:nvSpPr>
         <p:spPr>
           <a:xfrm>
-            <a:off x="3469341" y="1855694"/>
-            <a:ext cx="2290109" cy="4222377"/>
+            <a:off x="3095625" y="1855694"/>
+            <a:ext cx="2663826" cy="4222377"/>
           </a:xfrm>
           <a:prstGeom prst="rect">
             <a:avLst/>
@@ -5175,6 +5373,63 @@
           </a:extLst>
         </p:spPr>
       </p:pic>
+      <p:sp>
+        <p:nvSpPr>
+          <p:cNvPr id="4" name="TextBox 3"/>
+          <p:cNvSpPr txBox="1"/>
+          <p:nvPr/>
+        </p:nvSpPr>
+        <p:spPr>
+          <a:xfrm>
+            <a:off x="977827" y="5434813"/>
+            <a:ext cx="3467846" cy="230832"/>
+          </a:xfrm>
+          <a:prstGeom prst="rect">
+            <a:avLst/>
+          </a:prstGeom>
+          <a:noFill/>
+        </p:spPr>
+        <p:txBody>
+          <a:bodyPr wrap="square" rtlCol="0">
+            <a:spAutoFit/>
+          </a:bodyPr>
+          <a:lstStyle/>
+          <a:p>
+            <a:pPr algn="r"/>
+            <a:r>
+              <a:rPr lang="zh-CN" altLang="en-US" sz="900" dirty="0" smtClean="0">
+                <a:solidFill>
+                  <a:srgbClr val="7E36B4"/>
+                </a:solidFill>
+                <a:effectLst>
+                  <a:outerShdw blurRad="38100" dist="38100" dir="2700000" algn="tl">
+                    <a:srgbClr val="000000">
+                      <a:alpha val="43137"/>
+                    </a:srgbClr>
+                  </a:outerShdw>
+                </a:effectLst>
+                <a:latin typeface="黑体" panose="02010609060101010101" pitchFamily="49" charset="-122"/>
+                <a:ea typeface="黑体" panose="02010609060101010101" pitchFamily="49" charset="-122"/>
+              </a:rPr>
+              <a:t>创客交叉融合空间位于清华大学李兆基科技大楼</a:t>
+            </a:r>
+            <a:endParaRPr lang="en-US" altLang="zh-CN" sz="900" dirty="0" smtClean="0">
+              <a:solidFill>
+                <a:srgbClr val="7E36B4"/>
+              </a:solidFill>
+              <a:effectLst>
+                <a:outerShdw blurRad="38100" dist="38100" dir="2700000" algn="tl">
+                  <a:srgbClr val="000000">
+                    <a:alpha val="43137"/>
+                  </a:srgbClr>
+                </a:outerShdw>
+              </a:effectLst>
+              <a:latin typeface="黑体" panose="02010609060101010101" pitchFamily="49" charset="-122"/>
+              <a:ea typeface="黑体" panose="02010609060101010101" pitchFamily="49" charset="-122"/>
+            </a:endParaRPr>
+          </a:p>
+        </p:txBody>
+      </p:sp>
     </p:spTree>
     <p:extLst>
       <p:ext uri="{BB962C8B-B14F-4D97-AF65-F5344CB8AC3E}">
@@ -5304,6 +5559,198 @@
           </a:p>
         </p:txBody>
       </p:sp>
+      <p:sp>
+        <p:nvSpPr>
+          <p:cNvPr id="4" name="TextBox 3"/>
+          <p:cNvSpPr txBox="1"/>
+          <p:nvPr/>
+        </p:nvSpPr>
+        <p:spPr>
+          <a:xfrm>
+            <a:off x="1519517" y="4292600"/>
+            <a:ext cx="1287183" cy="461665"/>
+          </a:xfrm>
+          <a:prstGeom prst="rect">
+            <a:avLst/>
+          </a:prstGeom>
+          <a:noFill/>
+        </p:spPr>
+        <p:txBody>
+          <a:bodyPr wrap="square" rtlCol="0">
+            <a:spAutoFit/>
+          </a:bodyPr>
+          <a:lstStyle/>
+          <a:p>
+            <a:r>
+              <a:rPr lang="zh-CN" altLang="en-US" sz="2400" b="1" dirty="0" smtClean="0">
+                <a:solidFill>
+                  <a:srgbClr val="6B19A0"/>
+                </a:solidFill>
+                <a:effectLst>
+                  <a:outerShdw blurRad="38100" dist="38100" dir="2700000" algn="tl">
+                    <a:srgbClr val="000000">
+                      <a:alpha val="43137"/>
+                    </a:srgbClr>
+                  </a:outerShdw>
+                </a:effectLst>
+                <a:latin typeface="黑体" panose="02010609060101010101" pitchFamily="49" charset="-122"/>
+                <a:ea typeface="黑体" panose="02010609060101010101" pitchFamily="49" charset="-122"/>
+              </a:rPr>
+              <a:t>目 录</a:t>
+            </a:r>
+            <a:endParaRPr lang="en-US" altLang="zh-CN" sz="2400" b="1" dirty="0" smtClean="0">
+              <a:solidFill>
+                <a:srgbClr val="6B19A0"/>
+              </a:solidFill>
+              <a:effectLst>
+                <a:outerShdw blurRad="38100" dist="38100" dir="2700000" algn="tl">
+                  <a:srgbClr val="000000">
+                    <a:alpha val="43137"/>
+                  </a:srgbClr>
+                </a:outerShdw>
+              </a:effectLst>
+              <a:latin typeface="黑体" panose="02010609060101010101" pitchFamily="49" charset="-122"/>
+              <a:ea typeface="黑体" panose="02010609060101010101" pitchFamily="49" charset="-122"/>
+            </a:endParaRPr>
+          </a:p>
+        </p:txBody>
+      </p:sp>
+      <p:sp>
+        <p:nvSpPr>
+          <p:cNvPr id="5" name="TextBox 4"/>
+          <p:cNvSpPr txBox="1"/>
+          <p:nvPr/>
+        </p:nvSpPr>
+        <p:spPr>
+          <a:xfrm>
+            <a:off x="2806700" y="4368800"/>
+            <a:ext cx="2952751" cy="707886"/>
+          </a:xfrm>
+          <a:prstGeom prst="rect">
+            <a:avLst/>
+          </a:prstGeom>
+          <a:noFill/>
+        </p:spPr>
+        <p:txBody>
+          <a:bodyPr wrap="square" rtlCol="0">
+            <a:spAutoFit/>
+          </a:bodyPr>
+          <a:lstStyle/>
+          <a:p>
+            <a:r>
+              <a:rPr lang="en-US" altLang="zh-CN" sz="2000" dirty="0" smtClean="0">
+                <a:effectLst>
+                  <a:outerShdw blurRad="38100" dist="38100" dir="2700000" algn="tl">
+                    <a:srgbClr val="000000">
+                      <a:alpha val="43137"/>
+                    </a:srgbClr>
+                  </a:outerShdw>
+                </a:effectLst>
+                <a:latin typeface="+mj-lt"/>
+                <a:ea typeface="黑体" panose="02010609060101010101" pitchFamily="49" charset="-122"/>
+              </a:rPr>
+              <a:t>2  </a:t>
+            </a:r>
+            <a:r>
+              <a:rPr lang="zh-CN" altLang="en-US" sz="2000" dirty="0" smtClean="0">
+                <a:effectLst>
+                  <a:outerShdw blurRad="38100" dist="38100" dir="2700000" algn="tl">
+                    <a:srgbClr val="000000">
+                      <a:alpha val="43137"/>
+                    </a:srgbClr>
+                  </a:outerShdw>
+                </a:effectLst>
+                <a:latin typeface="+mj-lt"/>
+                <a:ea typeface="黑体" panose="02010609060101010101" pitchFamily="49" charset="-122"/>
+              </a:rPr>
+              <a:t>创</a:t>
+            </a:r>
+            <a:r>
+              <a:rPr lang="zh-CN" altLang="en-US" sz="2000" dirty="0">
+                <a:effectLst>
+                  <a:outerShdw blurRad="38100" dist="38100" dir="2700000" algn="tl">
+                    <a:srgbClr val="000000">
+                      <a:alpha val="43137"/>
+                    </a:srgbClr>
+                  </a:outerShdw>
+                </a:effectLst>
+                <a:latin typeface="+mj-lt"/>
+                <a:ea typeface="黑体" panose="02010609060101010101" pitchFamily="49" charset="-122"/>
+              </a:rPr>
+              <a:t>客交叉融合空间</a:t>
+            </a:r>
+          </a:p>
+          <a:p>
+            <a:r>
+              <a:rPr lang="en-US" altLang="zh-CN" sz="2000" dirty="0" smtClean="0">
+                <a:effectLst>
+                  <a:outerShdw blurRad="38100" dist="38100" dir="2700000" algn="tl">
+                    <a:srgbClr val="000000">
+                      <a:alpha val="43137"/>
+                    </a:srgbClr>
+                  </a:outerShdw>
+                </a:effectLst>
+                <a:latin typeface="+mj-lt"/>
+                <a:ea typeface="黑体" panose="02010609060101010101" pitchFamily="49" charset="-122"/>
+              </a:rPr>
+              <a:t>4  </a:t>
+            </a:r>
+            <a:r>
+              <a:rPr lang="zh-CN" altLang="en-US" sz="2000" dirty="0" smtClean="0">
+                <a:effectLst>
+                  <a:outerShdw blurRad="38100" dist="38100" dir="2700000" algn="tl">
+                    <a:srgbClr val="000000">
+                      <a:alpha val="43137"/>
+                    </a:srgbClr>
+                  </a:outerShdw>
+                </a:effectLst>
+                <a:latin typeface="+mj-lt"/>
+                <a:ea typeface="黑体" panose="02010609060101010101" pitchFamily="49" charset="-122"/>
+              </a:rPr>
+              <a:t>创新</a:t>
+            </a:r>
+            <a:r>
+              <a:rPr lang="zh-CN" altLang="en-US" sz="2000" dirty="0">
+                <a:effectLst>
+                  <a:outerShdw blurRad="38100" dist="38100" dir="2700000" algn="tl">
+                    <a:srgbClr val="000000">
+                      <a:alpha val="43137"/>
+                    </a:srgbClr>
+                  </a:outerShdw>
+                </a:effectLst>
+                <a:latin typeface="+mj-lt"/>
+                <a:ea typeface="黑体" panose="02010609060101010101" pitchFamily="49" charset="-122"/>
+              </a:rPr>
+              <a:t>教学</a:t>
+            </a:r>
+            <a:r>
+              <a:rPr lang="zh-CN" altLang="en-US" sz="2000" dirty="0" smtClean="0">
+                <a:effectLst>
+                  <a:outerShdw blurRad="38100" dist="38100" dir="2700000" algn="tl">
+                    <a:srgbClr val="000000">
+                      <a:alpha val="43137"/>
+                    </a:srgbClr>
+                  </a:outerShdw>
+                </a:effectLst>
+                <a:latin typeface="+mj-lt"/>
+                <a:ea typeface="黑体" panose="02010609060101010101" pitchFamily="49" charset="-122"/>
+              </a:rPr>
+              <a:t>体系</a:t>
+            </a:r>
+            <a:endParaRPr lang="zh-CN" altLang="en-US" sz="2000" dirty="0">
+              <a:effectLst>
+                <a:outerShdw blurRad="38100" dist="38100" dir="2700000" algn="tl">
+                  <a:srgbClr val="000000">
+                    <a:alpha val="43137"/>
+                  </a:srgbClr>
+                </a:outerShdw>
+              </a:effectLst>
+              <a:latin typeface="+mj-lt"/>
+              <a:ea typeface="黑体" panose="02010609060101010101" pitchFamily="49" charset="-122"/>
+            </a:endParaRPr>
+          </a:p>
+        </p:txBody>
+      </p:sp>
     </p:spTree>
     <p:extLst>
       <p:ext uri="{BB962C8B-B14F-4D97-AF65-F5344CB8AC3E}">
@@ -5342,8 +5789,8 @@
         </p:nvSpPr>
         <p:spPr>
           <a:xfrm>
-            <a:off x="215154" y="1574800"/>
-            <a:ext cx="1562846" cy="317459"/>
+            <a:off x="215154" y="1231900"/>
+            <a:ext cx="1562846" cy="338554"/>
           </a:xfrm>
           <a:prstGeom prst="rect">
             <a:avLst/>
@@ -5357,10 +5804,22 @@
           <a:lstStyle/>
           <a:p>
             <a:r>
-              <a:rPr lang="zh-CN" altLang="en-US" dirty="0" smtClean="0"/>
+              <a:rPr lang="zh-CN" altLang="en-US" sz="1600" b="1" dirty="0" smtClean="0">
+                <a:solidFill>
+                  <a:srgbClr val="6B19A0"/>
+                </a:solidFill>
+                <a:latin typeface="黑体" panose="02010609060101010101" pitchFamily="49" charset="-122"/>
+                <a:ea typeface="黑体" panose="02010609060101010101" pitchFamily="49" charset="-122"/>
+              </a:rPr>
               <a:t>战略定位</a:t>
             </a:r>
-            <a:endParaRPr lang="zh-CN" altLang="en-US" dirty="0"/>
+            <a:endParaRPr lang="zh-CN" altLang="en-US" sz="1600" b="1" dirty="0">
+              <a:solidFill>
+                <a:srgbClr val="6B19A0"/>
+              </a:solidFill>
+              <a:latin typeface="黑体" panose="02010609060101010101" pitchFamily="49" charset="-122"/>
+              <a:ea typeface="黑体" panose="02010609060101010101" pitchFamily="49" charset="-122"/>
+            </a:endParaRPr>
           </a:p>
         </p:txBody>
       </p:sp>
@@ -5387,48 +5846,22 @@
           <a:lstStyle/>
           <a:p>
             <a:r>
-              <a:rPr lang="zh-CN" altLang="en-US" dirty="0" smtClean="0"/>
+              <a:rPr lang="zh-CN" altLang="en-US" b="1" dirty="0" smtClean="0">
+                <a:solidFill>
+                  <a:srgbClr val="6B19A0"/>
+                </a:solidFill>
+                <a:latin typeface="黑体" panose="02010609060101010101" pitchFamily="49" charset="-122"/>
+                <a:ea typeface="黑体" panose="02010609060101010101" pitchFamily="49" charset="-122"/>
+              </a:rPr>
               <a:t>核心价值</a:t>
             </a:r>
-            <a:endParaRPr lang="en-US" altLang="zh-CN" dirty="0" smtClean="0"/>
-          </a:p>
-        </p:txBody>
-      </p:sp>
-      <p:sp>
-        <p:nvSpPr>
-          <p:cNvPr id="21" name="TextBox 20"/>
-          <p:cNvSpPr txBox="1"/>
-          <p:nvPr/>
-        </p:nvSpPr>
-        <p:spPr>
-          <a:xfrm>
-            <a:off x="215154" y="6731000"/>
-            <a:ext cx="3467846" cy="317459"/>
-          </a:xfrm>
-          <a:prstGeom prst="rect">
-            <a:avLst/>
-          </a:prstGeom>
-          <a:noFill/>
-        </p:spPr>
-        <p:txBody>
-          <a:bodyPr wrap="square" rtlCol="0">
-            <a:spAutoFit/>
-          </a:bodyPr>
-          <a:lstStyle/>
-          <a:p>
-            <a:r>
-              <a:rPr lang="zh-CN" altLang="en-US" dirty="0" smtClean="0"/>
-              <a:t>愿景</a:t>
-            </a:r>
-            <a:r>
-              <a:rPr lang="en-US" altLang="zh-CN" dirty="0" smtClean="0"/>
-              <a:t>——</a:t>
-            </a:r>
-            <a:r>
-              <a:rPr lang="zh-CN" altLang="en-US" dirty="0" smtClean="0"/>
-              <a:t>承载清华派创客文化</a:t>
-            </a:r>
-            <a:endParaRPr lang="en-US" altLang="zh-CN" dirty="0" smtClean="0"/>
+            <a:endParaRPr lang="en-US" altLang="zh-CN" b="1" dirty="0" smtClean="0">
+              <a:solidFill>
+                <a:srgbClr val="6B19A0"/>
+              </a:solidFill>
+              <a:latin typeface="黑体" panose="02010609060101010101" pitchFamily="49" charset="-122"/>
+              <a:ea typeface="黑体" panose="02010609060101010101" pitchFamily="49" charset="-122"/>
+            </a:endParaRPr>
           </a:p>
         </p:txBody>
       </p:sp>
@@ -5457,14 +5890,549 @@
           <a:lstStyle/>
           <a:p>
             <a:r>
+              <a:rPr lang="zh-CN" altLang="en-US" sz="1000" dirty="0">
+                <a:latin typeface="黑体" panose="02010609060101010101" pitchFamily="49" charset="-122"/>
+                <a:ea typeface="黑体" panose="02010609060101010101" pitchFamily="49" charset="-122"/>
+              </a:rPr>
+              <a:t>创</a:t>
+            </a:r>
+            <a:r>
+              <a:rPr lang="zh-CN" altLang="en-US" sz="1000" dirty="0" smtClean="0">
+                <a:latin typeface="黑体" panose="02010609060101010101" pitchFamily="49" charset="-122"/>
+                <a:ea typeface="黑体" panose="02010609060101010101" pitchFamily="49" charset="-122"/>
+              </a:rPr>
+              <a:t>客交叉融合空间</a:t>
+            </a:r>
+            <a:endParaRPr lang="zh-CN" altLang="en-US" sz="1000" dirty="0">
+              <a:latin typeface="黑体" panose="02010609060101010101" pitchFamily="49" charset="-122"/>
+              <a:ea typeface="黑体" panose="02010609060101010101" pitchFamily="49" charset="-122"/>
+            </a:endParaRPr>
+          </a:p>
+        </p:txBody>
+      </p:sp>
+      <p:sp>
+        <p:nvSpPr>
+          <p:cNvPr id="6" name="TextBox 5"/>
+          <p:cNvSpPr txBox="1"/>
+          <p:nvPr/>
+        </p:nvSpPr>
+        <p:spPr>
+          <a:xfrm>
+            <a:off x="215154" y="1593742"/>
+            <a:ext cx="3467846" cy="1938992"/>
+          </a:xfrm>
+          <a:prstGeom prst="rect">
+            <a:avLst/>
+          </a:prstGeom>
+          <a:noFill/>
+        </p:spPr>
+        <p:txBody>
+          <a:bodyPr wrap="square" rtlCol="0">
+            <a:spAutoFit/>
+          </a:bodyPr>
+          <a:lstStyle/>
+          <a:p>
+            <a:pPr>
+              <a:lnSpc>
+                <a:spcPct val="120000"/>
+              </a:lnSpc>
+            </a:pPr>
+            <a:r>
+              <a:rPr lang="en-US" altLang="zh-CN" sz="1000" dirty="0" smtClean="0">
+                <a:latin typeface="黑体" panose="02010609060101010101" pitchFamily="49" charset="-122"/>
+                <a:ea typeface="黑体" panose="02010609060101010101" pitchFamily="49" charset="-122"/>
+              </a:rPr>
+              <a:t>20</a:t>
+            </a:r>
+            <a:r>
+              <a:rPr lang="zh-CN" altLang="zh-CN" sz="1000" dirty="0">
+                <a:latin typeface="黑体" panose="02010609060101010101" pitchFamily="49" charset="-122"/>
+                <a:ea typeface="黑体" panose="02010609060101010101" pitchFamily="49" charset="-122"/>
+              </a:rPr>
+              <a:t>世纪</a:t>
+            </a:r>
+            <a:r>
+              <a:rPr lang="en-US" altLang="zh-CN" sz="1000" dirty="0">
+                <a:latin typeface="黑体" panose="02010609060101010101" pitchFamily="49" charset="-122"/>
+                <a:ea typeface="黑体" panose="02010609060101010101" pitchFamily="49" charset="-122"/>
+              </a:rPr>
+              <a:t>90</a:t>
+            </a:r>
+            <a:r>
+              <a:rPr lang="zh-CN" altLang="zh-CN" sz="1000" dirty="0">
+                <a:latin typeface="黑体" panose="02010609060101010101" pitchFamily="49" charset="-122"/>
+                <a:ea typeface="黑体" panose="02010609060101010101" pitchFamily="49" charset="-122"/>
+              </a:rPr>
+              <a:t>年代以来，世界各国的高等教育都非常重视创新人才的培养，</a:t>
+            </a:r>
+            <a:r>
+              <a:rPr lang="zh-CN" altLang="zh-CN" sz="1000" dirty="0" smtClean="0">
+                <a:latin typeface="黑体" panose="02010609060101010101" pitchFamily="49" charset="-122"/>
+                <a:ea typeface="黑体" panose="02010609060101010101" pitchFamily="49" charset="-122"/>
+              </a:rPr>
+              <a:t>美</a:t>
+            </a:r>
+            <a:r>
+              <a:rPr lang="zh-CN" altLang="en-US" sz="1000" dirty="0" smtClean="0">
+                <a:latin typeface="黑体" panose="02010609060101010101" pitchFamily="49" charset="-122"/>
+                <a:ea typeface="黑体" panose="02010609060101010101" pitchFamily="49" charset="-122"/>
+              </a:rPr>
+              <a:t>、</a:t>
+            </a:r>
+            <a:r>
+              <a:rPr lang="zh-CN" altLang="zh-CN" sz="1000" dirty="0" smtClean="0">
+                <a:latin typeface="黑体" panose="02010609060101010101" pitchFamily="49" charset="-122"/>
+                <a:ea typeface="黑体" panose="02010609060101010101" pitchFamily="49" charset="-122"/>
+              </a:rPr>
+              <a:t>英、德、日等国</a:t>
+            </a:r>
+            <a:r>
+              <a:rPr lang="zh-CN" altLang="en-US" sz="1000" dirty="0" smtClean="0">
+                <a:latin typeface="黑体" panose="02010609060101010101" pitchFamily="49" charset="-122"/>
+                <a:ea typeface="黑体" panose="02010609060101010101" pitchFamily="49" charset="-122"/>
+              </a:rPr>
+              <a:t>都</a:t>
+            </a:r>
+            <a:r>
+              <a:rPr lang="zh-CN" altLang="zh-CN" sz="1000" dirty="0" smtClean="0">
+                <a:latin typeface="黑体" panose="02010609060101010101" pitchFamily="49" charset="-122"/>
+                <a:ea typeface="黑体" panose="02010609060101010101" pitchFamily="49" charset="-122"/>
+              </a:rPr>
+              <a:t>在</a:t>
+            </a:r>
+            <a:r>
+              <a:rPr lang="zh-CN" altLang="zh-CN" sz="1000" dirty="0">
+                <a:latin typeface="黑体" panose="02010609060101010101" pitchFamily="49" charset="-122"/>
+                <a:ea typeface="黑体" panose="02010609060101010101" pitchFamily="49" charset="-122"/>
+              </a:rPr>
+              <a:t>相互效仿</a:t>
+            </a:r>
+            <a:r>
+              <a:rPr lang="zh-CN" altLang="zh-CN" sz="1000" dirty="0" smtClean="0">
+                <a:latin typeface="黑体" panose="02010609060101010101" pitchFamily="49" charset="-122"/>
+                <a:ea typeface="黑体" panose="02010609060101010101" pitchFamily="49" charset="-122"/>
+              </a:rPr>
+              <a:t>中形成</a:t>
+            </a:r>
+            <a:r>
+              <a:rPr lang="zh-CN" altLang="zh-CN" sz="1000" dirty="0">
+                <a:latin typeface="黑体" panose="02010609060101010101" pitchFamily="49" charset="-122"/>
+                <a:ea typeface="黑体" panose="02010609060101010101" pitchFamily="49" charset="-122"/>
+              </a:rPr>
+              <a:t>了各自的特色</a:t>
+            </a:r>
+            <a:r>
+              <a:rPr lang="zh-CN" altLang="zh-CN" sz="1000" dirty="0" smtClean="0">
+                <a:latin typeface="黑体" panose="02010609060101010101" pitchFamily="49" charset="-122"/>
+                <a:ea typeface="黑体" panose="02010609060101010101" pitchFamily="49" charset="-122"/>
+              </a:rPr>
+              <a:t>。</a:t>
+            </a:r>
+            <a:r>
+              <a:rPr lang="zh-CN" altLang="zh-CN" sz="1000" dirty="0">
+                <a:latin typeface="黑体" panose="02010609060101010101" pitchFamily="49" charset="-122"/>
+                <a:ea typeface="黑体" panose="02010609060101010101" pitchFamily="49" charset="-122"/>
+              </a:rPr>
+              <a:t>我国十七大</a:t>
+            </a:r>
+            <a:r>
+              <a:rPr lang="zh-CN" altLang="zh-CN" sz="1000" dirty="0" smtClean="0">
+                <a:latin typeface="黑体" panose="02010609060101010101" pitchFamily="49" charset="-122"/>
+                <a:ea typeface="黑体" panose="02010609060101010101" pitchFamily="49" charset="-122"/>
+              </a:rPr>
+              <a:t>提出</a:t>
+            </a:r>
+            <a:r>
+              <a:rPr lang="zh-CN" altLang="en-US" sz="1000" dirty="0" smtClean="0">
+                <a:latin typeface="黑体" panose="02010609060101010101" pitchFamily="49" charset="-122"/>
+                <a:ea typeface="黑体" panose="02010609060101010101" pitchFamily="49" charset="-122"/>
+              </a:rPr>
+              <a:t>了</a:t>
+            </a:r>
+            <a:r>
+              <a:rPr lang="zh-CN" altLang="zh-CN" sz="1000" dirty="0" smtClean="0">
+                <a:latin typeface="黑体" panose="02010609060101010101" pitchFamily="49" charset="-122"/>
+                <a:ea typeface="黑体" panose="02010609060101010101" pitchFamily="49" charset="-122"/>
+              </a:rPr>
+              <a:t>“</a:t>
+            </a:r>
+            <a:r>
+              <a:rPr lang="zh-CN" altLang="zh-CN" sz="1000" dirty="0">
+                <a:latin typeface="黑体" panose="02010609060101010101" pitchFamily="49" charset="-122"/>
+                <a:ea typeface="黑体" panose="02010609060101010101" pitchFamily="49" charset="-122"/>
+              </a:rPr>
+              <a:t>提高自主创新能力，建设创新型国家</a:t>
+            </a:r>
+            <a:r>
+              <a:rPr lang="zh-CN" altLang="zh-CN" sz="1000" dirty="0" smtClean="0">
+                <a:latin typeface="黑体" panose="02010609060101010101" pitchFamily="49" charset="-122"/>
+                <a:ea typeface="黑体" panose="02010609060101010101" pitchFamily="49" charset="-122"/>
+              </a:rPr>
+              <a:t>”和</a:t>
+            </a:r>
+            <a:r>
+              <a:rPr lang="zh-CN" altLang="zh-CN" sz="1000" dirty="0">
+                <a:latin typeface="黑体" panose="02010609060101010101" pitchFamily="49" charset="-122"/>
+                <a:ea typeface="黑体" panose="02010609060101010101" pitchFamily="49" charset="-122"/>
+              </a:rPr>
+              <a:t>“促进以创业带动就业”的发展战略。</a:t>
+            </a:r>
+            <a:r>
+              <a:rPr lang="zh-CN" altLang="zh-CN" sz="1000" dirty="0" smtClean="0">
+                <a:latin typeface="黑体" panose="02010609060101010101" pitchFamily="49" charset="-122"/>
+                <a:ea typeface="黑体" panose="02010609060101010101" pitchFamily="49" charset="-122"/>
+              </a:rPr>
+              <a:t>教育部</a:t>
+            </a:r>
+            <a:r>
+              <a:rPr lang="zh-CN" altLang="en-US" sz="1000" dirty="0">
+                <a:latin typeface="黑体" panose="02010609060101010101" pitchFamily="49" charset="-122"/>
+                <a:ea typeface="黑体" panose="02010609060101010101" pitchFamily="49" charset="-122"/>
+              </a:rPr>
+              <a:t>也</a:t>
+            </a:r>
+            <a:r>
+              <a:rPr lang="zh-CN" altLang="en-US" sz="1000" dirty="0" smtClean="0">
+                <a:latin typeface="黑体" panose="02010609060101010101" pitchFamily="49" charset="-122"/>
+                <a:ea typeface="黑体" panose="02010609060101010101" pitchFamily="49" charset="-122"/>
+              </a:rPr>
+              <a:t>相应</a:t>
+            </a:r>
+            <a:r>
+              <a:rPr lang="zh-CN" altLang="zh-CN" sz="1000" dirty="0" smtClean="0">
+                <a:latin typeface="黑体" panose="02010609060101010101" pitchFamily="49" charset="-122"/>
+                <a:ea typeface="黑体" panose="02010609060101010101" pitchFamily="49" charset="-122"/>
+              </a:rPr>
+              <a:t>大力</a:t>
+            </a:r>
+            <a:r>
+              <a:rPr lang="zh-CN" altLang="zh-CN" sz="1000" dirty="0">
+                <a:latin typeface="黑体" panose="02010609060101010101" pitchFamily="49" charset="-122"/>
+                <a:ea typeface="黑体" panose="02010609060101010101" pitchFamily="49" charset="-122"/>
+              </a:rPr>
+              <a:t>推进高等学校创新创业教育和大学生自主创业</a:t>
+            </a:r>
+            <a:r>
+              <a:rPr lang="zh-CN" altLang="zh-CN" sz="1000" dirty="0" smtClean="0">
+                <a:latin typeface="黑体" panose="02010609060101010101" pitchFamily="49" charset="-122"/>
+                <a:ea typeface="黑体" panose="02010609060101010101" pitchFamily="49" charset="-122"/>
+              </a:rPr>
+              <a:t>工作</a:t>
+            </a:r>
+            <a:r>
+              <a:rPr lang="zh-CN" altLang="en-US" sz="1000" dirty="0" smtClean="0">
+                <a:latin typeface="黑体" panose="02010609060101010101" pitchFamily="49" charset="-122"/>
+                <a:ea typeface="黑体" panose="02010609060101010101" pitchFamily="49" charset="-122"/>
+              </a:rPr>
+              <a:t>的开展。结合清华大学关于</a:t>
+            </a:r>
+            <a:r>
+              <a:rPr lang="zh-CN" altLang="zh-CN" sz="1000" dirty="0" smtClean="0"/>
+              <a:t>提高</a:t>
+            </a:r>
+            <a:r>
+              <a:rPr lang="zh-CN" altLang="zh-CN" sz="1000" dirty="0"/>
+              <a:t>实践能力、创新能力和综合</a:t>
+            </a:r>
+            <a:r>
+              <a:rPr lang="zh-CN" altLang="zh-CN" sz="1000" dirty="0" smtClean="0"/>
+              <a:t>素质</a:t>
+            </a:r>
+            <a:r>
+              <a:rPr lang="zh-CN" altLang="en-US" sz="1000" dirty="0" smtClean="0"/>
+              <a:t>的学生培养要求，基础工业训练中心作为面向全校各个院系</a:t>
+            </a:r>
+            <a:r>
               <a:rPr lang="zh-CN" altLang="en-US" sz="1000" dirty="0"/>
-              <a:t>创</a:t>
+              <a:t>理工文法</a:t>
             </a:r>
             <a:r>
               <a:rPr lang="zh-CN" altLang="en-US" sz="1000" dirty="0" smtClean="0"/>
-              <a:t>客交叉融合空间</a:t>
-            </a:r>
-            <a:endParaRPr lang="zh-CN" altLang="en-US" sz="1000" dirty="0"/>
+              <a:t>商等专业的实践教学基地，将联合工业工程系、美术学院、校团委、科协等单位，</a:t>
+            </a:r>
+            <a:r>
+              <a:rPr lang="zh-CN" altLang="zh-CN" sz="1000" dirty="0" smtClean="0"/>
+              <a:t>汇聚</a:t>
+            </a:r>
+            <a:r>
+              <a:rPr lang="zh-CN" altLang="zh-CN" sz="1000" dirty="0"/>
+              <a:t>现有资源建设创客交叉融合空间</a:t>
+            </a:r>
+            <a:r>
+              <a:rPr lang="zh-CN" altLang="zh-CN" sz="1000" dirty="0" smtClean="0"/>
+              <a:t>项目</a:t>
+            </a:r>
+            <a:r>
+              <a:rPr lang="zh-CN" altLang="en-US" sz="1000" dirty="0" smtClean="0"/>
+              <a:t>。</a:t>
+            </a:r>
+            <a:endParaRPr lang="en-US" altLang="zh-CN" sz="1000" dirty="0" smtClean="0">
+              <a:latin typeface="黑体" panose="02010609060101010101" pitchFamily="49" charset="-122"/>
+              <a:ea typeface="黑体" panose="02010609060101010101" pitchFamily="49" charset="-122"/>
+            </a:endParaRPr>
+          </a:p>
+        </p:txBody>
+      </p:sp>
+      <p:sp>
+        <p:nvSpPr>
+          <p:cNvPr id="7" name="TextBox 6"/>
+          <p:cNvSpPr txBox="1"/>
+          <p:nvPr/>
+        </p:nvSpPr>
+        <p:spPr>
+          <a:xfrm>
+            <a:off x="215154" y="4161254"/>
+            <a:ext cx="3467846" cy="1938992"/>
+          </a:xfrm>
+          <a:prstGeom prst="rect">
+            <a:avLst/>
+          </a:prstGeom>
+          <a:noFill/>
+        </p:spPr>
+        <p:txBody>
+          <a:bodyPr wrap="square" rtlCol="0">
+            <a:spAutoFit/>
+          </a:bodyPr>
+          <a:lstStyle/>
+          <a:p>
+            <a:pPr>
+              <a:lnSpc>
+                <a:spcPct val="120000"/>
+              </a:lnSpc>
+            </a:pPr>
+            <a:r>
+              <a:rPr lang="en-US" altLang="zh-CN" sz="1000" dirty="0" smtClean="0">
+                <a:latin typeface="黑体" panose="02010609060101010101" pitchFamily="49" charset="-122"/>
+                <a:ea typeface="黑体" panose="02010609060101010101" pitchFamily="49" charset="-122"/>
+              </a:rPr>
+              <a:t>20</a:t>
+            </a:r>
+            <a:r>
+              <a:rPr lang="zh-CN" altLang="zh-CN" sz="1000" dirty="0">
+                <a:latin typeface="黑体" panose="02010609060101010101" pitchFamily="49" charset="-122"/>
+                <a:ea typeface="黑体" panose="02010609060101010101" pitchFamily="49" charset="-122"/>
+              </a:rPr>
+              <a:t>世纪</a:t>
+            </a:r>
+            <a:r>
+              <a:rPr lang="en-US" altLang="zh-CN" sz="1000" dirty="0">
+                <a:latin typeface="黑体" panose="02010609060101010101" pitchFamily="49" charset="-122"/>
+                <a:ea typeface="黑体" panose="02010609060101010101" pitchFamily="49" charset="-122"/>
+              </a:rPr>
+              <a:t>90</a:t>
+            </a:r>
+            <a:r>
+              <a:rPr lang="zh-CN" altLang="zh-CN" sz="1000" dirty="0">
+                <a:latin typeface="黑体" panose="02010609060101010101" pitchFamily="49" charset="-122"/>
+                <a:ea typeface="黑体" panose="02010609060101010101" pitchFamily="49" charset="-122"/>
+              </a:rPr>
+              <a:t>年代以来，世界各国的高等教育都非常重视创新人才的培养，</a:t>
+            </a:r>
+            <a:r>
+              <a:rPr lang="zh-CN" altLang="zh-CN" sz="1000" dirty="0" smtClean="0">
+                <a:latin typeface="黑体" panose="02010609060101010101" pitchFamily="49" charset="-122"/>
+                <a:ea typeface="黑体" panose="02010609060101010101" pitchFamily="49" charset="-122"/>
+              </a:rPr>
+              <a:t>美</a:t>
+            </a:r>
+            <a:r>
+              <a:rPr lang="zh-CN" altLang="en-US" sz="1000" dirty="0" smtClean="0">
+                <a:latin typeface="黑体" panose="02010609060101010101" pitchFamily="49" charset="-122"/>
+                <a:ea typeface="黑体" panose="02010609060101010101" pitchFamily="49" charset="-122"/>
+              </a:rPr>
+              <a:t>、</a:t>
+            </a:r>
+            <a:r>
+              <a:rPr lang="zh-CN" altLang="zh-CN" sz="1000" dirty="0" smtClean="0">
+                <a:latin typeface="黑体" panose="02010609060101010101" pitchFamily="49" charset="-122"/>
+                <a:ea typeface="黑体" panose="02010609060101010101" pitchFamily="49" charset="-122"/>
+              </a:rPr>
+              <a:t>英、德、日等国</a:t>
+            </a:r>
+            <a:r>
+              <a:rPr lang="zh-CN" altLang="en-US" sz="1000" dirty="0" smtClean="0">
+                <a:latin typeface="黑体" panose="02010609060101010101" pitchFamily="49" charset="-122"/>
+                <a:ea typeface="黑体" panose="02010609060101010101" pitchFamily="49" charset="-122"/>
+              </a:rPr>
+              <a:t>都</a:t>
+            </a:r>
+            <a:r>
+              <a:rPr lang="zh-CN" altLang="zh-CN" sz="1000" dirty="0" smtClean="0">
+                <a:latin typeface="黑体" panose="02010609060101010101" pitchFamily="49" charset="-122"/>
+                <a:ea typeface="黑体" panose="02010609060101010101" pitchFamily="49" charset="-122"/>
+              </a:rPr>
+              <a:t>在</a:t>
+            </a:r>
+            <a:r>
+              <a:rPr lang="zh-CN" altLang="zh-CN" sz="1000" dirty="0">
+                <a:latin typeface="黑体" panose="02010609060101010101" pitchFamily="49" charset="-122"/>
+                <a:ea typeface="黑体" panose="02010609060101010101" pitchFamily="49" charset="-122"/>
+              </a:rPr>
+              <a:t>相互效仿</a:t>
+            </a:r>
+            <a:r>
+              <a:rPr lang="zh-CN" altLang="zh-CN" sz="1000" dirty="0" smtClean="0">
+                <a:latin typeface="黑体" panose="02010609060101010101" pitchFamily="49" charset="-122"/>
+                <a:ea typeface="黑体" panose="02010609060101010101" pitchFamily="49" charset="-122"/>
+              </a:rPr>
+              <a:t>中形成</a:t>
+            </a:r>
+            <a:r>
+              <a:rPr lang="zh-CN" altLang="zh-CN" sz="1000" dirty="0">
+                <a:latin typeface="黑体" panose="02010609060101010101" pitchFamily="49" charset="-122"/>
+                <a:ea typeface="黑体" panose="02010609060101010101" pitchFamily="49" charset="-122"/>
+              </a:rPr>
+              <a:t>了各自的特色</a:t>
+            </a:r>
+            <a:r>
+              <a:rPr lang="zh-CN" altLang="zh-CN" sz="1000" dirty="0" smtClean="0">
+                <a:latin typeface="黑体" panose="02010609060101010101" pitchFamily="49" charset="-122"/>
+                <a:ea typeface="黑体" panose="02010609060101010101" pitchFamily="49" charset="-122"/>
+              </a:rPr>
+              <a:t>。</a:t>
+            </a:r>
+            <a:r>
+              <a:rPr lang="zh-CN" altLang="zh-CN" sz="1000" dirty="0">
+                <a:latin typeface="黑体" panose="02010609060101010101" pitchFamily="49" charset="-122"/>
+                <a:ea typeface="黑体" panose="02010609060101010101" pitchFamily="49" charset="-122"/>
+              </a:rPr>
+              <a:t>我国十七大</a:t>
+            </a:r>
+            <a:r>
+              <a:rPr lang="zh-CN" altLang="zh-CN" sz="1000" dirty="0" smtClean="0">
+                <a:latin typeface="黑体" panose="02010609060101010101" pitchFamily="49" charset="-122"/>
+                <a:ea typeface="黑体" panose="02010609060101010101" pitchFamily="49" charset="-122"/>
+              </a:rPr>
+              <a:t>提出</a:t>
+            </a:r>
+            <a:r>
+              <a:rPr lang="zh-CN" altLang="en-US" sz="1000" dirty="0" smtClean="0">
+                <a:latin typeface="黑体" panose="02010609060101010101" pitchFamily="49" charset="-122"/>
+                <a:ea typeface="黑体" panose="02010609060101010101" pitchFamily="49" charset="-122"/>
+              </a:rPr>
+              <a:t>了</a:t>
+            </a:r>
+            <a:r>
+              <a:rPr lang="zh-CN" altLang="zh-CN" sz="1000" dirty="0" smtClean="0">
+                <a:latin typeface="黑体" panose="02010609060101010101" pitchFamily="49" charset="-122"/>
+                <a:ea typeface="黑体" panose="02010609060101010101" pitchFamily="49" charset="-122"/>
+              </a:rPr>
+              <a:t>“</a:t>
+            </a:r>
+            <a:r>
+              <a:rPr lang="zh-CN" altLang="zh-CN" sz="1000" dirty="0">
+                <a:latin typeface="黑体" panose="02010609060101010101" pitchFamily="49" charset="-122"/>
+                <a:ea typeface="黑体" panose="02010609060101010101" pitchFamily="49" charset="-122"/>
+              </a:rPr>
+              <a:t>提高自主创新能力，建设创新型国家</a:t>
+            </a:r>
+            <a:r>
+              <a:rPr lang="zh-CN" altLang="zh-CN" sz="1000" dirty="0" smtClean="0">
+                <a:latin typeface="黑体" panose="02010609060101010101" pitchFamily="49" charset="-122"/>
+                <a:ea typeface="黑体" panose="02010609060101010101" pitchFamily="49" charset="-122"/>
+              </a:rPr>
+              <a:t>”和</a:t>
+            </a:r>
+            <a:r>
+              <a:rPr lang="zh-CN" altLang="zh-CN" sz="1000" dirty="0">
+                <a:latin typeface="黑体" panose="02010609060101010101" pitchFamily="49" charset="-122"/>
+                <a:ea typeface="黑体" panose="02010609060101010101" pitchFamily="49" charset="-122"/>
+              </a:rPr>
+              <a:t>“促进以创业带动就业”的发展战略。</a:t>
+            </a:r>
+            <a:r>
+              <a:rPr lang="zh-CN" altLang="zh-CN" sz="1000" dirty="0" smtClean="0">
+                <a:latin typeface="黑体" panose="02010609060101010101" pitchFamily="49" charset="-122"/>
+                <a:ea typeface="黑体" panose="02010609060101010101" pitchFamily="49" charset="-122"/>
+              </a:rPr>
+              <a:t>教育部</a:t>
+            </a:r>
+            <a:r>
+              <a:rPr lang="zh-CN" altLang="en-US" sz="1000" dirty="0">
+                <a:latin typeface="黑体" panose="02010609060101010101" pitchFamily="49" charset="-122"/>
+                <a:ea typeface="黑体" panose="02010609060101010101" pitchFamily="49" charset="-122"/>
+              </a:rPr>
+              <a:t>也</a:t>
+            </a:r>
+            <a:r>
+              <a:rPr lang="zh-CN" altLang="en-US" sz="1000" dirty="0" smtClean="0">
+                <a:latin typeface="黑体" panose="02010609060101010101" pitchFamily="49" charset="-122"/>
+                <a:ea typeface="黑体" panose="02010609060101010101" pitchFamily="49" charset="-122"/>
+              </a:rPr>
+              <a:t>相应</a:t>
+            </a:r>
+            <a:r>
+              <a:rPr lang="zh-CN" altLang="zh-CN" sz="1000" dirty="0" smtClean="0">
+                <a:latin typeface="黑体" panose="02010609060101010101" pitchFamily="49" charset="-122"/>
+                <a:ea typeface="黑体" panose="02010609060101010101" pitchFamily="49" charset="-122"/>
+              </a:rPr>
+              <a:t>大力</a:t>
+            </a:r>
+            <a:r>
+              <a:rPr lang="zh-CN" altLang="zh-CN" sz="1000" dirty="0">
+                <a:latin typeface="黑体" panose="02010609060101010101" pitchFamily="49" charset="-122"/>
+                <a:ea typeface="黑体" panose="02010609060101010101" pitchFamily="49" charset="-122"/>
+              </a:rPr>
+              <a:t>推进高等学校创新创业教育和大学生自主创业</a:t>
+            </a:r>
+            <a:r>
+              <a:rPr lang="zh-CN" altLang="zh-CN" sz="1000" dirty="0" smtClean="0">
+                <a:latin typeface="黑体" panose="02010609060101010101" pitchFamily="49" charset="-122"/>
+                <a:ea typeface="黑体" panose="02010609060101010101" pitchFamily="49" charset="-122"/>
+              </a:rPr>
+              <a:t>工作</a:t>
+            </a:r>
+            <a:r>
+              <a:rPr lang="zh-CN" altLang="en-US" sz="1000" dirty="0" smtClean="0">
+                <a:latin typeface="黑体" panose="02010609060101010101" pitchFamily="49" charset="-122"/>
+                <a:ea typeface="黑体" panose="02010609060101010101" pitchFamily="49" charset="-122"/>
+              </a:rPr>
+              <a:t>的开展。结合清华大学关于</a:t>
+            </a:r>
+            <a:r>
+              <a:rPr lang="zh-CN" altLang="zh-CN" sz="1000" dirty="0" smtClean="0"/>
+              <a:t>提高</a:t>
+            </a:r>
+            <a:r>
+              <a:rPr lang="zh-CN" altLang="zh-CN" sz="1000" dirty="0"/>
+              <a:t>实践能力、创新能力和综合</a:t>
+            </a:r>
+            <a:r>
+              <a:rPr lang="zh-CN" altLang="zh-CN" sz="1000" dirty="0" smtClean="0"/>
+              <a:t>素质</a:t>
+            </a:r>
+            <a:r>
+              <a:rPr lang="zh-CN" altLang="en-US" sz="1000" dirty="0" smtClean="0"/>
+              <a:t>的学生培养要求，基础工业训练中心作为面向全校各个院系</a:t>
+            </a:r>
+            <a:r>
+              <a:rPr lang="zh-CN" altLang="en-US" sz="1000" dirty="0"/>
+              <a:t>理工文法</a:t>
+            </a:r>
+            <a:r>
+              <a:rPr lang="zh-CN" altLang="en-US" sz="1000" dirty="0" smtClean="0"/>
+              <a:t>商等专业的实践教学基地，将联合工业工程系、美术学院、校团委、科协等单位，</a:t>
+            </a:r>
+            <a:r>
+              <a:rPr lang="zh-CN" altLang="zh-CN" sz="1000" dirty="0" smtClean="0"/>
+              <a:t>汇聚</a:t>
+            </a:r>
+            <a:r>
+              <a:rPr lang="zh-CN" altLang="zh-CN" sz="1000" dirty="0"/>
+              <a:t>现有资源建设创客交叉融合空间</a:t>
+            </a:r>
+            <a:r>
+              <a:rPr lang="zh-CN" altLang="zh-CN" sz="1000" dirty="0" smtClean="0"/>
+              <a:t>项目</a:t>
+            </a:r>
+            <a:r>
+              <a:rPr lang="zh-CN" altLang="en-US" sz="1000" dirty="0" smtClean="0"/>
+              <a:t>。</a:t>
+            </a:r>
+            <a:endParaRPr lang="en-US" altLang="zh-CN" sz="1000" dirty="0" smtClean="0">
+              <a:latin typeface="黑体" panose="02010609060101010101" pitchFamily="49" charset="-122"/>
+              <a:ea typeface="黑体" panose="02010609060101010101" pitchFamily="49" charset="-122"/>
+            </a:endParaRPr>
           </a:p>
         </p:txBody>
       </p:sp>
@@ -5531,9 +6499,171 @@
           <a:lstStyle/>
           <a:p>
             <a:r>
-              <a:rPr lang="zh-CN" altLang="en-US" sz="1000" dirty="0"/>
+              <a:rPr lang="zh-CN" altLang="en-US" sz="1000" dirty="0">
+                <a:latin typeface="黑体" panose="02010609060101010101" pitchFamily="49" charset="-122"/>
+                <a:ea typeface="黑体" panose="02010609060101010101" pitchFamily="49" charset="-122"/>
+              </a:rPr>
               <a:t>清华大学基础工业训练中心</a:t>
             </a:r>
+          </a:p>
+        </p:txBody>
+      </p:sp>
+      <p:sp>
+        <p:nvSpPr>
+          <p:cNvPr id="3" name="TextBox 2"/>
+          <p:cNvSpPr txBox="1"/>
+          <p:nvPr/>
+        </p:nvSpPr>
+        <p:spPr>
+          <a:xfrm>
+            <a:off x="215154" y="5026025"/>
+            <a:ext cx="3467846" cy="317459"/>
+          </a:xfrm>
+          <a:prstGeom prst="rect">
+            <a:avLst/>
+          </a:prstGeom>
+          <a:noFill/>
+        </p:spPr>
+        <p:txBody>
+          <a:bodyPr wrap="square" rtlCol="0">
+            <a:spAutoFit/>
+          </a:bodyPr>
+          <a:lstStyle/>
+          <a:p>
+            <a:r>
+              <a:rPr lang="zh-CN" altLang="en-US" b="1" dirty="0" smtClean="0">
+                <a:solidFill>
+                  <a:srgbClr val="6B19A0"/>
+                </a:solidFill>
+                <a:latin typeface="黑体" panose="02010609060101010101" pitchFamily="49" charset="-122"/>
+                <a:ea typeface="黑体" panose="02010609060101010101" pitchFamily="49" charset="-122"/>
+              </a:rPr>
+              <a:t>愿景</a:t>
+            </a:r>
+            <a:r>
+              <a:rPr lang="en-US" altLang="zh-CN" b="1" dirty="0" smtClean="0">
+                <a:solidFill>
+                  <a:srgbClr val="6B19A0"/>
+                </a:solidFill>
+                <a:latin typeface="黑体" panose="02010609060101010101" pitchFamily="49" charset="-122"/>
+                <a:ea typeface="黑体" panose="02010609060101010101" pitchFamily="49" charset="-122"/>
+              </a:rPr>
+              <a:t>——</a:t>
+            </a:r>
+            <a:r>
+              <a:rPr lang="zh-CN" altLang="en-US" b="1" dirty="0" smtClean="0">
+                <a:solidFill>
+                  <a:srgbClr val="6B19A0"/>
+                </a:solidFill>
+                <a:latin typeface="黑体" panose="02010609060101010101" pitchFamily="49" charset="-122"/>
+                <a:ea typeface="黑体" panose="02010609060101010101" pitchFamily="49" charset="-122"/>
+              </a:rPr>
+              <a:t>承载清华派创客文化</a:t>
+            </a:r>
+            <a:endParaRPr lang="en-US" altLang="zh-CN" b="1" dirty="0" smtClean="0">
+              <a:solidFill>
+                <a:srgbClr val="6B19A0"/>
+              </a:solidFill>
+              <a:latin typeface="黑体" panose="02010609060101010101" pitchFamily="49" charset="-122"/>
+              <a:ea typeface="黑体" panose="02010609060101010101" pitchFamily="49" charset="-122"/>
+            </a:endParaRPr>
+          </a:p>
+        </p:txBody>
+      </p:sp>
+      <p:sp>
+        <p:nvSpPr>
+          <p:cNvPr id="4" name="TextBox 3"/>
+          <p:cNvSpPr txBox="1"/>
+          <p:nvPr/>
+        </p:nvSpPr>
+        <p:spPr>
+          <a:xfrm>
+            <a:off x="215153" y="5362513"/>
+            <a:ext cx="4871197" cy="3785652"/>
+          </a:xfrm>
+          <a:prstGeom prst="rect">
+            <a:avLst/>
+          </a:prstGeom>
+          <a:noFill/>
+        </p:spPr>
+        <p:txBody>
+          <a:bodyPr wrap="square" rtlCol="0">
+            <a:spAutoFit/>
+          </a:bodyPr>
+          <a:lstStyle/>
+          <a:p>
+            <a:r>
+              <a:rPr lang="zh-CN" altLang="zh-CN" sz="1000" dirty="0"/>
+              <a:t>⑴ 理念上：致力于“让学生做梦想的实现家”，以志趣为导引，以创新实践活动为手段，理工、人文、社会学科相融合，知识传授、能力培养和价值塑造协调发展。</a:t>
+            </a:r>
+          </a:p>
+          <a:p>
+            <a:r>
+              <a:rPr lang="zh-CN" altLang="zh-CN" sz="1000" dirty="0"/>
+              <a:t>⑵ 体系上</a:t>
+            </a:r>
+            <a:r>
+              <a:rPr lang="zh-CN" altLang="zh-CN" sz="1000" dirty="0" smtClean="0"/>
+              <a:t>：建设</a:t>
+            </a:r>
+            <a:r>
+              <a:rPr lang="zh-CN" altLang="zh-CN" sz="1000" dirty="0"/>
+              <a:t>开放的创客活动服务平台和教学体系，面向全校学生，提供孵化场地、技术培训、产品开发、加工制作、管理咨询等方面的支撑条件，让同学们了解并运用最新的技术工具及创新方法，实现跨领域合作，鼓励不同学科同学的思想碰撞，运用和发展现有的开源和学术研究成果将想法变成现实，成为我校学生“三创（创意、创新、创业）”实践中心之一。</a:t>
+            </a:r>
+          </a:p>
+          <a:p>
+            <a:r>
+              <a:rPr lang="zh-CN" altLang="zh-CN" sz="1000" dirty="0"/>
+              <a:t>⑶ 模式上：以学生为主体，通过创客活动作为开展创新思维教育、培养学生动手实践能力的重要载体，通过教育模式的创新，激发学生的内在动力，在校园里营造良好的创意、创新、创业氛围。通过创客活动，为同学们提供动手学习的机会，提高解决问题的能力，同时改变同学们的学习方式，提高学习效率；使同学们接触到最前沿的科学技术，产生新的创业机会；同时促进跨学科的互动，有利于知识创新，将充分释放学生巨大的创新潜力，形成人人参与创新的学习氛围。</a:t>
+            </a:r>
+          </a:p>
+          <a:p>
+            <a:r>
+              <a:rPr lang="zh-CN" altLang="zh-CN" sz="1000" dirty="0"/>
+              <a:t>⑷ 规模效益上：通过一系列的创客空间基础建设，以及常态性的三创活动，让全校超过三分之一的同学</a:t>
+            </a:r>
+            <a:r>
+              <a:rPr lang="en-US" altLang="zh-CN" sz="1000" dirty="0"/>
+              <a:t>(</a:t>
+            </a:r>
+            <a:r>
+              <a:rPr lang="zh-CN" altLang="zh-CN" sz="1000" dirty="0"/>
+              <a:t>每年</a:t>
+            </a:r>
+            <a:r>
+              <a:rPr lang="en-US" altLang="zh-CN" sz="1000" dirty="0"/>
+              <a:t>800</a:t>
+            </a:r>
+            <a:r>
+              <a:rPr lang="zh-CN" altLang="zh-CN" sz="1000" dirty="0"/>
+              <a:t>～</a:t>
+            </a:r>
+            <a:r>
+              <a:rPr lang="en-US" altLang="zh-CN" sz="1000" dirty="0"/>
+              <a:t>1000</a:t>
+            </a:r>
+            <a:r>
+              <a:rPr lang="zh-CN" altLang="zh-CN" sz="1000" dirty="0"/>
+              <a:t>人次</a:t>
+            </a:r>
+            <a:r>
+              <a:rPr lang="en-US" altLang="zh-CN" sz="1000" dirty="0"/>
+              <a:t>) </a:t>
+            </a:r>
+            <a:r>
+              <a:rPr lang="zh-CN" altLang="zh-CN" sz="1000" dirty="0"/>
+              <a:t>直接参与符合创客精神的正式学习活动。这些正式的“创客”学习活动，将以创造实物、服务或内容系统为导向，搭配针对性的创客教学基础建设， 其中包括：科学化地记录学习过程与分析学习产出效应的信息平台，分布于校园多处的创客交流与创作空间，集聚世界一流的创客人才的常态性国际文化交流活动，基于“创客”活动所产生的过程数据，授予个人学分或能力证书。</a:t>
+            </a:r>
+          </a:p>
+          <a:p>
+            <a:r>
+              <a:rPr lang="zh-CN" altLang="zh-CN" sz="1000" dirty="0"/>
+              <a:t>⑸ 机制上：形成开放的建设机制，在此平台上通过学校相关部处、院系、教师、学生，国内外企业以及全球创客社群等的主动性参与，激活清华校园成为一个更具创造力的学习型空间。在课程规模及教学内容深度上，让由清华首创的创客教学模式成为世界一流大学仿效的对象。</a:t>
+            </a:r>
+            <a:endParaRPr lang="en-US" altLang="zh-CN" sz="1000" dirty="0" smtClean="0">
+              <a:latin typeface="黑体" panose="02010609060101010101" pitchFamily="49" charset="-122"/>
+              <a:ea typeface="黑体" panose="02010609060101010101" pitchFamily="49" charset="-122"/>
+            </a:endParaRPr>
           </a:p>
         </p:txBody>
       </p:sp>
@@ -5600,10 +6730,16 @@
           <a:lstStyle/>
           <a:p>
             <a:r>
-              <a:rPr lang="zh-CN" altLang="en-US" sz="1000" dirty="0" smtClean="0"/>
+              <a:rPr lang="zh-CN" altLang="en-US" sz="1000" dirty="0" smtClean="0">
+                <a:latin typeface="黑体" panose="02010609060101010101" pitchFamily="49" charset="-122"/>
+                <a:ea typeface="黑体" panose="02010609060101010101" pitchFamily="49" charset="-122"/>
+              </a:rPr>
               <a:t>创新教学体系</a:t>
             </a:r>
-            <a:endParaRPr lang="zh-CN" altLang="en-US" sz="1000" dirty="0"/>
+            <a:endParaRPr lang="zh-CN" altLang="en-US" sz="1000" dirty="0">
+              <a:latin typeface="黑体" panose="02010609060101010101" pitchFamily="49" charset="-122"/>
+              <a:ea typeface="黑体" panose="02010609060101010101" pitchFamily="49" charset="-122"/>
+            </a:endParaRPr>
           </a:p>
         </p:txBody>
       </p:sp>
@@ -5670,7 +6806,10 @@
           <a:lstStyle/>
           <a:p>
             <a:r>
-              <a:rPr lang="zh-CN" altLang="en-US" sz="1000" dirty="0"/>
+              <a:rPr lang="zh-CN" altLang="en-US" sz="1000" dirty="0">
+                <a:latin typeface="黑体" panose="02010609060101010101" pitchFamily="49" charset="-122"/>
+                <a:ea typeface="黑体" panose="02010609060101010101" pitchFamily="49" charset="-122"/>
+              </a:rPr>
               <a:t>清华大学基础工业训练中心</a:t>
             </a:r>
           </a:p>
@@ -5699,10 +6838,16 @@
           <a:lstStyle/>
           <a:p>
             <a:r>
-              <a:rPr lang="zh-CN" altLang="en-US" dirty="0" smtClean="0"/>
+              <a:rPr lang="zh-CN" altLang="en-US" dirty="0" smtClean="0">
+                <a:latin typeface="黑体" panose="02010609060101010101" pitchFamily="49" charset="-122"/>
+                <a:ea typeface="黑体" panose="02010609060101010101" pitchFamily="49" charset="-122"/>
+              </a:rPr>
               <a:t>清华派创客课程体系</a:t>
             </a:r>
-            <a:endParaRPr lang="en-US" altLang="zh-CN" dirty="0" smtClean="0"/>
+            <a:endParaRPr lang="en-US" altLang="zh-CN" dirty="0" smtClean="0">
+              <a:latin typeface="黑体" panose="02010609060101010101" pitchFamily="49" charset="-122"/>
+              <a:ea typeface="黑体" panose="02010609060101010101" pitchFamily="49" charset="-122"/>
+            </a:endParaRPr>
           </a:p>
           <a:p>
             <a:pPr marL="285750" indent="-285750">
@@ -5710,10 +6855,16 @@
               <a:buChar char="-"/>
             </a:pPr>
             <a:r>
-              <a:rPr lang="zh-CN" altLang="en-US" dirty="0" smtClean="0"/>
+              <a:rPr lang="zh-CN" altLang="en-US" dirty="0" smtClean="0">
+                <a:latin typeface="黑体" panose="02010609060101010101" pitchFamily="49" charset="-122"/>
+                <a:ea typeface="黑体" panose="02010609060101010101" pitchFamily="49" charset="-122"/>
+              </a:rPr>
               <a:t>跨学科导引课</a:t>
             </a:r>
-            <a:endParaRPr lang="en-US" altLang="zh-CN" dirty="0" smtClean="0"/>
+            <a:endParaRPr lang="en-US" altLang="zh-CN" dirty="0" smtClean="0">
+              <a:latin typeface="黑体" panose="02010609060101010101" pitchFamily="49" charset="-122"/>
+              <a:ea typeface="黑体" panose="02010609060101010101" pitchFamily="49" charset="-122"/>
+            </a:endParaRPr>
           </a:p>
           <a:p>
             <a:pPr marL="285750" indent="-285750">
@@ -5721,10 +6872,16 @@
               <a:buChar char="-"/>
             </a:pPr>
             <a:r>
-              <a:rPr lang="zh-CN" altLang="en-US" dirty="0" smtClean="0"/>
+              <a:rPr lang="zh-CN" altLang="en-US" dirty="0" smtClean="0">
+                <a:latin typeface="黑体" panose="02010609060101010101" pitchFamily="49" charset="-122"/>
+                <a:ea typeface="黑体" panose="02010609060101010101" pitchFamily="49" charset="-122"/>
+              </a:rPr>
               <a:t>实验室探究课</a:t>
             </a:r>
-            <a:endParaRPr lang="en-US" altLang="zh-CN" dirty="0" smtClean="0"/>
+            <a:endParaRPr lang="en-US" altLang="zh-CN" dirty="0" smtClean="0">
+              <a:latin typeface="黑体" panose="02010609060101010101" pitchFamily="49" charset="-122"/>
+              <a:ea typeface="黑体" panose="02010609060101010101" pitchFamily="49" charset="-122"/>
+            </a:endParaRPr>
           </a:p>
           <a:p>
             <a:pPr marL="285750" indent="-285750">
@@ -5732,10 +6889,16 @@
               <a:buChar char="-"/>
             </a:pPr>
             <a:r>
-              <a:rPr lang="zh-CN" altLang="en-US" dirty="0" smtClean="0"/>
+              <a:rPr lang="zh-CN" altLang="en-US" dirty="0" smtClean="0">
+                <a:latin typeface="黑体" panose="02010609060101010101" pitchFamily="49" charset="-122"/>
+                <a:ea typeface="黑体" panose="02010609060101010101" pitchFamily="49" charset="-122"/>
+              </a:rPr>
               <a:t>战略规划课</a:t>
             </a:r>
-            <a:endParaRPr lang="en-US" altLang="zh-CN" dirty="0" smtClean="0"/>
+            <a:endParaRPr lang="en-US" altLang="zh-CN" dirty="0" smtClean="0">
+              <a:latin typeface="黑体" panose="02010609060101010101" pitchFamily="49" charset="-122"/>
+              <a:ea typeface="黑体" panose="02010609060101010101" pitchFamily="49" charset="-122"/>
+            </a:endParaRPr>
           </a:p>
           <a:p>
             <a:pPr marL="285750" indent="-285750">
@@ -5743,10 +6906,16 @@
               <a:buChar char="-"/>
             </a:pPr>
             <a:r>
-              <a:rPr lang="zh-CN" altLang="en-US" dirty="0" smtClean="0"/>
+              <a:rPr lang="zh-CN" altLang="en-US" dirty="0" smtClean="0">
+                <a:latin typeface="黑体" panose="02010609060101010101" pitchFamily="49" charset="-122"/>
+                <a:ea typeface="黑体" panose="02010609060101010101" pitchFamily="49" charset="-122"/>
+              </a:rPr>
               <a:t>系统设计开发课</a:t>
             </a:r>
-            <a:endParaRPr lang="en-US" altLang="zh-CN" dirty="0" smtClean="0"/>
+            <a:endParaRPr lang="en-US" altLang="zh-CN" dirty="0" smtClean="0">
+              <a:latin typeface="黑体" panose="02010609060101010101" pitchFamily="49" charset="-122"/>
+              <a:ea typeface="黑体" panose="02010609060101010101" pitchFamily="49" charset="-122"/>
+            </a:endParaRPr>
           </a:p>
         </p:txBody>
       </p:sp>
@@ -5773,14 +6942,23 @@
           <a:lstStyle/>
           <a:p>
             <a:r>
-              <a:rPr lang="zh-CN" altLang="en-US" dirty="0"/>
+              <a:rPr lang="zh-CN" altLang="en-US" dirty="0">
+                <a:latin typeface="黑体" panose="02010609060101010101" pitchFamily="49" charset="-122"/>
+                <a:ea typeface="黑体" panose="02010609060101010101" pitchFamily="49" charset="-122"/>
+              </a:rPr>
               <a:t>创</a:t>
             </a:r>
             <a:r>
-              <a:rPr lang="zh-CN" altLang="en-US" dirty="0" smtClean="0"/>
+              <a:rPr lang="zh-CN" altLang="en-US" dirty="0" smtClean="0">
+                <a:latin typeface="黑体" panose="02010609060101010101" pitchFamily="49" charset="-122"/>
+                <a:ea typeface="黑体" panose="02010609060101010101" pitchFamily="49" charset="-122"/>
+              </a:rPr>
               <a:t>客在线平台</a:t>
             </a:r>
-            <a:endParaRPr lang="en-US" altLang="zh-CN" dirty="0" smtClean="0"/>
+            <a:endParaRPr lang="en-US" altLang="zh-CN" dirty="0" smtClean="0">
+              <a:latin typeface="黑体" panose="02010609060101010101" pitchFamily="49" charset="-122"/>
+              <a:ea typeface="黑体" panose="02010609060101010101" pitchFamily="49" charset="-122"/>
+            </a:endParaRPr>
           </a:p>
           <a:p>
             <a:pPr marL="285750" indent="-285750">
@@ -5788,10 +6966,16 @@
               <a:buChar char="-"/>
             </a:pPr>
             <a:r>
-              <a:rPr lang="zh-CN" altLang="en-US" dirty="0" smtClean="0"/>
+              <a:rPr lang="zh-CN" altLang="en-US" dirty="0" smtClean="0">
+                <a:latin typeface="黑体" panose="02010609060101010101" pitchFamily="49" charset="-122"/>
+                <a:ea typeface="黑体" panose="02010609060101010101" pitchFamily="49" charset="-122"/>
+              </a:rPr>
               <a:t>课程模块化服务</a:t>
             </a:r>
-            <a:endParaRPr lang="en-US" altLang="zh-CN" dirty="0" smtClean="0"/>
+            <a:endParaRPr lang="en-US" altLang="zh-CN" dirty="0" smtClean="0">
+              <a:latin typeface="黑体" panose="02010609060101010101" pitchFamily="49" charset="-122"/>
+              <a:ea typeface="黑体" panose="02010609060101010101" pitchFamily="49" charset="-122"/>
+            </a:endParaRPr>
           </a:p>
           <a:p>
             <a:pPr marL="285750" indent="-285750">
@@ -5799,10 +6983,16 @@
               <a:buChar char="-"/>
             </a:pPr>
             <a:r>
-              <a:rPr lang="zh-CN" altLang="en-US" dirty="0" smtClean="0"/>
+              <a:rPr lang="zh-CN" altLang="en-US" dirty="0" smtClean="0">
+                <a:latin typeface="黑体" panose="02010609060101010101" pitchFamily="49" charset="-122"/>
+                <a:ea typeface="黑体" panose="02010609060101010101" pitchFamily="49" charset="-122"/>
+              </a:rPr>
               <a:t>在线作品发布平台</a:t>
             </a:r>
-            <a:endParaRPr lang="en-US" altLang="zh-CN" dirty="0" smtClean="0"/>
+            <a:endParaRPr lang="en-US" altLang="zh-CN" dirty="0" smtClean="0">
+              <a:latin typeface="黑体" panose="02010609060101010101" pitchFamily="49" charset="-122"/>
+              <a:ea typeface="黑体" panose="02010609060101010101" pitchFamily="49" charset="-122"/>
+            </a:endParaRPr>
           </a:p>
           <a:p>
             <a:pPr marL="285750" indent="-285750">
@@ -5810,14 +7000,23 @@
               <a:buChar char="-"/>
             </a:pPr>
             <a:r>
-              <a:rPr lang="zh-CN" altLang="en-US" dirty="0"/>
+              <a:rPr lang="zh-CN" altLang="en-US" dirty="0">
+                <a:latin typeface="黑体" panose="02010609060101010101" pitchFamily="49" charset="-122"/>
+                <a:ea typeface="黑体" panose="02010609060101010101" pitchFamily="49" charset="-122"/>
+              </a:rPr>
               <a:t>在</a:t>
             </a:r>
             <a:r>
-              <a:rPr lang="zh-CN" altLang="en-US" dirty="0" smtClean="0"/>
+              <a:rPr lang="zh-CN" altLang="en-US" dirty="0" smtClean="0">
+                <a:latin typeface="黑体" panose="02010609060101010101" pitchFamily="49" charset="-122"/>
+                <a:ea typeface="黑体" panose="02010609060101010101" pitchFamily="49" charset="-122"/>
+              </a:rPr>
               <a:t>校创客与产业交流平台</a:t>
             </a:r>
-            <a:endParaRPr lang="en-US" altLang="zh-CN" dirty="0" smtClean="0"/>
+            <a:endParaRPr lang="en-US" altLang="zh-CN" dirty="0" smtClean="0">
+              <a:latin typeface="黑体" panose="02010609060101010101" pitchFamily="49" charset="-122"/>
+              <a:ea typeface="黑体" panose="02010609060101010101" pitchFamily="49" charset="-122"/>
+            </a:endParaRPr>
           </a:p>
         </p:txBody>
       </p:sp>
@@ -5844,14 +7043,23 @@
           <a:lstStyle/>
           <a:p>
             <a:r>
-              <a:rPr lang="zh-CN" altLang="en-US" dirty="0"/>
+              <a:rPr lang="zh-CN" altLang="en-US" dirty="0">
+                <a:latin typeface="黑体" panose="02010609060101010101" pitchFamily="49" charset="-122"/>
+                <a:ea typeface="黑体" panose="02010609060101010101" pitchFamily="49" charset="-122"/>
+              </a:rPr>
               <a:t>创新创业辅修</a:t>
             </a:r>
             <a:r>
-              <a:rPr lang="zh-CN" altLang="en-US" dirty="0" smtClean="0"/>
+              <a:rPr lang="zh-CN" altLang="en-US" dirty="0" smtClean="0">
+                <a:latin typeface="黑体" panose="02010609060101010101" pitchFamily="49" charset="-122"/>
+                <a:ea typeface="黑体" panose="02010609060101010101" pitchFamily="49" charset="-122"/>
+              </a:rPr>
               <a:t>项目</a:t>
             </a:r>
-            <a:endParaRPr lang="en-US" altLang="zh-CN" dirty="0" smtClean="0"/>
+            <a:endParaRPr lang="en-US" altLang="zh-CN" dirty="0" smtClean="0">
+              <a:latin typeface="黑体" panose="02010609060101010101" pitchFamily="49" charset="-122"/>
+              <a:ea typeface="黑体" panose="02010609060101010101" pitchFamily="49" charset="-122"/>
+            </a:endParaRPr>
           </a:p>
           <a:p>
             <a:pPr marL="285750" indent="-285750">
@@ -5859,26 +7067,44 @@
               <a:buChar char="-"/>
             </a:pPr>
             <a:r>
-              <a:rPr lang="zh-CN" altLang="zh-CN" dirty="0" smtClean="0"/>
+              <a:rPr lang="zh-CN" altLang="zh-CN" dirty="0" smtClean="0">
+                <a:latin typeface="黑体" panose="02010609060101010101" pitchFamily="49" charset="-122"/>
+                <a:ea typeface="黑体" panose="02010609060101010101" pitchFamily="49" charset="-122"/>
+              </a:rPr>
               <a:t>导引</a:t>
             </a:r>
             <a:r>
-              <a:rPr lang="zh-CN" altLang="zh-CN" dirty="0"/>
+              <a:rPr lang="zh-CN" altLang="zh-CN" dirty="0">
+                <a:latin typeface="黑体" panose="02010609060101010101" pitchFamily="49" charset="-122"/>
+                <a:ea typeface="黑体" panose="02010609060101010101" pitchFamily="49" charset="-122"/>
+              </a:rPr>
               <a:t>课程：《</a:t>
             </a:r>
             <a:r>
-              <a:rPr lang="en-US" altLang="zh-CN" dirty="0"/>
+              <a:rPr lang="en-US" altLang="zh-CN" dirty="0">
+                <a:latin typeface="黑体" panose="02010609060101010101" pitchFamily="49" charset="-122"/>
+                <a:ea typeface="黑体" panose="02010609060101010101" pitchFamily="49" charset="-122"/>
+              </a:rPr>
               <a:t>XLP</a:t>
             </a:r>
             <a:r>
-              <a:rPr lang="zh-CN" altLang="zh-CN" dirty="0"/>
+              <a:rPr lang="zh-CN" altLang="zh-CN" dirty="0">
+                <a:latin typeface="黑体" panose="02010609060101010101" pitchFamily="49" charset="-122"/>
+                <a:ea typeface="黑体" panose="02010609060101010101" pitchFamily="49" charset="-122"/>
+              </a:rPr>
               <a:t>导引课》、《创业认识与实践》、</a:t>
             </a:r>
             <a:r>
-              <a:rPr lang="zh-CN" altLang="zh-CN" dirty="0" smtClean="0"/>
+              <a:rPr lang="zh-CN" altLang="zh-CN" dirty="0" smtClean="0">
+                <a:latin typeface="黑体" panose="02010609060101010101" pitchFamily="49" charset="-122"/>
+                <a:ea typeface="黑体" panose="02010609060101010101" pitchFamily="49" charset="-122"/>
+              </a:rPr>
               <a:t>《设计思维》</a:t>
             </a:r>
-            <a:endParaRPr lang="en-US" altLang="zh-CN" dirty="0"/>
+            <a:endParaRPr lang="en-US" altLang="zh-CN" dirty="0">
+              <a:latin typeface="黑体" panose="02010609060101010101" pitchFamily="49" charset="-122"/>
+              <a:ea typeface="黑体" panose="02010609060101010101" pitchFamily="49" charset="-122"/>
+            </a:endParaRPr>
           </a:p>
           <a:p>
             <a:pPr marL="285750" indent="-285750">
@@ -5886,18 +7112,30 @@
               <a:buChar char="-"/>
             </a:pPr>
             <a:r>
-              <a:rPr lang="zh-CN" altLang="zh-CN" dirty="0" smtClean="0"/>
+              <a:rPr lang="zh-CN" altLang="zh-CN" dirty="0" smtClean="0">
+                <a:latin typeface="黑体" panose="02010609060101010101" pitchFamily="49" charset="-122"/>
+                <a:ea typeface="黑体" panose="02010609060101010101" pitchFamily="49" charset="-122"/>
+              </a:rPr>
               <a:t>实践</a:t>
             </a:r>
             <a:r>
-              <a:rPr lang="zh-CN" altLang="zh-CN" dirty="0"/>
+              <a:rPr lang="zh-CN" altLang="zh-CN" dirty="0">
+                <a:latin typeface="黑体" panose="02010609060101010101" pitchFamily="49" charset="-122"/>
+                <a:ea typeface="黑体" panose="02010609060101010101" pitchFamily="49" charset="-122"/>
+              </a:rPr>
               <a:t>课程：《全球制造战略》、《实验室科研探究》、</a:t>
             </a:r>
             <a:r>
-              <a:rPr lang="zh-CN" altLang="zh-CN" dirty="0" smtClean="0"/>
+              <a:rPr lang="zh-CN" altLang="zh-CN" dirty="0" smtClean="0">
+                <a:latin typeface="黑体" panose="02010609060101010101" pitchFamily="49" charset="-122"/>
+                <a:ea typeface="黑体" panose="02010609060101010101" pitchFamily="49" charset="-122"/>
+              </a:rPr>
               <a:t>《工程训练系列课程》</a:t>
             </a:r>
-            <a:endParaRPr lang="en-US" altLang="zh-CN" dirty="0" smtClean="0"/>
+            <a:endParaRPr lang="en-US" altLang="zh-CN" dirty="0" smtClean="0">
+              <a:latin typeface="黑体" panose="02010609060101010101" pitchFamily="49" charset="-122"/>
+              <a:ea typeface="黑体" panose="02010609060101010101" pitchFamily="49" charset="-122"/>
+            </a:endParaRPr>
           </a:p>
           <a:p>
             <a:pPr marL="285750" indent="-285750">
@@ -5905,18 +7143,30 @@
               <a:buChar char="-"/>
             </a:pPr>
             <a:r>
-              <a:rPr lang="zh-CN" altLang="zh-CN" dirty="0" smtClean="0"/>
+              <a:rPr lang="zh-CN" altLang="zh-CN" dirty="0" smtClean="0">
+                <a:latin typeface="黑体" panose="02010609060101010101" pitchFamily="49" charset="-122"/>
+                <a:ea typeface="黑体" panose="02010609060101010101" pitchFamily="49" charset="-122"/>
+              </a:rPr>
               <a:t>项目</a:t>
             </a:r>
             <a:r>
-              <a:rPr lang="zh-CN" altLang="zh-CN" dirty="0"/>
+              <a:rPr lang="zh-CN" altLang="zh-CN" dirty="0">
+                <a:latin typeface="黑体" panose="02010609060101010101" pitchFamily="49" charset="-122"/>
+                <a:ea typeface="黑体" panose="02010609060101010101" pitchFamily="49" charset="-122"/>
+              </a:rPr>
               <a:t>驱动：</a:t>
             </a:r>
             <a:r>
-              <a:rPr lang="zh-CN" altLang="zh-CN" dirty="0" smtClean="0"/>
+              <a:rPr lang="zh-CN" altLang="zh-CN" dirty="0" smtClean="0">
+                <a:latin typeface="黑体" panose="02010609060101010101" pitchFamily="49" charset="-122"/>
+                <a:ea typeface="黑体" panose="02010609060101010101" pitchFamily="49" charset="-122"/>
+              </a:rPr>
               <a:t>《设计与科技创业实验室》</a:t>
             </a:r>
-            <a:endParaRPr lang="en-US" altLang="zh-CN" dirty="0" smtClean="0"/>
+            <a:endParaRPr lang="en-US" altLang="zh-CN" dirty="0" smtClean="0">
+              <a:latin typeface="黑体" panose="02010609060101010101" pitchFamily="49" charset="-122"/>
+              <a:ea typeface="黑体" panose="02010609060101010101" pitchFamily="49" charset="-122"/>
+            </a:endParaRPr>
           </a:p>
           <a:p>
             <a:pPr marL="285750" indent="-285750">
@@ -5924,18 +7174,30 @@
               <a:buChar char="-"/>
             </a:pPr>
             <a:r>
-              <a:rPr lang="zh-CN" altLang="zh-CN" dirty="0" smtClean="0"/>
+              <a:rPr lang="zh-CN" altLang="zh-CN" dirty="0" smtClean="0">
+                <a:latin typeface="黑体" panose="02010609060101010101" pitchFamily="49" charset="-122"/>
+                <a:ea typeface="黑体" panose="02010609060101010101" pitchFamily="49" charset="-122"/>
+              </a:rPr>
               <a:t>特色</a:t>
             </a:r>
             <a:r>
-              <a:rPr lang="zh-CN" altLang="zh-CN" dirty="0"/>
+              <a:rPr lang="zh-CN" altLang="zh-CN" dirty="0">
+                <a:latin typeface="黑体" panose="02010609060101010101" pitchFamily="49" charset="-122"/>
+                <a:ea typeface="黑体" panose="02010609060101010101" pitchFamily="49" charset="-122"/>
+              </a:rPr>
               <a:t>课程：各院系</a:t>
             </a:r>
             <a:r>
-              <a:rPr lang="zh-CN" altLang="zh-CN" dirty="0" smtClean="0"/>
+              <a:rPr lang="zh-CN" altLang="zh-CN" dirty="0" smtClean="0">
+                <a:latin typeface="黑体" panose="02010609060101010101" pitchFamily="49" charset="-122"/>
+                <a:ea typeface="黑体" panose="02010609060101010101" pitchFamily="49" charset="-122"/>
+              </a:rPr>
               <a:t>《创业类课程》</a:t>
             </a:r>
-            <a:endParaRPr lang="en-US" altLang="zh-CN" dirty="0" smtClean="0"/>
+            <a:endParaRPr lang="en-US" altLang="zh-CN" dirty="0" smtClean="0">
+              <a:latin typeface="黑体" panose="02010609060101010101" pitchFamily="49" charset="-122"/>
+              <a:ea typeface="黑体" panose="02010609060101010101" pitchFamily="49" charset="-122"/>
+            </a:endParaRPr>
           </a:p>
           <a:p>
             <a:pPr marL="285750" indent="-285750">
@@ -5943,14 +7205,23 @@
               <a:buChar char="-"/>
             </a:pPr>
             <a:r>
-              <a:rPr lang="zh-CN" altLang="zh-CN" dirty="0" smtClean="0"/>
+              <a:rPr lang="zh-CN" altLang="zh-CN" dirty="0" smtClean="0">
+                <a:latin typeface="黑体" panose="02010609060101010101" pitchFamily="49" charset="-122"/>
+                <a:ea typeface="黑体" panose="02010609060101010101" pitchFamily="49" charset="-122"/>
+              </a:rPr>
               <a:t>商业</a:t>
             </a:r>
             <a:r>
-              <a:rPr lang="zh-CN" altLang="zh-CN" dirty="0"/>
+              <a:rPr lang="zh-CN" altLang="zh-CN" dirty="0">
+                <a:latin typeface="黑体" panose="02010609060101010101" pitchFamily="49" charset="-122"/>
+                <a:ea typeface="黑体" panose="02010609060101010101" pitchFamily="49" charset="-122"/>
+              </a:rPr>
               <a:t>类课程： 《创业管理》、《创业计划》、《创业领导力》等</a:t>
             </a:r>
-            <a:endParaRPr lang="en-US" altLang="zh-CN" dirty="0" smtClean="0"/>
+            <a:endParaRPr lang="en-US" altLang="zh-CN" dirty="0" smtClean="0">
+              <a:latin typeface="黑体" panose="02010609060101010101" pitchFamily="49" charset="-122"/>
+              <a:ea typeface="黑体" panose="02010609060101010101" pitchFamily="49" charset="-122"/>
+            </a:endParaRPr>
           </a:p>
         </p:txBody>
       </p:sp>
@@ -6015,10 +7286,16 @@
           <a:lstStyle/>
           <a:p>
             <a:r>
-              <a:rPr lang="zh-CN" altLang="en-US" dirty="0" smtClean="0"/>
+              <a:rPr lang="zh-CN" altLang="en-US" dirty="0" smtClean="0">
+                <a:latin typeface="黑体" panose="02010609060101010101" pitchFamily="49" charset="-122"/>
+                <a:ea typeface="黑体" panose="02010609060101010101" pitchFamily="49" charset="-122"/>
+              </a:rPr>
               <a:t>交叉融合实践空间</a:t>
             </a:r>
-            <a:endParaRPr lang="zh-CN" altLang="en-US" dirty="0"/>
+            <a:endParaRPr lang="zh-CN" altLang="en-US" dirty="0">
+              <a:latin typeface="黑体" panose="02010609060101010101" pitchFamily="49" charset="-122"/>
+              <a:ea typeface="黑体" panose="02010609060101010101" pitchFamily="49" charset="-122"/>
+            </a:endParaRPr>
           </a:p>
         </p:txBody>
       </p:sp>
@@ -6045,10 +7322,16 @@
           <a:lstStyle/>
           <a:p>
             <a:r>
-              <a:rPr lang="zh-CN" altLang="en-US" dirty="0" smtClean="0"/>
+              <a:rPr lang="zh-CN" altLang="en-US" dirty="0" smtClean="0">
+                <a:latin typeface="黑体" panose="02010609060101010101" pitchFamily="49" charset="-122"/>
+                <a:ea typeface="黑体" panose="02010609060101010101" pitchFamily="49" charset="-122"/>
+              </a:rPr>
               <a:t>全球视频会议终端</a:t>
             </a:r>
-            <a:endParaRPr lang="en-US" altLang="zh-CN" dirty="0" smtClean="0"/>
+            <a:endParaRPr lang="en-US" altLang="zh-CN" dirty="0" smtClean="0">
+              <a:latin typeface="黑体" panose="02010609060101010101" pitchFamily="49" charset="-122"/>
+              <a:ea typeface="黑体" panose="02010609060101010101" pitchFamily="49" charset="-122"/>
+            </a:endParaRPr>
           </a:p>
         </p:txBody>
       </p:sp>
@@ -6075,10 +7358,16 @@
           <a:lstStyle/>
           <a:p>
             <a:r>
-              <a:rPr lang="zh-CN" altLang="en-US" dirty="0" smtClean="0"/>
+              <a:rPr lang="zh-CN" altLang="en-US" dirty="0" smtClean="0">
+                <a:latin typeface="黑体" panose="02010609060101010101" pitchFamily="49" charset="-122"/>
+                <a:ea typeface="黑体" panose="02010609060101010101" pitchFamily="49" charset="-122"/>
+              </a:rPr>
               <a:t>展演大厅</a:t>
             </a:r>
-            <a:endParaRPr lang="en-US" altLang="zh-CN" dirty="0" smtClean="0"/>
+            <a:endParaRPr lang="en-US" altLang="zh-CN" dirty="0" smtClean="0">
+              <a:latin typeface="黑体" panose="02010609060101010101" pitchFamily="49" charset="-122"/>
+              <a:ea typeface="黑体" panose="02010609060101010101" pitchFamily="49" charset="-122"/>
+            </a:endParaRPr>
           </a:p>
         </p:txBody>
       </p:sp>
@@ -6107,10 +7396,16 @@
           <a:lstStyle/>
           <a:p>
             <a:r>
-              <a:rPr lang="zh-CN" altLang="en-US" sz="1000" dirty="0" smtClean="0"/>
+              <a:rPr lang="zh-CN" altLang="en-US" sz="1000" dirty="0" smtClean="0">
+                <a:latin typeface="黑体" panose="02010609060101010101" pitchFamily="49" charset="-122"/>
+                <a:ea typeface="黑体" panose="02010609060101010101" pitchFamily="49" charset="-122"/>
+              </a:rPr>
               <a:t>全周期资源配套</a:t>
             </a:r>
-            <a:endParaRPr lang="zh-CN" altLang="en-US" sz="1000" dirty="0"/>
+            <a:endParaRPr lang="zh-CN" altLang="en-US" sz="1000" dirty="0">
+              <a:latin typeface="黑体" panose="02010609060101010101" pitchFamily="49" charset="-122"/>
+              <a:ea typeface="黑体" panose="02010609060101010101" pitchFamily="49" charset="-122"/>
+            </a:endParaRPr>
           </a:p>
         </p:txBody>
       </p:sp>
@@ -6137,10 +7432,16 @@
           <a:lstStyle/>
           <a:p>
             <a:r>
-              <a:rPr lang="zh-CN" altLang="en-US" dirty="0" smtClean="0"/>
+              <a:rPr lang="zh-CN" altLang="en-US" dirty="0" smtClean="0">
+                <a:latin typeface="黑体" panose="02010609060101010101" pitchFamily="49" charset="-122"/>
+                <a:ea typeface="黑体" panose="02010609060101010101" pitchFamily="49" charset="-122"/>
+              </a:rPr>
               <a:t>创客制造坊</a:t>
             </a:r>
-            <a:endParaRPr lang="en-US" altLang="zh-CN" dirty="0" smtClean="0"/>
+            <a:endParaRPr lang="en-US" altLang="zh-CN" dirty="0" smtClean="0">
+              <a:latin typeface="黑体" panose="02010609060101010101" pitchFamily="49" charset="-122"/>
+              <a:ea typeface="黑体" panose="02010609060101010101" pitchFamily="49" charset="-122"/>
+            </a:endParaRPr>
           </a:p>
         </p:txBody>
       </p:sp>
@@ -6207,7 +7508,10 @@
           <a:lstStyle/>
           <a:p>
             <a:r>
-              <a:rPr lang="zh-CN" altLang="en-US" sz="1000" dirty="0"/>
+              <a:rPr lang="zh-CN" altLang="en-US" sz="1000" dirty="0">
+                <a:latin typeface="黑体" panose="02010609060101010101" pitchFamily="49" charset="-122"/>
+                <a:ea typeface="黑体" panose="02010609060101010101" pitchFamily="49" charset="-122"/>
+              </a:rPr>
               <a:t>清华大学基础工业训练中心</a:t>
             </a:r>
           </a:p>
@@ -6485,7 +7789,24 @@
       </a:bgFillStyleLst>
     </a:fmtScheme>
   </a:themeElements>
-  <a:objectDefaults/>
+  <a:objectDefaults>
+    <a:txDef>
+      <a:spPr>
+        <a:noFill/>
+      </a:spPr>
+      <a:bodyPr wrap="square" rtlCol="0">
+        <a:spAutoFit/>
+      </a:bodyPr>
+      <a:lstStyle>
+        <a:defPPr>
+          <a:defRPr sz="1100" dirty="0">
+            <a:latin typeface="黑体" panose="02010609060101010101" pitchFamily="49" charset="-122"/>
+            <a:ea typeface="黑体" panose="02010609060101010101" pitchFamily="49" charset="-122"/>
+          </a:defRPr>
+        </a:defPPr>
+      </a:lstStyle>
+    </a:txDef>
+  </a:objectDefaults>
   <a:extraClrSchemeLst/>
   <a:extLst>
     <a:ext uri="{05A4C25C-085E-4340-85A3-A5531E510DB2}">

--- a/训练中心创客交叉融合空间建设/doc/创客交叉融合空间宣传册.pptx
+++ b/训练中心创客交叉融合空间建设/doc/创客交叉融合空间宣传册.pptx
@@ -258,7 +258,7 @@
           <a:p>
             <a:fld id="{618260D7-4791-449E-B0C3-A5F2790DD3B3}" type="datetimeFigureOut">
               <a:rPr lang="zh-CN" altLang="en-US" smtClean="0"/>
-              <a:t>2014/5/19</a:t>
+              <a:t>2014/5/26</a:t>
             </a:fld>
             <a:endParaRPr lang="zh-CN" altLang="en-US"/>
           </a:p>
@@ -515,7 +515,7 @@
           <a:p>
             <a:fld id="{618260D7-4791-449E-B0C3-A5F2790DD3B3}" type="datetimeFigureOut">
               <a:rPr lang="zh-CN" altLang="en-US" smtClean="0"/>
-              <a:t>2014/5/19</a:t>
+              <a:t>2014/5/26</a:t>
             </a:fld>
             <a:endParaRPr lang="zh-CN" altLang="en-US"/>
           </a:p>
@@ -685,7 +685,7 @@
           <a:p>
             <a:fld id="{618260D7-4791-449E-B0C3-A5F2790DD3B3}" type="datetimeFigureOut">
               <a:rPr lang="zh-CN" altLang="en-US" smtClean="0"/>
-              <a:t>2014/5/19</a:t>
+              <a:t>2014/5/26</a:t>
             </a:fld>
             <a:endParaRPr lang="zh-CN" altLang="en-US"/>
           </a:p>
@@ -865,7 +865,7 @@
           <a:p>
             <a:fld id="{618260D7-4791-449E-B0C3-A5F2790DD3B3}" type="datetimeFigureOut">
               <a:rPr lang="zh-CN" altLang="en-US" smtClean="0"/>
-              <a:t>2014/5/19</a:t>
+              <a:t>2014/5/26</a:t>
             </a:fld>
             <a:endParaRPr lang="zh-CN" altLang="en-US"/>
           </a:p>
@@ -1035,7 +1035,7 @@
           <a:p>
             <a:fld id="{618260D7-4791-449E-B0C3-A5F2790DD3B3}" type="datetimeFigureOut">
               <a:rPr lang="zh-CN" altLang="en-US" smtClean="0"/>
-              <a:t>2014/5/19</a:t>
+              <a:t>2014/5/26</a:t>
             </a:fld>
             <a:endParaRPr lang="zh-CN" altLang="en-US"/>
           </a:p>
@@ -1279,7 +1279,7 @@
           <a:p>
             <a:fld id="{618260D7-4791-449E-B0C3-A5F2790DD3B3}" type="datetimeFigureOut">
               <a:rPr lang="zh-CN" altLang="en-US" smtClean="0"/>
-              <a:t>2014/5/19</a:t>
+              <a:t>2014/5/26</a:t>
             </a:fld>
             <a:endParaRPr lang="zh-CN" altLang="en-US"/>
           </a:p>
@@ -1511,7 +1511,7 @@
           <a:p>
             <a:fld id="{618260D7-4791-449E-B0C3-A5F2790DD3B3}" type="datetimeFigureOut">
               <a:rPr lang="zh-CN" altLang="en-US" smtClean="0"/>
-              <a:t>2014/5/19</a:t>
+              <a:t>2014/5/26</a:t>
             </a:fld>
             <a:endParaRPr lang="zh-CN" altLang="en-US"/>
           </a:p>
@@ -1878,7 +1878,7 @@
           <a:p>
             <a:fld id="{618260D7-4791-449E-B0C3-A5F2790DD3B3}" type="datetimeFigureOut">
               <a:rPr lang="zh-CN" altLang="en-US" smtClean="0"/>
-              <a:t>2014/5/19</a:t>
+              <a:t>2014/5/26</a:t>
             </a:fld>
             <a:endParaRPr lang="zh-CN" altLang="en-US"/>
           </a:p>
@@ -1996,7 +1996,7 @@
           <a:p>
             <a:fld id="{618260D7-4791-449E-B0C3-A5F2790DD3B3}" type="datetimeFigureOut">
               <a:rPr lang="zh-CN" altLang="en-US" smtClean="0"/>
-              <a:t>2014/5/19</a:t>
+              <a:t>2014/5/26</a:t>
             </a:fld>
             <a:endParaRPr lang="zh-CN" altLang="en-US"/>
           </a:p>
@@ -2091,7 +2091,7 @@
           <a:p>
             <a:fld id="{618260D7-4791-449E-B0C3-A5F2790DD3B3}" type="datetimeFigureOut">
               <a:rPr lang="zh-CN" altLang="en-US" smtClean="0"/>
-              <a:t>2014/5/19</a:t>
+              <a:t>2014/5/26</a:t>
             </a:fld>
             <a:endParaRPr lang="zh-CN" altLang="en-US"/>
           </a:p>
@@ -2186,7 +2186,7 @@
           <a:p>
             <a:fld id="{618260D7-4791-449E-B0C3-A5F2790DD3B3}" type="datetimeFigureOut">
               <a:rPr lang="zh-CN" altLang="en-US" smtClean="0"/>
-              <a:t>2014/5/19</a:t>
+              <a:t>2014/5/26</a:t>
             </a:fld>
             <a:endParaRPr lang="zh-CN" altLang="en-US"/>
           </a:p>
@@ -2514,7 +2514,7 @@
           <a:p>
             <a:fld id="{618260D7-4791-449E-B0C3-A5F2790DD3B3}" type="datetimeFigureOut">
               <a:rPr lang="zh-CN" altLang="en-US" smtClean="0"/>
-              <a:t>2014/5/19</a:t>
+              <a:t>2014/5/26</a:t>
             </a:fld>
             <a:endParaRPr lang="zh-CN" altLang="en-US"/>
           </a:p>
@@ -2727,7 +2727,7 @@
           <a:p>
             <a:fld id="{618260D7-4791-449E-B0C3-A5F2790DD3B3}" type="datetimeFigureOut">
               <a:rPr lang="zh-CN" altLang="en-US" smtClean="0"/>
-              <a:t>2014/5/19</a:t>
+              <a:t>2014/5/26</a:t>
             </a:fld>
             <a:endParaRPr lang="zh-CN" altLang="en-US"/>
           </a:p>
@@ -4520,18 +4520,11 @@
           <a:lstStyle/>
           <a:p>
             <a:r>
-              <a:rPr lang="zh-CN" altLang="en-US" dirty="0">
-                <a:latin typeface="黑体" panose="02010609060101010101" pitchFamily="49" charset="-122"/>
-                <a:ea typeface="黑体" panose="02010609060101010101" pitchFamily="49" charset="-122"/>
-              </a:rPr>
-              <a:t>创</a:t>
-            </a:r>
-            <a:r>
               <a:rPr lang="zh-CN" altLang="en-US" dirty="0" smtClean="0">
                 <a:latin typeface="黑体" panose="02010609060101010101" pitchFamily="49" charset="-122"/>
                 <a:ea typeface="黑体" panose="02010609060101010101" pitchFamily="49" charset="-122"/>
               </a:rPr>
-              <a:t>客团队支持</a:t>
+              <a:t>驻校创客计划</a:t>
             </a:r>
             <a:endParaRPr lang="en-US" altLang="zh-CN" dirty="0" smtClean="0">
               <a:latin typeface="黑体" panose="02010609060101010101" pitchFamily="49" charset="-122"/>
@@ -4680,14 +4673,7 @@
                 <a:latin typeface="黑体" panose="02010609060101010101" pitchFamily="49" charset="-122"/>
                 <a:ea typeface="黑体" panose="02010609060101010101" pitchFamily="49" charset="-122"/>
               </a:rPr>
-              <a:t>项目建设支持</a:t>
-            </a:r>
-            <a:r>
-              <a:rPr lang="zh-CN" altLang="en-US" sz="1000" dirty="0" smtClean="0">
-                <a:latin typeface="黑体" panose="02010609060101010101" pitchFamily="49" charset="-122"/>
-                <a:ea typeface="黑体" panose="02010609060101010101" pitchFamily="49" charset="-122"/>
-              </a:rPr>
-              <a:t>方案</a:t>
+              <a:t>项目建设支持方案</a:t>
             </a:r>
             <a:endParaRPr lang="zh-CN" altLang="en-US" sz="1000" dirty="0">
               <a:latin typeface="黑体" panose="02010609060101010101" pitchFamily="49" charset="-122"/>
@@ -4919,10 +4905,6 @@
               </a:rPr>
               <a:t>厚德載物</a:t>
             </a:r>
-            <a:endParaRPr lang="zh-CN" altLang="en-US" sz="4800" dirty="0">
-              <a:latin typeface="隶书" panose="02010509060101010101" pitchFamily="49" charset="-122"/>
-              <a:ea typeface="隶书" panose="02010509060101010101" pitchFamily="49" charset="-122"/>
-            </a:endParaRPr>
           </a:p>
         </p:txBody>
       </p:sp>
